--- a/_book/plot/pro-survey-q13-pie-1.pptx
+++ b/_book/plot/pro-survey-q13-pie-1.pptx
@@ -3158,131 +3158,134 @@
           <p:spPr>
             <a:xfrm>
               <a:off x="4453612" y="1973107"/>
-              <a:ext cx="679828" cy="1808317"/>
+              <a:ext cx="751448" cy="1808317"/>
             </a:xfrm>
             <a:custGeom>
               <a:avLst/>
               <a:pathLst>
-                <a:path w="679828" h="1808317">
+                <a:path w="751448" h="1808317">
                   <a:moveTo>
                     <a:pt x="0" y="1808317"/>
                   </a:moveTo>
                   <a:lnTo>
-                    <a:pt x="23442" y="1750535"/>
-                  </a:lnTo>
-                  <a:lnTo>
-                    <a:pt x="46884" y="1692754"/>
-                  </a:lnTo>
-                  <a:lnTo>
-                    <a:pt x="70327" y="1634973"/>
-                  </a:lnTo>
-                  <a:lnTo>
-                    <a:pt x="93769" y="1577191"/>
-                  </a:lnTo>
-                  <a:lnTo>
-                    <a:pt x="117211" y="1519410"/>
-                  </a:lnTo>
-                  <a:lnTo>
-                    <a:pt x="140654" y="1461628"/>
-                  </a:lnTo>
-                  <a:lnTo>
-                    <a:pt x="164096" y="1403847"/>
-                  </a:lnTo>
-                  <a:lnTo>
-                    <a:pt x="187538" y="1346065"/>
-                  </a:lnTo>
-                  <a:lnTo>
-                    <a:pt x="210981" y="1288284"/>
-                  </a:lnTo>
-                  <a:lnTo>
-                    <a:pt x="234423" y="1230502"/>
-                  </a:lnTo>
-                  <a:lnTo>
-                    <a:pt x="257865" y="1172721"/>
-                  </a:lnTo>
-                  <a:lnTo>
-                    <a:pt x="281308" y="1114939"/>
-                  </a:lnTo>
-                  <a:lnTo>
-                    <a:pt x="304750" y="1057158"/>
-                  </a:lnTo>
-                  <a:lnTo>
-                    <a:pt x="328192" y="999376"/>
-                  </a:lnTo>
-                  <a:lnTo>
-                    <a:pt x="351635" y="941595"/>
-                  </a:lnTo>
-                  <a:lnTo>
-                    <a:pt x="375077" y="883813"/>
-                  </a:lnTo>
-                  <a:lnTo>
-                    <a:pt x="398519" y="826032"/>
-                  </a:lnTo>
-                  <a:lnTo>
-                    <a:pt x="421962" y="768250"/>
-                  </a:lnTo>
-                  <a:lnTo>
-                    <a:pt x="445404" y="710469"/>
-                  </a:lnTo>
-                  <a:lnTo>
-                    <a:pt x="468846" y="652687"/>
-                  </a:lnTo>
-                  <a:lnTo>
-                    <a:pt x="492289" y="594906"/>
-                  </a:lnTo>
-                  <a:lnTo>
-                    <a:pt x="515731" y="537124"/>
-                  </a:lnTo>
-                  <a:lnTo>
-                    <a:pt x="539174" y="479343"/>
-                  </a:lnTo>
-                  <a:lnTo>
-                    <a:pt x="562616" y="421562"/>
-                  </a:lnTo>
-                  <a:lnTo>
-                    <a:pt x="586058" y="363780"/>
-                  </a:lnTo>
-                  <a:lnTo>
-                    <a:pt x="609501" y="305999"/>
-                  </a:lnTo>
-                  <a:lnTo>
-                    <a:pt x="632943" y="248217"/>
-                  </a:lnTo>
-                  <a:lnTo>
-                    <a:pt x="656385" y="190436"/>
-                  </a:lnTo>
-                  <a:lnTo>
-                    <a:pt x="679828" y="132654"/>
-                  </a:lnTo>
-                  <a:lnTo>
-                    <a:pt x="620711" y="109868"/>
-                  </a:lnTo>
-                  <a:lnTo>
-                    <a:pt x="560832" y="89166"/>
-                  </a:lnTo>
-                  <a:lnTo>
-                    <a:pt x="500265" y="70575"/>
-                  </a:lnTo>
-                  <a:lnTo>
-                    <a:pt x="439083" y="54117"/>
-                  </a:lnTo>
-                  <a:lnTo>
-                    <a:pt x="377363" y="39812"/>
-                  </a:lnTo>
-                  <a:lnTo>
-                    <a:pt x="315179" y="27678"/>
-                  </a:lnTo>
-                  <a:lnTo>
-                    <a:pt x="252609" y="17730"/>
-                  </a:lnTo>
-                  <a:lnTo>
-                    <a:pt x="189728" y="9980"/>
-                  </a:lnTo>
-                  <a:lnTo>
-                    <a:pt x="126615" y="4438"/>
-                  </a:lnTo>
-                  <a:lnTo>
-                    <a:pt x="63346" y="1109"/>
+                    <a:pt x="25912" y="1751600"/>
+                  </a:lnTo>
+                  <a:lnTo>
+                    <a:pt x="51824" y="1694883"/>
+                  </a:lnTo>
+                  <a:lnTo>
+                    <a:pt x="77736" y="1638166"/>
+                  </a:lnTo>
+                  <a:lnTo>
+                    <a:pt x="103648" y="1581449"/>
+                  </a:lnTo>
+                  <a:lnTo>
+                    <a:pt x="129560" y="1524732"/>
+                  </a:lnTo>
+                  <a:lnTo>
+                    <a:pt x="155472" y="1468015"/>
+                  </a:lnTo>
+                  <a:lnTo>
+                    <a:pt x="181384" y="1411298"/>
+                  </a:lnTo>
+                  <a:lnTo>
+                    <a:pt x="207296" y="1354582"/>
+                  </a:lnTo>
+                  <a:lnTo>
+                    <a:pt x="233208" y="1297865"/>
+                  </a:lnTo>
+                  <a:lnTo>
+                    <a:pt x="259120" y="1241148"/>
+                  </a:lnTo>
+                  <a:lnTo>
+                    <a:pt x="285032" y="1184431"/>
+                  </a:lnTo>
+                  <a:lnTo>
+                    <a:pt x="310944" y="1127714"/>
+                  </a:lnTo>
+                  <a:lnTo>
+                    <a:pt x="336856" y="1070997"/>
+                  </a:lnTo>
+                  <a:lnTo>
+                    <a:pt x="362768" y="1014280"/>
+                  </a:lnTo>
+                  <a:lnTo>
+                    <a:pt x="388680" y="957563"/>
+                  </a:lnTo>
+                  <a:lnTo>
+                    <a:pt x="414592" y="900846"/>
+                  </a:lnTo>
+                  <a:lnTo>
+                    <a:pt x="440504" y="844129"/>
+                  </a:lnTo>
+                  <a:lnTo>
+                    <a:pt x="466416" y="787412"/>
+                  </a:lnTo>
+                  <a:lnTo>
+                    <a:pt x="492328" y="730695"/>
+                  </a:lnTo>
+                  <a:lnTo>
+                    <a:pt x="518240" y="673978"/>
+                  </a:lnTo>
+                  <a:lnTo>
+                    <a:pt x="544152" y="617262"/>
+                  </a:lnTo>
+                  <a:lnTo>
+                    <a:pt x="570064" y="560545"/>
+                  </a:lnTo>
+                  <a:lnTo>
+                    <a:pt x="595976" y="503828"/>
+                  </a:lnTo>
+                  <a:lnTo>
+                    <a:pt x="621888" y="447111"/>
+                  </a:lnTo>
+                  <a:lnTo>
+                    <a:pt x="647800" y="390394"/>
+                  </a:lnTo>
+                  <a:lnTo>
+                    <a:pt x="673712" y="333677"/>
+                  </a:lnTo>
+                  <a:lnTo>
+                    <a:pt x="699624" y="276960"/>
+                  </a:lnTo>
+                  <a:lnTo>
+                    <a:pt x="725536" y="220243"/>
+                  </a:lnTo>
+                  <a:lnTo>
+                    <a:pt x="751448" y="163526"/>
+                  </a:lnTo>
+                  <a:lnTo>
+                    <a:pt x="692242" y="137745"/>
+                  </a:lnTo>
+                  <a:lnTo>
+                    <a:pt x="632153" y="114093"/>
+                  </a:lnTo>
+                  <a:lnTo>
+                    <a:pt x="571258" y="92603"/>
+                  </a:lnTo>
+                  <a:lnTo>
+                    <a:pt x="509635" y="73300"/>
+                  </a:lnTo>
+                  <a:lnTo>
+                    <a:pt x="447361" y="56210"/>
+                  </a:lnTo>
+                  <a:lnTo>
+                    <a:pt x="384517" y="41354"/>
+                  </a:lnTo>
+                  <a:lnTo>
+                    <a:pt x="321183" y="28752"/>
+                  </a:lnTo>
+                  <a:lnTo>
+                    <a:pt x="257439" y="18418"/>
+                  </a:lnTo>
+                  <a:lnTo>
+                    <a:pt x="193367" y="10368"/>
+                  </a:lnTo>
+                  <a:lnTo>
+                    <a:pt x="129048" y="4610"/>
+                  </a:lnTo>
+                  <a:lnTo>
+                    <a:pt x="64565" y="1153"/>
                   </a:lnTo>
                   <a:lnTo>
                     <a:pt x="0" y="0"/>
@@ -3404,225 +3407,228 @@
           </p:nvSpPr>
           <p:spPr>
             <a:xfrm>
-              <a:off x="4453612" y="2105762"/>
-              <a:ext cx="1349610" cy="1675662"/>
+              <a:off x="4453612" y="2136634"/>
+              <a:ext cx="1427498" cy="1644790"/>
             </a:xfrm>
             <a:custGeom>
               <a:avLst/>
               <a:pathLst>
-                <a:path w="1349610" h="1675662">
+                <a:path w="1427498" h="1644790">
                   <a:moveTo>
-                    <a:pt x="0" y="1675662"/>
+                    <a:pt x="0" y="1644790"/>
                   </a:moveTo>
                   <a:lnTo>
-                    <a:pt x="46538" y="1634160"/>
-                  </a:lnTo>
-                  <a:lnTo>
-                    <a:pt x="93076" y="1592658"/>
-                  </a:lnTo>
-                  <a:lnTo>
-                    <a:pt x="139614" y="1551156"/>
-                  </a:lnTo>
-                  <a:lnTo>
-                    <a:pt x="186153" y="1509654"/>
-                  </a:lnTo>
-                  <a:lnTo>
-                    <a:pt x="232691" y="1468151"/>
-                  </a:lnTo>
-                  <a:lnTo>
-                    <a:pt x="279229" y="1426649"/>
-                  </a:lnTo>
-                  <a:lnTo>
-                    <a:pt x="325768" y="1385147"/>
-                  </a:lnTo>
-                  <a:lnTo>
-                    <a:pt x="372306" y="1343645"/>
-                  </a:lnTo>
-                  <a:lnTo>
-                    <a:pt x="418844" y="1302143"/>
-                  </a:lnTo>
-                  <a:lnTo>
-                    <a:pt x="465382" y="1260641"/>
-                  </a:lnTo>
-                  <a:lnTo>
-                    <a:pt x="511921" y="1219138"/>
-                  </a:lnTo>
-                  <a:lnTo>
-                    <a:pt x="558459" y="1177636"/>
-                  </a:lnTo>
-                  <a:lnTo>
-                    <a:pt x="604997" y="1136134"/>
-                  </a:lnTo>
-                  <a:lnTo>
-                    <a:pt x="651536" y="1094632"/>
-                  </a:lnTo>
-                  <a:lnTo>
-                    <a:pt x="698074" y="1053130"/>
-                  </a:lnTo>
-                  <a:lnTo>
-                    <a:pt x="744612" y="1011628"/>
-                  </a:lnTo>
-                  <a:lnTo>
-                    <a:pt x="791151" y="970126"/>
-                  </a:lnTo>
-                  <a:lnTo>
-                    <a:pt x="837689" y="928623"/>
-                  </a:lnTo>
-                  <a:lnTo>
-                    <a:pt x="884227" y="887121"/>
-                  </a:lnTo>
-                  <a:lnTo>
-                    <a:pt x="930765" y="845619"/>
-                  </a:lnTo>
-                  <a:lnTo>
-                    <a:pt x="977304" y="804117"/>
-                  </a:lnTo>
-                  <a:lnTo>
-                    <a:pt x="1023842" y="762615"/>
-                  </a:lnTo>
-                  <a:lnTo>
-                    <a:pt x="1070380" y="721113"/>
-                  </a:lnTo>
-                  <a:lnTo>
-                    <a:pt x="1116919" y="679610"/>
-                  </a:lnTo>
-                  <a:lnTo>
-                    <a:pt x="1163457" y="638108"/>
-                  </a:lnTo>
-                  <a:lnTo>
-                    <a:pt x="1209995" y="596606"/>
-                  </a:lnTo>
-                  <a:lnTo>
-                    <a:pt x="1256534" y="555104"/>
-                  </a:lnTo>
-                  <a:lnTo>
-                    <a:pt x="1303072" y="513602"/>
-                  </a:lnTo>
-                  <a:lnTo>
-                    <a:pt x="1349610" y="472100"/>
-                  </a:lnTo>
-                  <a:lnTo>
-                    <a:pt x="1306463" y="425397"/>
-                  </a:lnTo>
-                  <a:lnTo>
-                    <a:pt x="1261701" y="380240"/>
-                  </a:lnTo>
-                  <a:lnTo>
-                    <a:pt x="1215380" y="336684"/>
-                  </a:lnTo>
-                  <a:lnTo>
-                    <a:pt x="1167555" y="294784"/>
-                  </a:lnTo>
-                  <a:lnTo>
-                    <a:pt x="1118287" y="254591"/>
-                  </a:lnTo>
-                  <a:lnTo>
-                    <a:pt x="1067637" y="216155"/>
-                  </a:lnTo>
-                  <a:lnTo>
-                    <a:pt x="1015667" y="179523"/>
-                  </a:lnTo>
-                  <a:lnTo>
-                    <a:pt x="962441" y="144741"/>
-                  </a:lnTo>
-                  <a:lnTo>
-                    <a:pt x="908025" y="111852"/>
-                  </a:lnTo>
-                  <a:lnTo>
-                    <a:pt x="852486" y="80896"/>
-                  </a:lnTo>
-                  <a:lnTo>
-                    <a:pt x="795893" y="51912"/>
-                  </a:lnTo>
-                  <a:lnTo>
-                    <a:pt x="738317" y="24935"/>
-                  </a:lnTo>
-                  <a:lnTo>
-                    <a:pt x="679828" y="0"/>
-                  </a:lnTo>
-                  <a:lnTo>
-                    <a:pt x="656385" y="57781"/>
-                  </a:lnTo>
-                  <a:lnTo>
-                    <a:pt x="632943" y="115562"/>
-                  </a:lnTo>
-                  <a:lnTo>
-                    <a:pt x="609501" y="173344"/>
-                  </a:lnTo>
-                  <a:lnTo>
-                    <a:pt x="586058" y="231125"/>
-                  </a:lnTo>
-                  <a:lnTo>
-                    <a:pt x="562616" y="288907"/>
-                  </a:lnTo>
-                  <a:lnTo>
-                    <a:pt x="539174" y="346688"/>
-                  </a:lnTo>
-                  <a:lnTo>
-                    <a:pt x="515731" y="404470"/>
-                  </a:lnTo>
-                  <a:lnTo>
-                    <a:pt x="492289" y="462251"/>
-                  </a:lnTo>
-                  <a:lnTo>
-                    <a:pt x="468846" y="520033"/>
-                  </a:lnTo>
-                  <a:lnTo>
-                    <a:pt x="445404" y="577814"/>
-                  </a:lnTo>
-                  <a:lnTo>
-                    <a:pt x="421962" y="635596"/>
-                  </a:lnTo>
-                  <a:lnTo>
-                    <a:pt x="398519" y="693377"/>
-                  </a:lnTo>
-                  <a:lnTo>
-                    <a:pt x="375077" y="751159"/>
-                  </a:lnTo>
-                  <a:lnTo>
-                    <a:pt x="351635" y="808940"/>
-                  </a:lnTo>
-                  <a:lnTo>
-                    <a:pt x="328192" y="866722"/>
-                  </a:lnTo>
-                  <a:lnTo>
-                    <a:pt x="304750" y="924503"/>
-                  </a:lnTo>
-                  <a:lnTo>
-                    <a:pt x="281308" y="982285"/>
-                  </a:lnTo>
-                  <a:lnTo>
-                    <a:pt x="257865" y="1040066"/>
-                  </a:lnTo>
-                  <a:lnTo>
-                    <a:pt x="234423" y="1097848"/>
-                  </a:lnTo>
-                  <a:lnTo>
-                    <a:pt x="210981" y="1155629"/>
-                  </a:lnTo>
-                  <a:lnTo>
-                    <a:pt x="187538" y="1213410"/>
-                  </a:lnTo>
-                  <a:lnTo>
-                    <a:pt x="164096" y="1271192"/>
-                  </a:lnTo>
-                  <a:lnTo>
-                    <a:pt x="140654" y="1328973"/>
-                  </a:lnTo>
-                  <a:lnTo>
-                    <a:pt x="117211" y="1386755"/>
-                  </a:lnTo>
-                  <a:lnTo>
-                    <a:pt x="93769" y="1444536"/>
-                  </a:lnTo>
-                  <a:lnTo>
-                    <a:pt x="70327" y="1502318"/>
-                  </a:lnTo>
-                  <a:lnTo>
-                    <a:pt x="46884" y="1560099"/>
-                  </a:lnTo>
-                  <a:lnTo>
-                    <a:pt x="23442" y="1617881"/>
+                    <a:pt x="49224" y="1606512"/>
+                  </a:lnTo>
+                  <a:lnTo>
+                    <a:pt x="98448" y="1568234"/>
+                  </a:lnTo>
+                  <a:lnTo>
+                    <a:pt x="147672" y="1529955"/>
+                  </a:lnTo>
+                  <a:lnTo>
+                    <a:pt x="196896" y="1491677"/>
+                  </a:lnTo>
+                  <a:lnTo>
+                    <a:pt x="246120" y="1453399"/>
+                  </a:lnTo>
+                  <a:lnTo>
+                    <a:pt x="295344" y="1415120"/>
+                  </a:lnTo>
+                  <a:lnTo>
+                    <a:pt x="344568" y="1376842"/>
+                  </a:lnTo>
+                  <a:lnTo>
+                    <a:pt x="393792" y="1338563"/>
+                  </a:lnTo>
+                  <a:lnTo>
+                    <a:pt x="443016" y="1300285"/>
+                  </a:lnTo>
+                  <a:lnTo>
+                    <a:pt x="492240" y="1262007"/>
+                  </a:lnTo>
+                  <a:lnTo>
+                    <a:pt x="541464" y="1223728"/>
+                  </a:lnTo>
+                  <a:lnTo>
+                    <a:pt x="590688" y="1185450"/>
+                  </a:lnTo>
+                  <a:lnTo>
+                    <a:pt x="639912" y="1147172"/>
+                  </a:lnTo>
+                  <a:lnTo>
+                    <a:pt x="689137" y="1108893"/>
+                  </a:lnTo>
+                  <a:lnTo>
+                    <a:pt x="738361" y="1070615"/>
+                  </a:lnTo>
+                  <a:lnTo>
+                    <a:pt x="787585" y="1032337"/>
+                  </a:lnTo>
+                  <a:lnTo>
+                    <a:pt x="836809" y="994058"/>
+                  </a:lnTo>
+                  <a:lnTo>
+                    <a:pt x="886033" y="955780"/>
+                  </a:lnTo>
+                  <a:lnTo>
+                    <a:pt x="935257" y="917501"/>
+                  </a:lnTo>
+                  <a:lnTo>
+                    <a:pt x="984481" y="879223"/>
+                  </a:lnTo>
+                  <a:lnTo>
+                    <a:pt x="1033705" y="840945"/>
+                  </a:lnTo>
+                  <a:lnTo>
+                    <a:pt x="1082929" y="802666"/>
+                  </a:lnTo>
+                  <a:lnTo>
+                    <a:pt x="1132153" y="764388"/>
+                  </a:lnTo>
+                  <a:lnTo>
+                    <a:pt x="1181377" y="726110"/>
+                  </a:lnTo>
+                  <a:lnTo>
+                    <a:pt x="1230601" y="687831"/>
+                  </a:lnTo>
+                  <a:lnTo>
+                    <a:pt x="1279825" y="649553"/>
+                  </a:lnTo>
+                  <a:lnTo>
+                    <a:pt x="1329050" y="611275"/>
+                  </a:lnTo>
+                  <a:lnTo>
+                    <a:pt x="1378274" y="572996"/>
+                  </a:lnTo>
+                  <a:lnTo>
+                    <a:pt x="1427498" y="534718"/>
+                  </a:lnTo>
+                  <a:lnTo>
+                    <a:pt x="1388500" y="486309"/>
+                  </a:lnTo>
+                  <a:lnTo>
+                    <a:pt x="1347861" y="439269"/>
+                  </a:lnTo>
+                  <a:lnTo>
+                    <a:pt x="1305629" y="393653"/>
+                  </a:lnTo>
+                  <a:lnTo>
+                    <a:pt x="1261854" y="349516"/>
+                  </a:lnTo>
+                  <a:lnTo>
+                    <a:pt x="1216588" y="306910"/>
+                  </a:lnTo>
+                  <a:lnTo>
+                    <a:pt x="1169885" y="265885"/>
+                  </a:lnTo>
+                  <a:lnTo>
+                    <a:pt x="1121799" y="226489"/>
+                  </a:lnTo>
+                  <a:lnTo>
+                    <a:pt x="1072387" y="188769"/>
+                  </a:lnTo>
+                  <a:lnTo>
+                    <a:pt x="1021708" y="152770"/>
+                  </a:lnTo>
+                  <a:lnTo>
+                    <a:pt x="969821" y="118534"/>
+                  </a:lnTo>
+                  <a:lnTo>
+                    <a:pt x="916789" y="86102"/>
+                  </a:lnTo>
+                  <a:lnTo>
+                    <a:pt x="862673" y="55512"/>
+                  </a:lnTo>
+                  <a:lnTo>
+                    <a:pt x="807538" y="26800"/>
+                  </a:lnTo>
+                  <a:lnTo>
+                    <a:pt x="751448" y="0"/>
+                  </a:lnTo>
+                  <a:lnTo>
+                    <a:pt x="725536" y="56716"/>
+                  </a:lnTo>
+                  <a:lnTo>
+                    <a:pt x="699624" y="113433"/>
+                  </a:lnTo>
+                  <a:lnTo>
+                    <a:pt x="673712" y="170150"/>
+                  </a:lnTo>
+                  <a:lnTo>
+                    <a:pt x="647800" y="226867"/>
+                  </a:lnTo>
+                  <a:lnTo>
+                    <a:pt x="621888" y="283584"/>
+                  </a:lnTo>
+                  <a:lnTo>
+                    <a:pt x="595976" y="340301"/>
+                  </a:lnTo>
+                  <a:lnTo>
+                    <a:pt x="570064" y="397018"/>
+                  </a:lnTo>
+                  <a:lnTo>
+                    <a:pt x="544152" y="453735"/>
+                  </a:lnTo>
+                  <a:lnTo>
+                    <a:pt x="518240" y="510452"/>
+                  </a:lnTo>
+                  <a:lnTo>
+                    <a:pt x="492328" y="567169"/>
+                  </a:lnTo>
+                  <a:lnTo>
+                    <a:pt x="466416" y="623886"/>
+                  </a:lnTo>
+                  <a:lnTo>
+                    <a:pt x="440504" y="680603"/>
+                  </a:lnTo>
+                  <a:lnTo>
+                    <a:pt x="414592" y="737320"/>
+                  </a:lnTo>
+                  <a:lnTo>
+                    <a:pt x="388680" y="794036"/>
+                  </a:lnTo>
+                  <a:lnTo>
+                    <a:pt x="362768" y="850753"/>
+                  </a:lnTo>
+                  <a:lnTo>
+                    <a:pt x="336856" y="907470"/>
+                  </a:lnTo>
+                  <a:lnTo>
+                    <a:pt x="310944" y="964187"/>
+                  </a:lnTo>
+                  <a:lnTo>
+                    <a:pt x="285032" y="1020904"/>
+                  </a:lnTo>
+                  <a:lnTo>
+                    <a:pt x="259120" y="1077621"/>
+                  </a:lnTo>
+                  <a:lnTo>
+                    <a:pt x="233208" y="1134338"/>
+                  </a:lnTo>
+                  <a:lnTo>
+                    <a:pt x="207296" y="1191055"/>
+                  </a:lnTo>
+                  <a:lnTo>
+                    <a:pt x="181384" y="1247772"/>
+                  </a:lnTo>
+                  <a:lnTo>
+                    <a:pt x="155472" y="1304489"/>
+                  </a:lnTo>
+                  <a:lnTo>
+                    <a:pt x="129560" y="1361206"/>
+                  </a:lnTo>
+                  <a:lnTo>
+                    <a:pt x="103648" y="1417923"/>
+                  </a:lnTo>
+                  <a:lnTo>
+                    <a:pt x="77736" y="1474640"/>
+                  </a:lnTo>
+                  <a:lnTo>
+                    <a:pt x="51824" y="1531356"/>
+                  </a:lnTo>
+                  <a:lnTo>
+                    <a:pt x="25912" y="1588073"/>
                   </a:lnTo>
                   <a:close/>
                 </a:path>
@@ -3657,231 +3663,231 @@
           </p:nvSpPr>
           <p:spPr>
             <a:xfrm>
-              <a:off x="4453612" y="2577862"/>
-              <a:ext cx="1765769" cy="1203562"/>
+              <a:off x="4453612" y="2671352"/>
+              <a:ext cx="1792224" cy="1110072"/>
             </a:xfrm>
             <a:custGeom>
               <a:avLst/>
               <a:pathLst>
-                <a:path w="1765769" h="1203562">
+                <a:path w="1792224" h="1110072">
                   <a:moveTo>
-                    <a:pt x="0" y="1203562"/>
+                    <a:pt x="0" y="1110072"/>
                   </a:moveTo>
                   <a:lnTo>
-                    <a:pt x="60888" y="1190115"/>
-                  </a:lnTo>
-                  <a:lnTo>
-                    <a:pt x="121777" y="1176668"/>
-                  </a:lnTo>
-                  <a:lnTo>
-                    <a:pt x="182665" y="1163221"/>
-                  </a:lnTo>
-                  <a:lnTo>
-                    <a:pt x="243554" y="1149774"/>
-                  </a:lnTo>
-                  <a:lnTo>
-                    <a:pt x="304442" y="1136327"/>
-                  </a:lnTo>
-                  <a:lnTo>
-                    <a:pt x="365331" y="1122880"/>
-                  </a:lnTo>
-                  <a:lnTo>
-                    <a:pt x="426220" y="1109433"/>
-                  </a:lnTo>
-                  <a:lnTo>
-                    <a:pt x="487108" y="1095986"/>
-                  </a:lnTo>
-                  <a:lnTo>
-                    <a:pt x="547997" y="1082539"/>
-                  </a:lnTo>
-                  <a:lnTo>
-                    <a:pt x="608885" y="1069092"/>
-                  </a:lnTo>
-                  <a:lnTo>
-                    <a:pt x="669774" y="1055645"/>
-                  </a:lnTo>
-                  <a:lnTo>
-                    <a:pt x="730663" y="1042198"/>
-                  </a:lnTo>
-                  <a:lnTo>
-                    <a:pt x="791551" y="1028751"/>
-                  </a:lnTo>
-                  <a:lnTo>
-                    <a:pt x="852440" y="1015304"/>
-                  </a:lnTo>
-                  <a:lnTo>
-                    <a:pt x="913328" y="1001857"/>
-                  </a:lnTo>
-                  <a:lnTo>
-                    <a:pt x="974217" y="988410"/>
-                  </a:lnTo>
-                  <a:lnTo>
-                    <a:pt x="1035106" y="974963"/>
-                  </a:lnTo>
-                  <a:lnTo>
-                    <a:pt x="1095994" y="961516"/>
-                  </a:lnTo>
-                  <a:lnTo>
-                    <a:pt x="1156883" y="948069"/>
-                  </a:lnTo>
-                  <a:lnTo>
-                    <a:pt x="1217771" y="934622"/>
-                  </a:lnTo>
-                  <a:lnTo>
-                    <a:pt x="1278660" y="921175"/>
-                  </a:lnTo>
-                  <a:lnTo>
-                    <a:pt x="1339549" y="907728"/>
-                  </a:lnTo>
-                  <a:lnTo>
-                    <a:pt x="1400437" y="894281"/>
-                  </a:lnTo>
-                  <a:lnTo>
-                    <a:pt x="1461326" y="880834"/>
-                  </a:lnTo>
-                  <a:lnTo>
-                    <a:pt x="1522214" y="867387"/>
-                  </a:lnTo>
-                  <a:lnTo>
-                    <a:pt x="1583103" y="853940"/>
-                  </a:lnTo>
-                  <a:lnTo>
-                    <a:pt x="1643992" y="840493"/>
-                  </a:lnTo>
-                  <a:lnTo>
-                    <a:pt x="1704880" y="827046"/>
-                  </a:lnTo>
-                  <a:lnTo>
-                    <a:pt x="1765769" y="813599"/>
-                  </a:lnTo>
-                  <a:lnTo>
-                    <a:pt x="1751465" y="753695"/>
-                  </a:lnTo>
-                  <a:lnTo>
-                    <a:pt x="1735130" y="694312"/>
-                  </a:lnTo>
-                  <a:lnTo>
-                    <a:pt x="1716782" y="635521"/>
-                  </a:lnTo>
-                  <a:lnTo>
-                    <a:pt x="1696442" y="577388"/>
-                  </a:lnTo>
-                  <a:lnTo>
-                    <a:pt x="1674135" y="519981"/>
-                  </a:lnTo>
-                  <a:lnTo>
-                    <a:pt x="1649885" y="463367"/>
-                  </a:lnTo>
-                  <a:lnTo>
-                    <a:pt x="1623722" y="407612"/>
-                  </a:lnTo>
-                  <a:lnTo>
-                    <a:pt x="1595676" y="352781"/>
-                  </a:lnTo>
-                  <a:lnTo>
-                    <a:pt x="1565778" y="298936"/>
-                  </a:lnTo>
-                  <a:lnTo>
-                    <a:pt x="1534064" y="246140"/>
-                  </a:lnTo>
-                  <a:lnTo>
-                    <a:pt x="1500571" y="194455"/>
-                  </a:lnTo>
-                  <a:lnTo>
-                    <a:pt x="1465337" y="143941"/>
-                  </a:lnTo>
-                  <a:lnTo>
-                    <a:pt x="1428403" y="94655"/>
-                  </a:lnTo>
-                  <a:lnTo>
-                    <a:pt x="1389813" y="46656"/>
-                  </a:lnTo>
-                  <a:lnTo>
-                    <a:pt x="1349610" y="0"/>
-                  </a:lnTo>
-                  <a:lnTo>
-                    <a:pt x="1303072" y="41502"/>
-                  </a:lnTo>
-                  <a:lnTo>
-                    <a:pt x="1256534" y="83004"/>
-                  </a:lnTo>
-                  <a:lnTo>
-                    <a:pt x="1209995" y="124506"/>
-                  </a:lnTo>
-                  <a:lnTo>
-                    <a:pt x="1163457" y="166008"/>
-                  </a:lnTo>
-                  <a:lnTo>
-                    <a:pt x="1116919" y="207510"/>
-                  </a:lnTo>
-                  <a:lnTo>
-                    <a:pt x="1070380" y="249012"/>
-                  </a:lnTo>
-                  <a:lnTo>
-                    <a:pt x="1023842" y="290515"/>
-                  </a:lnTo>
-                  <a:lnTo>
-                    <a:pt x="977304" y="332017"/>
-                  </a:lnTo>
-                  <a:lnTo>
-                    <a:pt x="930765" y="373519"/>
-                  </a:lnTo>
-                  <a:lnTo>
-                    <a:pt x="884227" y="415021"/>
-                  </a:lnTo>
-                  <a:lnTo>
-                    <a:pt x="837689" y="456523"/>
-                  </a:lnTo>
-                  <a:lnTo>
-                    <a:pt x="791151" y="498025"/>
-                  </a:lnTo>
-                  <a:lnTo>
-                    <a:pt x="744612" y="539528"/>
-                  </a:lnTo>
-                  <a:lnTo>
-                    <a:pt x="698074" y="581030"/>
-                  </a:lnTo>
-                  <a:lnTo>
-                    <a:pt x="651536" y="622532"/>
-                  </a:lnTo>
-                  <a:lnTo>
-                    <a:pt x="604997" y="664034"/>
-                  </a:lnTo>
-                  <a:lnTo>
-                    <a:pt x="558459" y="705536"/>
-                  </a:lnTo>
-                  <a:lnTo>
-                    <a:pt x="511921" y="747038"/>
-                  </a:lnTo>
-                  <a:lnTo>
-                    <a:pt x="465382" y="788541"/>
-                  </a:lnTo>
-                  <a:lnTo>
-                    <a:pt x="418844" y="830043"/>
-                  </a:lnTo>
-                  <a:lnTo>
-                    <a:pt x="372306" y="871545"/>
-                  </a:lnTo>
-                  <a:lnTo>
-                    <a:pt x="325768" y="913047"/>
-                  </a:lnTo>
-                  <a:lnTo>
-                    <a:pt x="279229" y="954549"/>
-                  </a:lnTo>
-                  <a:lnTo>
-                    <a:pt x="232691" y="996051"/>
-                  </a:lnTo>
-                  <a:lnTo>
-                    <a:pt x="186153" y="1037554"/>
-                  </a:lnTo>
-                  <a:lnTo>
-                    <a:pt x="139614" y="1079056"/>
-                  </a:lnTo>
-                  <a:lnTo>
-                    <a:pt x="93076" y="1120558"/>
-                  </a:lnTo>
-                  <a:lnTo>
-                    <a:pt x="46538" y="1162060"/>
+                    <a:pt x="61800" y="1101772"/>
+                  </a:lnTo>
+                  <a:lnTo>
+                    <a:pt x="123601" y="1093471"/>
+                  </a:lnTo>
+                  <a:lnTo>
+                    <a:pt x="185402" y="1085171"/>
+                  </a:lnTo>
+                  <a:lnTo>
+                    <a:pt x="247203" y="1076870"/>
+                  </a:lnTo>
+                  <a:lnTo>
+                    <a:pt x="309004" y="1068570"/>
+                  </a:lnTo>
+                  <a:lnTo>
+                    <a:pt x="370805" y="1060270"/>
+                  </a:lnTo>
+                  <a:lnTo>
+                    <a:pt x="432606" y="1051969"/>
+                  </a:lnTo>
+                  <a:lnTo>
+                    <a:pt x="494406" y="1043669"/>
+                  </a:lnTo>
+                  <a:lnTo>
+                    <a:pt x="556207" y="1035369"/>
+                  </a:lnTo>
+                  <a:lnTo>
+                    <a:pt x="618008" y="1027068"/>
+                  </a:lnTo>
+                  <a:lnTo>
+                    <a:pt x="679809" y="1018768"/>
+                  </a:lnTo>
+                  <a:lnTo>
+                    <a:pt x="741610" y="1010467"/>
+                  </a:lnTo>
+                  <a:lnTo>
+                    <a:pt x="803411" y="1002167"/>
+                  </a:lnTo>
+                  <a:lnTo>
+                    <a:pt x="865212" y="993867"/>
+                  </a:lnTo>
+                  <a:lnTo>
+                    <a:pt x="927012" y="985566"/>
+                  </a:lnTo>
+                  <a:lnTo>
+                    <a:pt x="988813" y="977266"/>
+                  </a:lnTo>
+                  <a:lnTo>
+                    <a:pt x="1050614" y="968966"/>
+                  </a:lnTo>
+                  <a:lnTo>
+                    <a:pt x="1112415" y="960665"/>
+                  </a:lnTo>
+                  <a:lnTo>
+                    <a:pt x="1174216" y="952365"/>
+                  </a:lnTo>
+                  <a:lnTo>
+                    <a:pt x="1236017" y="944064"/>
+                  </a:lnTo>
+                  <a:lnTo>
+                    <a:pt x="1297818" y="935764"/>
+                  </a:lnTo>
+                  <a:lnTo>
+                    <a:pt x="1359618" y="927464"/>
+                  </a:lnTo>
+                  <a:lnTo>
+                    <a:pt x="1421419" y="919163"/>
+                  </a:lnTo>
+                  <a:lnTo>
+                    <a:pt x="1483220" y="910863"/>
+                  </a:lnTo>
+                  <a:lnTo>
+                    <a:pt x="1545021" y="902563"/>
+                  </a:lnTo>
+                  <a:lnTo>
+                    <a:pt x="1606822" y="894262"/>
+                  </a:lnTo>
+                  <a:lnTo>
+                    <a:pt x="1668623" y="885962"/>
+                  </a:lnTo>
+                  <a:lnTo>
+                    <a:pt x="1730424" y="877661"/>
+                  </a:lnTo>
+                  <a:lnTo>
+                    <a:pt x="1792224" y="869361"/>
+                  </a:lnTo>
+                  <a:lnTo>
+                    <a:pt x="1782654" y="806503"/>
+                  </a:lnTo>
+                  <a:lnTo>
+                    <a:pt x="1770880" y="744020"/>
+                  </a:lnTo>
+                  <a:lnTo>
+                    <a:pt x="1756917" y="681990"/>
+                  </a:lnTo>
+                  <a:lnTo>
+                    <a:pt x="1740781" y="620489"/>
+                  </a:lnTo>
+                  <a:lnTo>
+                    <a:pt x="1722493" y="559593"/>
+                  </a:lnTo>
+                  <a:lnTo>
+                    <a:pt x="1702076" y="499378"/>
+                  </a:lnTo>
+                  <a:lnTo>
+                    <a:pt x="1679554" y="439917"/>
+                  </a:lnTo>
+                  <a:lnTo>
+                    <a:pt x="1654956" y="381286"/>
+                  </a:lnTo>
+                  <a:lnTo>
+                    <a:pt x="1628312" y="323555"/>
+                  </a:lnTo>
+                  <a:lnTo>
+                    <a:pt x="1599655" y="266796"/>
+                  </a:lnTo>
+                  <a:lnTo>
+                    <a:pt x="1569020" y="211081"/>
+                  </a:lnTo>
+                  <a:lnTo>
+                    <a:pt x="1536446" y="156476"/>
+                  </a:lnTo>
+                  <a:lnTo>
+                    <a:pt x="1501972" y="103051"/>
+                  </a:lnTo>
+                  <a:lnTo>
+                    <a:pt x="1465641" y="50870"/>
+                  </a:lnTo>
+                  <a:lnTo>
+                    <a:pt x="1427498" y="0"/>
+                  </a:lnTo>
+                  <a:lnTo>
+                    <a:pt x="1378274" y="38278"/>
+                  </a:lnTo>
+                  <a:lnTo>
+                    <a:pt x="1329050" y="76556"/>
+                  </a:lnTo>
+                  <a:lnTo>
+                    <a:pt x="1279825" y="114835"/>
+                  </a:lnTo>
+                  <a:lnTo>
+                    <a:pt x="1230601" y="153113"/>
+                  </a:lnTo>
+                  <a:lnTo>
+                    <a:pt x="1181377" y="191391"/>
+                  </a:lnTo>
+                  <a:lnTo>
+                    <a:pt x="1132153" y="229670"/>
+                  </a:lnTo>
+                  <a:lnTo>
+                    <a:pt x="1082929" y="267948"/>
+                  </a:lnTo>
+                  <a:lnTo>
+                    <a:pt x="1033705" y="306226"/>
+                  </a:lnTo>
+                  <a:lnTo>
+                    <a:pt x="984481" y="344505"/>
+                  </a:lnTo>
+                  <a:lnTo>
+                    <a:pt x="935257" y="382783"/>
+                  </a:lnTo>
+                  <a:lnTo>
+                    <a:pt x="886033" y="421061"/>
+                  </a:lnTo>
+                  <a:lnTo>
+                    <a:pt x="836809" y="459340"/>
+                  </a:lnTo>
+                  <a:lnTo>
+                    <a:pt x="787585" y="497618"/>
+                  </a:lnTo>
+                  <a:lnTo>
+                    <a:pt x="738361" y="535897"/>
+                  </a:lnTo>
+                  <a:lnTo>
+                    <a:pt x="689137" y="574175"/>
+                  </a:lnTo>
+                  <a:lnTo>
+                    <a:pt x="639912" y="612453"/>
+                  </a:lnTo>
+                  <a:lnTo>
+                    <a:pt x="590688" y="650732"/>
+                  </a:lnTo>
+                  <a:lnTo>
+                    <a:pt x="541464" y="689010"/>
+                  </a:lnTo>
+                  <a:lnTo>
+                    <a:pt x="492240" y="727288"/>
+                  </a:lnTo>
+                  <a:lnTo>
+                    <a:pt x="443016" y="765567"/>
+                  </a:lnTo>
+                  <a:lnTo>
+                    <a:pt x="393792" y="803845"/>
+                  </a:lnTo>
+                  <a:lnTo>
+                    <a:pt x="344568" y="842123"/>
+                  </a:lnTo>
+                  <a:lnTo>
+                    <a:pt x="295344" y="880402"/>
+                  </a:lnTo>
+                  <a:lnTo>
+                    <a:pt x="246120" y="918680"/>
+                  </a:lnTo>
+                  <a:lnTo>
+                    <a:pt x="196896" y="956959"/>
+                  </a:lnTo>
+                  <a:lnTo>
+                    <a:pt x="147672" y="995237"/>
+                  </a:lnTo>
+                  <a:lnTo>
+                    <a:pt x="98448" y="1033515"/>
+                  </a:lnTo>
+                  <a:lnTo>
+                    <a:pt x="49224" y="1071794"/>
                   </a:lnTo>
                   <a:close/>
                 </a:path>
@@ -3916,246 +3922,243 @@
           </p:nvSpPr>
           <p:spPr>
             <a:xfrm>
-              <a:off x="4453612" y="3391462"/>
-              <a:ext cx="1808295" cy="1242174"/>
+              <a:off x="4453612" y="3540714"/>
+              <a:ext cx="1808303" cy="1137977"/>
             </a:xfrm>
             <a:custGeom>
               <a:avLst/>
               <a:pathLst>
-                <a:path w="1808295" h="1242174">
+                <a:path w="1808303" h="1137977">
                   <a:moveTo>
-                    <a:pt x="0" y="389962"/>
+                    <a:pt x="0" y="240710"/>
                   </a:moveTo>
                   <a:lnTo>
-                    <a:pt x="54996" y="419349"/>
-                  </a:lnTo>
-                  <a:lnTo>
-                    <a:pt x="109993" y="448736"/>
-                  </a:lnTo>
-                  <a:lnTo>
-                    <a:pt x="164990" y="478122"/>
-                  </a:lnTo>
-                  <a:lnTo>
-                    <a:pt x="219987" y="507509"/>
-                  </a:lnTo>
-                  <a:lnTo>
-                    <a:pt x="274984" y="536895"/>
-                  </a:lnTo>
-                  <a:lnTo>
-                    <a:pt x="329981" y="566282"/>
-                  </a:lnTo>
-                  <a:lnTo>
-                    <a:pt x="384978" y="595669"/>
-                  </a:lnTo>
-                  <a:lnTo>
-                    <a:pt x="439975" y="625055"/>
-                  </a:lnTo>
-                  <a:lnTo>
-                    <a:pt x="494972" y="654442"/>
-                  </a:lnTo>
-                  <a:lnTo>
-                    <a:pt x="549969" y="683828"/>
-                  </a:lnTo>
-                  <a:lnTo>
-                    <a:pt x="604966" y="713215"/>
-                  </a:lnTo>
-                  <a:lnTo>
-                    <a:pt x="659963" y="742602"/>
-                  </a:lnTo>
-                  <a:lnTo>
-                    <a:pt x="714960" y="771988"/>
-                  </a:lnTo>
-                  <a:lnTo>
-                    <a:pt x="769957" y="801375"/>
-                  </a:lnTo>
-                  <a:lnTo>
-                    <a:pt x="824954" y="830761"/>
-                  </a:lnTo>
-                  <a:lnTo>
-                    <a:pt x="879951" y="860148"/>
-                  </a:lnTo>
-                  <a:lnTo>
-                    <a:pt x="934948" y="889535"/>
-                  </a:lnTo>
-                  <a:lnTo>
-                    <a:pt x="989945" y="918921"/>
-                  </a:lnTo>
-                  <a:lnTo>
-                    <a:pt x="1044942" y="948308"/>
-                  </a:lnTo>
-                  <a:lnTo>
-                    <a:pt x="1099939" y="977694"/>
-                  </a:lnTo>
-                  <a:lnTo>
-                    <a:pt x="1154936" y="1007081"/>
-                  </a:lnTo>
-                  <a:lnTo>
-                    <a:pt x="1209933" y="1036468"/>
-                  </a:lnTo>
-                  <a:lnTo>
-                    <a:pt x="1264930" y="1065854"/>
-                  </a:lnTo>
-                  <a:lnTo>
-                    <a:pt x="1319927" y="1095241"/>
-                  </a:lnTo>
-                  <a:lnTo>
-                    <a:pt x="1374924" y="1124627"/>
-                  </a:lnTo>
-                  <a:lnTo>
-                    <a:pt x="1429921" y="1154014"/>
-                  </a:lnTo>
-                  <a:lnTo>
-                    <a:pt x="1484918" y="1183401"/>
-                  </a:lnTo>
-                  <a:lnTo>
-                    <a:pt x="1539915" y="1212787"/>
-                  </a:lnTo>
-                  <a:lnTo>
-                    <a:pt x="1594912" y="1242174"/>
-                  </a:lnTo>
-                  <a:lnTo>
-                    <a:pt x="1624079" y="1185184"/>
-                  </a:lnTo>
-                  <a:lnTo>
-                    <a:pt x="1651210" y="1127198"/>
-                  </a:lnTo>
-                  <a:lnTo>
-                    <a:pt x="1676271" y="1068288"/>
-                  </a:lnTo>
-                  <a:lnTo>
-                    <a:pt x="1699231" y="1008528"/>
-                  </a:lnTo>
-                  <a:lnTo>
-                    <a:pt x="1720062" y="947992"/>
-                  </a:lnTo>
-                  <a:lnTo>
-                    <a:pt x="1738737" y="886757"/>
-                  </a:lnTo>
-                  <a:lnTo>
-                    <a:pt x="1755232" y="824900"/>
-                  </a:lnTo>
-                  <a:lnTo>
-                    <a:pt x="1769528" y="762497"/>
-                  </a:lnTo>
-                  <a:lnTo>
-                    <a:pt x="1781605" y="699627"/>
-                  </a:lnTo>
-                  <a:lnTo>
-                    <a:pt x="1791450" y="636369"/>
-                  </a:lnTo>
-                  <a:lnTo>
-                    <a:pt x="1799050" y="572803"/>
-                  </a:lnTo>
-                  <a:lnTo>
-                    <a:pt x="1804394" y="509007"/>
-                  </a:lnTo>
-                  <a:lnTo>
-                    <a:pt x="1807477" y="445062"/>
-                  </a:lnTo>
-                  <a:lnTo>
-                    <a:pt x="1808295" y="381048"/>
-                  </a:lnTo>
-                  <a:lnTo>
-                    <a:pt x="1806846" y="317045"/>
-                  </a:lnTo>
-                  <a:lnTo>
-                    <a:pt x="1803133" y="253133"/>
-                  </a:lnTo>
-                  <a:lnTo>
-                    <a:pt x="1797159" y="189393"/>
-                  </a:lnTo>
-                  <a:lnTo>
-                    <a:pt x="1788934" y="125905"/>
-                  </a:lnTo>
-                  <a:lnTo>
-                    <a:pt x="1778466" y="62747"/>
-                  </a:lnTo>
-                  <a:lnTo>
-                    <a:pt x="1765769" y="0"/>
-                  </a:lnTo>
-                  <a:lnTo>
-                    <a:pt x="1704880" y="13446"/>
-                  </a:lnTo>
-                  <a:lnTo>
-                    <a:pt x="1643992" y="26893"/>
-                  </a:lnTo>
-                  <a:lnTo>
-                    <a:pt x="1583103" y="40340"/>
-                  </a:lnTo>
-                  <a:lnTo>
-                    <a:pt x="1522214" y="53787"/>
-                  </a:lnTo>
-                  <a:lnTo>
-                    <a:pt x="1461326" y="67234"/>
-                  </a:lnTo>
-                  <a:lnTo>
-                    <a:pt x="1400437" y="80681"/>
-                  </a:lnTo>
-                  <a:lnTo>
-                    <a:pt x="1339549" y="94128"/>
-                  </a:lnTo>
-                  <a:lnTo>
-                    <a:pt x="1278660" y="107575"/>
-                  </a:lnTo>
-                  <a:lnTo>
-                    <a:pt x="1217771" y="121022"/>
-                  </a:lnTo>
-                  <a:lnTo>
-                    <a:pt x="1156883" y="134469"/>
-                  </a:lnTo>
-                  <a:lnTo>
-                    <a:pt x="1095994" y="147916"/>
-                  </a:lnTo>
-                  <a:lnTo>
-                    <a:pt x="1035106" y="161363"/>
-                  </a:lnTo>
-                  <a:lnTo>
-                    <a:pt x="974217" y="174810"/>
-                  </a:lnTo>
-                  <a:lnTo>
-                    <a:pt x="913328" y="188257"/>
-                  </a:lnTo>
-                  <a:lnTo>
-                    <a:pt x="852440" y="201704"/>
-                  </a:lnTo>
-                  <a:lnTo>
-                    <a:pt x="791551" y="215151"/>
-                  </a:lnTo>
-                  <a:lnTo>
-                    <a:pt x="730663" y="228598"/>
-                  </a:lnTo>
-                  <a:lnTo>
-                    <a:pt x="669774" y="242045"/>
-                  </a:lnTo>
-                  <a:lnTo>
-                    <a:pt x="608885" y="255492"/>
-                  </a:lnTo>
-                  <a:lnTo>
-                    <a:pt x="547997" y="268939"/>
-                  </a:lnTo>
-                  <a:lnTo>
-                    <a:pt x="487108" y="282386"/>
-                  </a:lnTo>
-                  <a:lnTo>
-                    <a:pt x="426220" y="295833"/>
-                  </a:lnTo>
-                  <a:lnTo>
-                    <a:pt x="365331" y="309280"/>
-                  </a:lnTo>
-                  <a:lnTo>
-                    <a:pt x="304442" y="322727"/>
-                  </a:lnTo>
-                  <a:lnTo>
-                    <a:pt x="243554" y="336174"/>
-                  </a:lnTo>
-                  <a:lnTo>
-                    <a:pt x="182665" y="349621"/>
-                  </a:lnTo>
-                  <a:lnTo>
-                    <a:pt x="121777" y="363068"/>
-                  </a:lnTo>
-                  <a:lnTo>
-                    <a:pt x="60888" y="376515"/>
+                    <a:pt x="54138" y="271651"/>
+                  </a:lnTo>
+                  <a:lnTo>
+                    <a:pt x="108276" y="302591"/>
+                  </a:lnTo>
+                  <a:lnTo>
+                    <a:pt x="162414" y="333531"/>
+                  </a:lnTo>
+                  <a:lnTo>
+                    <a:pt x="216552" y="364471"/>
+                  </a:lnTo>
+                  <a:lnTo>
+                    <a:pt x="270691" y="395412"/>
+                  </a:lnTo>
+                  <a:lnTo>
+                    <a:pt x="324829" y="426352"/>
+                  </a:lnTo>
+                  <a:lnTo>
+                    <a:pt x="378967" y="457292"/>
+                  </a:lnTo>
+                  <a:lnTo>
+                    <a:pt x="433105" y="488232"/>
+                  </a:lnTo>
+                  <a:lnTo>
+                    <a:pt x="487243" y="519172"/>
+                  </a:lnTo>
+                  <a:lnTo>
+                    <a:pt x="541382" y="550113"/>
+                  </a:lnTo>
+                  <a:lnTo>
+                    <a:pt x="595520" y="581053"/>
+                  </a:lnTo>
+                  <a:lnTo>
+                    <a:pt x="649658" y="611993"/>
+                  </a:lnTo>
+                  <a:lnTo>
+                    <a:pt x="703796" y="642933"/>
+                  </a:lnTo>
+                  <a:lnTo>
+                    <a:pt x="757934" y="673874"/>
+                  </a:lnTo>
+                  <a:lnTo>
+                    <a:pt x="812073" y="704814"/>
+                  </a:lnTo>
+                  <a:lnTo>
+                    <a:pt x="866211" y="735754"/>
+                  </a:lnTo>
+                  <a:lnTo>
+                    <a:pt x="920349" y="766694"/>
+                  </a:lnTo>
+                  <a:lnTo>
+                    <a:pt x="974487" y="797634"/>
+                  </a:lnTo>
+                  <a:lnTo>
+                    <a:pt x="1028625" y="828575"/>
+                  </a:lnTo>
+                  <a:lnTo>
+                    <a:pt x="1082764" y="859515"/>
+                  </a:lnTo>
+                  <a:lnTo>
+                    <a:pt x="1136902" y="890455"/>
+                  </a:lnTo>
+                  <a:lnTo>
+                    <a:pt x="1191040" y="921395"/>
+                  </a:lnTo>
+                  <a:lnTo>
+                    <a:pt x="1245178" y="952336"/>
+                  </a:lnTo>
+                  <a:lnTo>
+                    <a:pt x="1299316" y="983276"/>
+                  </a:lnTo>
+                  <a:lnTo>
+                    <a:pt x="1353455" y="1014216"/>
+                  </a:lnTo>
+                  <a:lnTo>
+                    <a:pt x="1407593" y="1045156"/>
+                  </a:lnTo>
+                  <a:lnTo>
+                    <a:pt x="1461731" y="1076097"/>
+                  </a:lnTo>
+                  <a:lnTo>
+                    <a:pt x="1515869" y="1107037"/>
+                  </a:lnTo>
+                  <a:lnTo>
+                    <a:pt x="1570007" y="1137977"/>
+                  </a:lnTo>
+                  <a:lnTo>
+                    <a:pt x="1599899" y="1083523"/>
+                  </a:lnTo>
+                  <a:lnTo>
+                    <a:pt x="1627903" y="1028075"/>
+                  </a:lnTo>
+                  <a:lnTo>
+                    <a:pt x="1653986" y="971698"/>
+                  </a:lnTo>
+                  <a:lnTo>
+                    <a:pt x="1678117" y="914458"/>
+                  </a:lnTo>
+                  <a:lnTo>
+                    <a:pt x="1700267" y="856422"/>
+                  </a:lnTo>
+                  <a:lnTo>
+                    <a:pt x="1720412" y="797661"/>
+                  </a:lnTo>
+                  <a:lnTo>
+                    <a:pt x="1738526" y="738242"/>
+                  </a:lnTo>
+                  <a:lnTo>
+                    <a:pt x="1754589" y="678236"/>
+                  </a:lnTo>
+                  <a:lnTo>
+                    <a:pt x="1768581" y="617714"/>
+                  </a:lnTo>
+                  <a:lnTo>
+                    <a:pt x="1780486" y="556747"/>
+                  </a:lnTo>
+                  <a:lnTo>
+                    <a:pt x="1790290" y="495407"/>
+                  </a:lnTo>
+                  <a:lnTo>
+                    <a:pt x="1797982" y="433766"/>
+                  </a:lnTo>
+                  <a:lnTo>
+                    <a:pt x="1803552" y="371898"/>
+                  </a:lnTo>
+                  <a:lnTo>
+                    <a:pt x="1806994" y="309874"/>
+                  </a:lnTo>
+                  <a:lnTo>
+                    <a:pt x="1808303" y="247770"/>
+                  </a:lnTo>
+                  <a:lnTo>
+                    <a:pt x="1807479" y="185656"/>
+                  </a:lnTo>
+                  <a:lnTo>
+                    <a:pt x="1804521" y="123608"/>
+                  </a:lnTo>
+                  <a:lnTo>
+                    <a:pt x="1799435" y="61698"/>
+                  </a:lnTo>
+                  <a:lnTo>
+                    <a:pt x="1792224" y="0"/>
+                  </a:lnTo>
+                  <a:lnTo>
+                    <a:pt x="1730424" y="8300"/>
+                  </a:lnTo>
+                  <a:lnTo>
+                    <a:pt x="1668623" y="16600"/>
+                  </a:lnTo>
+                  <a:lnTo>
+                    <a:pt x="1606822" y="24901"/>
+                  </a:lnTo>
+                  <a:lnTo>
+                    <a:pt x="1545021" y="33201"/>
+                  </a:lnTo>
+                  <a:lnTo>
+                    <a:pt x="1483220" y="41501"/>
+                  </a:lnTo>
+                  <a:lnTo>
+                    <a:pt x="1421419" y="49802"/>
+                  </a:lnTo>
+                  <a:lnTo>
+                    <a:pt x="1359618" y="58102"/>
+                  </a:lnTo>
+                  <a:lnTo>
+                    <a:pt x="1297818" y="66402"/>
+                  </a:lnTo>
+                  <a:lnTo>
+                    <a:pt x="1236017" y="74703"/>
+                  </a:lnTo>
+                  <a:lnTo>
+                    <a:pt x="1174216" y="83003"/>
+                  </a:lnTo>
+                  <a:lnTo>
+                    <a:pt x="1112415" y="91304"/>
+                  </a:lnTo>
+                  <a:lnTo>
+                    <a:pt x="1050614" y="99604"/>
+                  </a:lnTo>
+                  <a:lnTo>
+                    <a:pt x="988813" y="107904"/>
+                  </a:lnTo>
+                  <a:lnTo>
+                    <a:pt x="927012" y="116205"/>
+                  </a:lnTo>
+                  <a:lnTo>
+                    <a:pt x="865212" y="124505"/>
+                  </a:lnTo>
+                  <a:lnTo>
+                    <a:pt x="803411" y="132805"/>
+                  </a:lnTo>
+                  <a:lnTo>
+                    <a:pt x="741610" y="141106"/>
+                  </a:lnTo>
+                  <a:lnTo>
+                    <a:pt x="679809" y="149406"/>
+                  </a:lnTo>
+                  <a:lnTo>
+                    <a:pt x="618008" y="157707"/>
+                  </a:lnTo>
+                  <a:lnTo>
+                    <a:pt x="556207" y="166007"/>
+                  </a:lnTo>
+                  <a:lnTo>
+                    <a:pt x="494406" y="174307"/>
+                  </a:lnTo>
+                  <a:lnTo>
+                    <a:pt x="432606" y="182608"/>
+                  </a:lnTo>
+                  <a:lnTo>
+                    <a:pt x="370805" y="190908"/>
+                  </a:lnTo>
+                  <a:lnTo>
+                    <a:pt x="309004" y="199208"/>
+                  </a:lnTo>
+                  <a:lnTo>
+                    <a:pt x="247203" y="207509"/>
+                  </a:lnTo>
+                  <a:lnTo>
+                    <a:pt x="185402" y="215809"/>
+                  </a:lnTo>
+                  <a:lnTo>
+                    <a:pt x="123601" y="224110"/>
+                  </a:lnTo>
+                  <a:lnTo>
+                    <a:pt x="61800" y="232410"/>
                   </a:lnTo>
                   <a:close/>
                 </a:path>
@@ -4191,260 +4194,254 @@
           <p:spPr>
             <a:xfrm>
               <a:off x="4453612" y="3781425"/>
-              <a:ext cx="1594912" cy="1768350"/>
+              <a:ext cx="1570007" cy="1756209"/>
             </a:xfrm>
             <a:custGeom>
               <a:avLst/>
               <a:pathLst>
-                <a:path w="1594912" h="1768350">
+                <a:path w="1570007" h="1756209">
                   <a:moveTo>
                     <a:pt x="0" y="0"/>
                   </a:moveTo>
                   <a:lnTo>
-                    <a:pt x="13037" y="60977"/>
-                  </a:lnTo>
-                  <a:lnTo>
-                    <a:pt x="26074" y="121955"/>
-                  </a:lnTo>
-                  <a:lnTo>
-                    <a:pt x="39112" y="182932"/>
-                  </a:lnTo>
-                  <a:lnTo>
-                    <a:pt x="52149" y="243910"/>
-                  </a:lnTo>
-                  <a:lnTo>
-                    <a:pt x="65186" y="304888"/>
-                  </a:lnTo>
-                  <a:lnTo>
-                    <a:pt x="78224" y="365865"/>
-                  </a:lnTo>
-                  <a:lnTo>
-                    <a:pt x="91261" y="426843"/>
-                  </a:lnTo>
-                  <a:lnTo>
-                    <a:pt x="104299" y="487820"/>
-                  </a:lnTo>
-                  <a:lnTo>
-                    <a:pt x="117336" y="548798"/>
-                  </a:lnTo>
-                  <a:lnTo>
-                    <a:pt x="130373" y="609776"/>
-                  </a:lnTo>
-                  <a:lnTo>
-                    <a:pt x="143411" y="670753"/>
-                  </a:lnTo>
-                  <a:lnTo>
-                    <a:pt x="156448" y="731731"/>
-                  </a:lnTo>
-                  <a:lnTo>
-                    <a:pt x="169485" y="792708"/>
-                  </a:lnTo>
-                  <a:lnTo>
-                    <a:pt x="182523" y="853686"/>
-                  </a:lnTo>
-                  <a:lnTo>
-                    <a:pt x="195560" y="914664"/>
-                  </a:lnTo>
-                  <a:lnTo>
-                    <a:pt x="208598" y="975641"/>
-                  </a:lnTo>
-                  <a:lnTo>
-                    <a:pt x="221635" y="1036619"/>
-                  </a:lnTo>
-                  <a:lnTo>
-                    <a:pt x="234672" y="1097597"/>
-                  </a:lnTo>
-                  <a:lnTo>
-                    <a:pt x="247710" y="1158574"/>
-                  </a:lnTo>
-                  <a:lnTo>
-                    <a:pt x="260747" y="1219552"/>
-                  </a:lnTo>
-                  <a:lnTo>
-                    <a:pt x="273784" y="1280529"/>
-                  </a:lnTo>
-                  <a:lnTo>
-                    <a:pt x="286822" y="1341507"/>
-                  </a:lnTo>
-                  <a:lnTo>
-                    <a:pt x="299859" y="1402485"/>
-                  </a:lnTo>
-                  <a:lnTo>
-                    <a:pt x="312897" y="1463462"/>
-                  </a:lnTo>
-                  <a:lnTo>
-                    <a:pt x="325934" y="1524440"/>
-                  </a:lnTo>
-                  <a:lnTo>
-                    <a:pt x="338971" y="1585417"/>
-                  </a:lnTo>
-                  <a:lnTo>
-                    <a:pt x="352009" y="1646395"/>
-                  </a:lnTo>
-                  <a:lnTo>
-                    <a:pt x="365046" y="1707373"/>
-                  </a:lnTo>
-                  <a:lnTo>
-                    <a:pt x="378083" y="1768350"/>
-                  </a:lnTo>
-                  <a:lnTo>
-                    <a:pt x="439341" y="1754135"/>
-                  </a:lnTo>
-                  <a:lnTo>
-                    <a:pt x="500066" y="1737798"/>
-                  </a:lnTo>
-                  <a:lnTo>
-                    <a:pt x="560187" y="1719360"/>
-                  </a:lnTo>
-                  <a:lnTo>
-                    <a:pt x="619631" y="1698843"/>
-                  </a:lnTo>
-                  <a:lnTo>
-                    <a:pt x="678325" y="1676271"/>
-                  </a:lnTo>
-                  <a:lnTo>
-                    <a:pt x="736199" y="1651672"/>
-                  </a:lnTo>
-                  <a:lnTo>
-                    <a:pt x="793183" y="1625075"/>
-                  </a:lnTo>
-                  <a:lnTo>
-                    <a:pt x="849208" y="1596514"/>
-                  </a:lnTo>
-                  <a:lnTo>
-                    <a:pt x="904205" y="1566021"/>
-                  </a:lnTo>
-                  <a:lnTo>
-                    <a:pt x="958109" y="1533635"/>
-                  </a:lnTo>
-                  <a:lnTo>
-                    <a:pt x="1010854" y="1499394"/>
-                  </a:lnTo>
-                  <a:lnTo>
-                    <a:pt x="1062377" y="1463340"/>
-                  </a:lnTo>
-                  <a:lnTo>
-                    <a:pt x="1112615" y="1425516"/>
-                  </a:lnTo>
-                  <a:lnTo>
-                    <a:pt x="1161508" y="1385968"/>
-                  </a:lnTo>
-                  <a:lnTo>
-                    <a:pt x="1208996" y="1344745"/>
-                  </a:lnTo>
-                  <a:lnTo>
-                    <a:pt x="1255022" y="1301895"/>
-                  </a:lnTo>
-                  <a:lnTo>
-                    <a:pt x="1299530" y="1257470"/>
-                  </a:lnTo>
-                  <a:lnTo>
-                    <a:pt x="1342467" y="1211525"/>
-                  </a:lnTo>
-                  <a:lnTo>
-                    <a:pt x="1383780" y="1164115"/>
-                  </a:lnTo>
-                  <a:lnTo>
-                    <a:pt x="1423419" y="1115297"/>
-                  </a:lnTo>
-                  <a:lnTo>
-                    <a:pt x="1461338" y="1065130"/>
-                  </a:lnTo>
-                  <a:lnTo>
-                    <a:pt x="1497489" y="1013675"/>
-                  </a:lnTo>
-                  <a:lnTo>
-                    <a:pt x="1531829" y="960994"/>
-                  </a:lnTo>
-                  <a:lnTo>
-                    <a:pt x="1564317" y="907151"/>
-                  </a:lnTo>
-                  <a:lnTo>
-                    <a:pt x="1594912" y="852211"/>
-                  </a:lnTo>
-                  <a:lnTo>
-                    <a:pt x="1539915" y="822824"/>
-                  </a:lnTo>
-                  <a:lnTo>
-                    <a:pt x="1484918" y="793438"/>
-                  </a:lnTo>
-                  <a:lnTo>
-                    <a:pt x="1429921" y="764051"/>
-                  </a:lnTo>
-                  <a:lnTo>
-                    <a:pt x="1374924" y="734665"/>
-                  </a:lnTo>
-                  <a:lnTo>
-                    <a:pt x="1319927" y="705278"/>
-                  </a:lnTo>
-                  <a:lnTo>
-                    <a:pt x="1264930" y="675891"/>
-                  </a:lnTo>
-                  <a:lnTo>
-                    <a:pt x="1209933" y="646505"/>
-                  </a:lnTo>
-                  <a:lnTo>
-                    <a:pt x="1154936" y="617118"/>
-                  </a:lnTo>
-                  <a:lnTo>
-                    <a:pt x="1099939" y="587732"/>
-                  </a:lnTo>
-                  <a:lnTo>
-                    <a:pt x="1044942" y="558345"/>
-                  </a:lnTo>
-                  <a:lnTo>
-                    <a:pt x="989945" y="528958"/>
-                  </a:lnTo>
-                  <a:lnTo>
-                    <a:pt x="934948" y="499572"/>
-                  </a:lnTo>
-                  <a:lnTo>
-                    <a:pt x="879951" y="470185"/>
-                  </a:lnTo>
-                  <a:lnTo>
-                    <a:pt x="824954" y="440799"/>
-                  </a:lnTo>
-                  <a:lnTo>
-                    <a:pt x="769957" y="411412"/>
-                  </a:lnTo>
-                  <a:lnTo>
-                    <a:pt x="714960" y="382025"/>
-                  </a:lnTo>
-                  <a:lnTo>
-                    <a:pt x="659963" y="352639"/>
-                  </a:lnTo>
-                  <a:lnTo>
-                    <a:pt x="604966" y="323252"/>
-                  </a:lnTo>
-                  <a:lnTo>
-                    <a:pt x="549969" y="293866"/>
-                  </a:lnTo>
-                  <a:lnTo>
-                    <a:pt x="494972" y="264479"/>
-                  </a:lnTo>
-                  <a:lnTo>
-                    <a:pt x="439975" y="235092"/>
-                  </a:lnTo>
-                  <a:lnTo>
-                    <a:pt x="384978" y="205706"/>
-                  </a:lnTo>
-                  <a:lnTo>
-                    <a:pt x="329981" y="176319"/>
-                  </a:lnTo>
-                  <a:lnTo>
-                    <a:pt x="274984" y="146933"/>
-                  </a:lnTo>
-                  <a:lnTo>
-                    <a:pt x="219987" y="117546"/>
-                  </a:lnTo>
-                  <a:lnTo>
-                    <a:pt x="164990" y="88159"/>
-                  </a:lnTo>
-                  <a:lnTo>
-                    <a:pt x="109993" y="58773"/>
-                  </a:lnTo>
-                  <a:lnTo>
-                    <a:pt x="54996" y="29386"/>
+                    <a:pt x="14861" y="60558"/>
+                  </a:lnTo>
+                  <a:lnTo>
+                    <a:pt x="29722" y="121117"/>
+                  </a:lnTo>
+                  <a:lnTo>
+                    <a:pt x="44583" y="181676"/>
+                  </a:lnTo>
+                  <a:lnTo>
+                    <a:pt x="59445" y="242235"/>
+                  </a:lnTo>
+                  <a:lnTo>
+                    <a:pt x="74306" y="302794"/>
+                  </a:lnTo>
+                  <a:lnTo>
+                    <a:pt x="89167" y="363353"/>
+                  </a:lnTo>
+                  <a:lnTo>
+                    <a:pt x="104029" y="423912"/>
+                  </a:lnTo>
+                  <a:lnTo>
+                    <a:pt x="118890" y="484471"/>
+                  </a:lnTo>
+                  <a:lnTo>
+                    <a:pt x="133751" y="545030"/>
+                  </a:lnTo>
+                  <a:lnTo>
+                    <a:pt x="148612" y="605589"/>
+                  </a:lnTo>
+                  <a:lnTo>
+                    <a:pt x="163474" y="666148"/>
+                  </a:lnTo>
+                  <a:lnTo>
+                    <a:pt x="178335" y="726707"/>
+                  </a:lnTo>
+                  <a:lnTo>
+                    <a:pt x="193196" y="787266"/>
+                  </a:lnTo>
+                  <a:lnTo>
+                    <a:pt x="208058" y="847825"/>
+                  </a:lnTo>
+                  <a:lnTo>
+                    <a:pt x="222919" y="908384"/>
+                  </a:lnTo>
+                  <a:lnTo>
+                    <a:pt x="237780" y="968942"/>
+                  </a:lnTo>
+                  <a:lnTo>
+                    <a:pt x="252642" y="1029501"/>
+                  </a:lnTo>
+                  <a:lnTo>
+                    <a:pt x="267503" y="1090060"/>
+                  </a:lnTo>
+                  <a:lnTo>
+                    <a:pt x="282364" y="1150619"/>
+                  </a:lnTo>
+                  <a:lnTo>
+                    <a:pt x="297225" y="1211178"/>
+                  </a:lnTo>
+                  <a:lnTo>
+                    <a:pt x="312087" y="1271737"/>
+                  </a:lnTo>
+                  <a:lnTo>
+                    <a:pt x="326948" y="1332296"/>
+                  </a:lnTo>
+                  <a:lnTo>
+                    <a:pt x="341809" y="1392855"/>
+                  </a:lnTo>
+                  <a:lnTo>
+                    <a:pt x="356671" y="1453414"/>
+                  </a:lnTo>
+                  <a:lnTo>
+                    <a:pt x="371532" y="1513973"/>
+                  </a:lnTo>
+                  <a:lnTo>
+                    <a:pt x="386393" y="1574532"/>
+                  </a:lnTo>
+                  <a:lnTo>
+                    <a:pt x="401254" y="1635091"/>
+                  </a:lnTo>
+                  <a:lnTo>
+                    <a:pt x="416116" y="1695650"/>
+                  </a:lnTo>
+                  <a:lnTo>
+                    <a:pt x="430977" y="1756209"/>
+                  </a:lnTo>
+                  <a:lnTo>
+                    <a:pt x="492618" y="1739925"/>
+                  </a:lnTo>
+                  <a:lnTo>
+                    <a:pt x="553646" y="1721478"/>
+                  </a:lnTo>
+                  <a:lnTo>
+                    <a:pt x="613986" y="1700891"/>
+                  </a:lnTo>
+                  <a:lnTo>
+                    <a:pt x="673563" y="1678190"/>
+                  </a:lnTo>
+                  <a:lnTo>
+                    <a:pt x="732303" y="1653403"/>
+                  </a:lnTo>
+                  <a:lnTo>
+                    <a:pt x="790132" y="1626561"/>
+                  </a:lnTo>
+                  <a:lnTo>
+                    <a:pt x="846979" y="1597697"/>
+                  </a:lnTo>
+                  <a:lnTo>
+                    <a:pt x="902774" y="1566847"/>
+                  </a:lnTo>
+                  <a:lnTo>
+                    <a:pt x="957446" y="1534049"/>
+                  </a:lnTo>
+                  <a:lnTo>
+                    <a:pt x="1010928" y="1499345"/>
+                  </a:lnTo>
+                  <a:lnTo>
+                    <a:pt x="1063153" y="1462776"/>
+                  </a:lnTo>
+                  <a:lnTo>
+                    <a:pt x="1114057" y="1424390"/>
+                  </a:lnTo>
+                  <a:lnTo>
+                    <a:pt x="1163576" y="1384232"/>
+                  </a:lnTo>
+                  <a:lnTo>
+                    <a:pt x="1211649" y="1342355"/>
+                  </a:lnTo>
+                  <a:lnTo>
+                    <a:pt x="1258216" y="1298808"/>
+                  </a:lnTo>
+                  <a:lnTo>
+                    <a:pt x="1303218" y="1253647"/>
+                  </a:lnTo>
+                  <a:lnTo>
+                    <a:pt x="1346601" y="1206928"/>
+                  </a:lnTo>
+                  <a:lnTo>
+                    <a:pt x="1388310" y="1158708"/>
+                  </a:lnTo>
+                  <a:lnTo>
+                    <a:pt x="1428293" y="1109049"/>
+                  </a:lnTo>
+                  <a:lnTo>
+                    <a:pt x="1466500" y="1058010"/>
+                  </a:lnTo>
+                  <a:lnTo>
+                    <a:pt x="1502885" y="1005657"/>
+                  </a:lnTo>
+                  <a:lnTo>
+                    <a:pt x="1537402" y="952053"/>
+                  </a:lnTo>
+                  <a:lnTo>
+                    <a:pt x="1570007" y="897266"/>
+                  </a:lnTo>
+                  <a:lnTo>
+                    <a:pt x="1515869" y="866326"/>
+                  </a:lnTo>
+                  <a:lnTo>
+                    <a:pt x="1461731" y="835386"/>
+                  </a:lnTo>
+                  <a:lnTo>
+                    <a:pt x="1407593" y="804445"/>
+                  </a:lnTo>
+                  <a:lnTo>
+                    <a:pt x="1353455" y="773505"/>
+                  </a:lnTo>
+                  <a:lnTo>
+                    <a:pt x="1299316" y="742565"/>
+                  </a:lnTo>
+                  <a:lnTo>
+                    <a:pt x="1245178" y="711625"/>
+                  </a:lnTo>
+                  <a:lnTo>
+                    <a:pt x="1191040" y="680685"/>
+                  </a:lnTo>
+                  <a:lnTo>
+                    <a:pt x="1136902" y="649744"/>
+                  </a:lnTo>
+                  <a:lnTo>
+                    <a:pt x="1082764" y="618804"/>
+                  </a:lnTo>
+                  <a:lnTo>
+                    <a:pt x="1028625" y="587864"/>
+                  </a:lnTo>
+                  <a:lnTo>
+                    <a:pt x="974487" y="556924"/>
+                  </a:lnTo>
+                  <a:lnTo>
+                    <a:pt x="920349" y="525983"/>
+                  </a:lnTo>
+                  <a:lnTo>
+                    <a:pt x="866211" y="495043"/>
+                  </a:lnTo>
+                  <a:lnTo>
+                    <a:pt x="812073" y="464103"/>
+                  </a:lnTo>
+                  <a:lnTo>
+                    <a:pt x="757934" y="433163"/>
+                  </a:lnTo>
+                  <a:lnTo>
+                    <a:pt x="703796" y="402222"/>
+                  </a:lnTo>
+                  <a:lnTo>
+                    <a:pt x="649658" y="371282"/>
+                  </a:lnTo>
+                  <a:lnTo>
+                    <a:pt x="595520" y="340342"/>
+                  </a:lnTo>
+                  <a:lnTo>
+                    <a:pt x="541382" y="309402"/>
+                  </a:lnTo>
+                  <a:lnTo>
+                    <a:pt x="487243" y="278462"/>
+                  </a:lnTo>
+                  <a:lnTo>
+                    <a:pt x="433105" y="247521"/>
+                  </a:lnTo>
+                  <a:lnTo>
+                    <a:pt x="378967" y="216581"/>
+                  </a:lnTo>
+                  <a:lnTo>
+                    <a:pt x="324829" y="185641"/>
+                  </a:lnTo>
+                  <a:lnTo>
+                    <a:pt x="270691" y="154701"/>
+                  </a:lnTo>
+                  <a:lnTo>
+                    <a:pt x="216552" y="123760"/>
+                  </a:lnTo>
+                  <a:lnTo>
+                    <a:pt x="162414" y="92820"/>
+                  </a:lnTo>
+                  <a:lnTo>
+                    <a:pt x="108276" y="61880"/>
+                  </a:lnTo>
+                  <a:lnTo>
+                    <a:pt x="54138" y="30940"/>
                   </a:lnTo>
                   <a:close/>
                 </a:path>
@@ -4479,264 +4476,261 @@
           </p:nvSpPr>
           <p:spPr>
             <a:xfrm>
-              <a:off x="3321173" y="3781425"/>
-              <a:ext cx="1510522" cy="1808286"/>
+              <a:off x="3408146" y="3781425"/>
+              <a:ext cx="1476443" cy="1808317"/>
             </a:xfrm>
             <a:custGeom>
               <a:avLst/>
               <a:pathLst>
-                <a:path w="1510522" h="1808286">
+                <a:path w="1476443" h="1808317">
                   <a:moveTo>
-                    <a:pt x="1132438" y="0"/>
+                    <a:pt x="1045466" y="0"/>
                   </a:moveTo>
                   <a:lnTo>
-                    <a:pt x="1093389" y="48614"/>
-                  </a:lnTo>
-                  <a:lnTo>
-                    <a:pt x="1054339" y="97229"/>
-                  </a:lnTo>
-                  <a:lnTo>
-                    <a:pt x="1015289" y="145843"/>
-                  </a:lnTo>
-                  <a:lnTo>
-                    <a:pt x="976240" y="194458"/>
-                  </a:lnTo>
-                  <a:lnTo>
-                    <a:pt x="937190" y="243072"/>
-                  </a:lnTo>
-                  <a:lnTo>
-                    <a:pt x="898141" y="291687"/>
-                  </a:lnTo>
-                  <a:lnTo>
-                    <a:pt x="859091" y="340301"/>
-                  </a:lnTo>
-                  <a:lnTo>
-                    <a:pt x="820041" y="388916"/>
-                  </a:lnTo>
-                  <a:lnTo>
-                    <a:pt x="780992" y="437530"/>
-                  </a:lnTo>
-                  <a:lnTo>
-                    <a:pt x="741942" y="486145"/>
-                  </a:lnTo>
-                  <a:lnTo>
-                    <a:pt x="702893" y="534759"/>
-                  </a:lnTo>
-                  <a:lnTo>
-                    <a:pt x="663843" y="583374"/>
-                  </a:lnTo>
-                  <a:lnTo>
-                    <a:pt x="624793" y="631988"/>
-                  </a:lnTo>
-                  <a:lnTo>
-                    <a:pt x="585744" y="680603"/>
-                  </a:lnTo>
-                  <a:lnTo>
-                    <a:pt x="546694" y="729217"/>
-                  </a:lnTo>
-                  <a:lnTo>
-                    <a:pt x="507644" y="777832"/>
-                  </a:lnTo>
-                  <a:lnTo>
-                    <a:pt x="468595" y="826446"/>
-                  </a:lnTo>
-                  <a:lnTo>
-                    <a:pt x="429545" y="875061"/>
-                  </a:lnTo>
-                  <a:lnTo>
-                    <a:pt x="390496" y="923675"/>
-                  </a:lnTo>
-                  <a:lnTo>
-                    <a:pt x="351446" y="972290"/>
-                  </a:lnTo>
-                  <a:lnTo>
-                    <a:pt x="312396" y="1020904"/>
-                  </a:lnTo>
-                  <a:lnTo>
-                    <a:pt x="273347" y="1069519"/>
-                  </a:lnTo>
-                  <a:lnTo>
-                    <a:pt x="234297" y="1118133"/>
-                  </a:lnTo>
-                  <a:lnTo>
-                    <a:pt x="195248" y="1166748"/>
-                  </a:lnTo>
-                  <a:lnTo>
-                    <a:pt x="156198" y="1215362"/>
-                  </a:lnTo>
-                  <a:lnTo>
-                    <a:pt x="117148" y="1263977"/>
-                  </a:lnTo>
-                  <a:lnTo>
-                    <a:pt x="78099" y="1312591"/>
-                  </a:lnTo>
-                  <a:lnTo>
-                    <a:pt x="39049" y="1361206"/>
-                  </a:lnTo>
-                  <a:lnTo>
-                    <a:pt x="0" y="1409820"/>
-                  </a:lnTo>
-                  <a:lnTo>
-                    <a:pt x="48765" y="1447641"/>
-                  </a:lnTo>
-                  <a:lnTo>
-                    <a:pt x="98793" y="1483775"/>
-                  </a:lnTo>
-                  <a:lnTo>
-                    <a:pt x="150025" y="1518182"/>
-                  </a:lnTo>
-                  <a:lnTo>
-                    <a:pt x="202401" y="1550820"/>
-                  </a:lnTo>
-                  <a:lnTo>
-                    <a:pt x="255861" y="1581652"/>
-                  </a:lnTo>
-                  <a:lnTo>
-                    <a:pt x="310341" y="1610642"/>
-                  </a:lnTo>
-                  <a:lnTo>
-                    <a:pt x="365779" y="1637756"/>
-                  </a:lnTo>
-                  <a:lnTo>
-                    <a:pt x="422109" y="1662962"/>
-                  </a:lnTo>
-                  <a:lnTo>
-                    <a:pt x="479267" y="1686232"/>
-                  </a:lnTo>
-                  <a:lnTo>
-                    <a:pt x="537186" y="1707538"/>
-                  </a:lnTo>
-                  <a:lnTo>
-                    <a:pt x="595798" y="1726855"/>
-                  </a:lnTo>
-                  <a:lnTo>
-                    <a:pt x="655035" y="1744161"/>
-                  </a:lnTo>
-                  <a:lnTo>
-                    <a:pt x="714828" y="1759435"/>
-                  </a:lnTo>
-                  <a:lnTo>
-                    <a:pt x="775107" y="1772660"/>
-                  </a:lnTo>
-                  <a:lnTo>
-                    <a:pt x="835802" y="1783821"/>
-                  </a:lnTo>
-                  <a:lnTo>
-                    <a:pt x="896843" y="1792904"/>
-                  </a:lnTo>
-                  <a:lnTo>
-                    <a:pt x="958159" y="1799899"/>
-                  </a:lnTo>
-                  <a:lnTo>
-                    <a:pt x="1019677" y="1804798"/>
-                  </a:lnTo>
-                  <a:lnTo>
-                    <a:pt x="1081327" y="1807594"/>
-                  </a:lnTo>
-                  <a:lnTo>
-                    <a:pt x="1143036" y="1808286"/>
-                  </a:lnTo>
-                  <a:lnTo>
-                    <a:pt x="1204733" y="1806871"/>
-                  </a:lnTo>
-                  <a:lnTo>
-                    <a:pt x="1266346" y="1803352"/>
-                  </a:lnTo>
-                  <a:lnTo>
-                    <a:pt x="1327802" y="1797733"/>
-                  </a:lnTo>
-                  <a:lnTo>
-                    <a:pt x="1389031" y="1790020"/>
-                  </a:lnTo>
-                  <a:lnTo>
-                    <a:pt x="1449962" y="1780222"/>
-                  </a:lnTo>
-                  <a:lnTo>
-                    <a:pt x="1510522" y="1768350"/>
-                  </a:lnTo>
-                  <a:lnTo>
-                    <a:pt x="1497485" y="1707373"/>
-                  </a:lnTo>
-                  <a:lnTo>
-                    <a:pt x="1484448" y="1646395"/>
-                  </a:lnTo>
-                  <a:lnTo>
-                    <a:pt x="1471410" y="1585417"/>
-                  </a:lnTo>
-                  <a:lnTo>
-                    <a:pt x="1458373" y="1524440"/>
-                  </a:lnTo>
-                  <a:lnTo>
-                    <a:pt x="1445335" y="1463462"/>
-                  </a:lnTo>
-                  <a:lnTo>
-                    <a:pt x="1432298" y="1402485"/>
-                  </a:lnTo>
-                  <a:lnTo>
-                    <a:pt x="1419261" y="1341507"/>
-                  </a:lnTo>
-                  <a:lnTo>
-                    <a:pt x="1406223" y="1280529"/>
-                  </a:lnTo>
-                  <a:lnTo>
-                    <a:pt x="1393186" y="1219552"/>
-                  </a:lnTo>
-                  <a:lnTo>
-                    <a:pt x="1380148" y="1158574"/>
-                  </a:lnTo>
-                  <a:lnTo>
-                    <a:pt x="1367111" y="1097597"/>
-                  </a:lnTo>
-                  <a:lnTo>
-                    <a:pt x="1354074" y="1036619"/>
-                  </a:lnTo>
-                  <a:lnTo>
-                    <a:pt x="1341036" y="975641"/>
-                  </a:lnTo>
-                  <a:lnTo>
-                    <a:pt x="1327999" y="914664"/>
-                  </a:lnTo>
-                  <a:lnTo>
-                    <a:pt x="1314962" y="853686"/>
-                  </a:lnTo>
-                  <a:lnTo>
-                    <a:pt x="1301924" y="792708"/>
-                  </a:lnTo>
-                  <a:lnTo>
-                    <a:pt x="1288887" y="731731"/>
-                  </a:lnTo>
-                  <a:lnTo>
-                    <a:pt x="1275849" y="670753"/>
-                  </a:lnTo>
-                  <a:lnTo>
-                    <a:pt x="1262812" y="609776"/>
-                  </a:lnTo>
-                  <a:lnTo>
-                    <a:pt x="1249775" y="548798"/>
-                  </a:lnTo>
-                  <a:lnTo>
-                    <a:pt x="1236737" y="487820"/>
-                  </a:lnTo>
-                  <a:lnTo>
-                    <a:pt x="1223700" y="426843"/>
-                  </a:lnTo>
-                  <a:lnTo>
-                    <a:pt x="1210663" y="365865"/>
-                  </a:lnTo>
-                  <a:lnTo>
-                    <a:pt x="1197625" y="304888"/>
-                  </a:lnTo>
-                  <a:lnTo>
-                    <a:pt x="1184588" y="243910"/>
-                  </a:lnTo>
-                  <a:lnTo>
-                    <a:pt x="1171550" y="182932"/>
-                  </a:lnTo>
-                  <a:lnTo>
-                    <a:pt x="1158513" y="121955"/>
-                  </a:lnTo>
-                  <a:lnTo>
-                    <a:pt x="1145476" y="60977"/>
+                    <a:pt x="1009415" y="50878"/>
+                  </a:lnTo>
+                  <a:lnTo>
+                    <a:pt x="973365" y="101756"/>
+                  </a:lnTo>
+                  <a:lnTo>
+                    <a:pt x="937314" y="152634"/>
+                  </a:lnTo>
+                  <a:lnTo>
+                    <a:pt x="901263" y="203513"/>
+                  </a:lnTo>
+                  <a:lnTo>
+                    <a:pt x="865213" y="254391"/>
+                  </a:lnTo>
+                  <a:lnTo>
+                    <a:pt x="829162" y="305269"/>
+                  </a:lnTo>
+                  <a:lnTo>
+                    <a:pt x="793112" y="356147"/>
+                  </a:lnTo>
+                  <a:lnTo>
+                    <a:pt x="757061" y="407026"/>
+                  </a:lnTo>
+                  <a:lnTo>
+                    <a:pt x="721011" y="457904"/>
+                  </a:lnTo>
+                  <a:lnTo>
+                    <a:pt x="684960" y="508782"/>
+                  </a:lnTo>
+                  <a:lnTo>
+                    <a:pt x="648910" y="559661"/>
+                  </a:lnTo>
+                  <a:lnTo>
+                    <a:pt x="612859" y="610539"/>
+                  </a:lnTo>
+                  <a:lnTo>
+                    <a:pt x="576808" y="661417"/>
+                  </a:lnTo>
+                  <a:lnTo>
+                    <a:pt x="540758" y="712295"/>
+                  </a:lnTo>
+                  <a:lnTo>
+                    <a:pt x="504707" y="763174"/>
+                  </a:lnTo>
+                  <a:lnTo>
+                    <a:pt x="468657" y="814052"/>
+                  </a:lnTo>
+                  <a:lnTo>
+                    <a:pt x="432606" y="864930"/>
+                  </a:lnTo>
+                  <a:lnTo>
+                    <a:pt x="396556" y="915809"/>
+                  </a:lnTo>
+                  <a:lnTo>
+                    <a:pt x="360505" y="966687"/>
+                  </a:lnTo>
+                  <a:lnTo>
+                    <a:pt x="324455" y="1017565"/>
+                  </a:lnTo>
+                  <a:lnTo>
+                    <a:pt x="288404" y="1068443"/>
+                  </a:lnTo>
+                  <a:lnTo>
+                    <a:pt x="252353" y="1119322"/>
+                  </a:lnTo>
+                  <a:lnTo>
+                    <a:pt x="216303" y="1170200"/>
+                  </a:lnTo>
+                  <a:lnTo>
+                    <a:pt x="180252" y="1221078"/>
+                  </a:lnTo>
+                  <a:lnTo>
+                    <a:pt x="144202" y="1271957"/>
+                  </a:lnTo>
+                  <a:lnTo>
+                    <a:pt x="108151" y="1322835"/>
+                  </a:lnTo>
+                  <a:lnTo>
+                    <a:pt x="72101" y="1373713"/>
+                  </a:lnTo>
+                  <a:lnTo>
+                    <a:pt x="36050" y="1424591"/>
+                  </a:lnTo>
+                  <a:lnTo>
+                    <a:pt x="0" y="1475470"/>
+                  </a:lnTo>
+                  <a:lnTo>
+                    <a:pt x="51189" y="1510438"/>
+                  </a:lnTo>
+                  <a:lnTo>
+                    <a:pt x="103547" y="1543632"/>
+                  </a:lnTo>
+                  <a:lnTo>
+                    <a:pt x="157012" y="1575011"/>
+                  </a:lnTo>
+                  <a:lnTo>
+                    <a:pt x="211521" y="1604539"/>
+                  </a:lnTo>
+                  <a:lnTo>
+                    <a:pt x="267010" y="1632182"/>
+                  </a:lnTo>
+                  <a:lnTo>
+                    <a:pt x="323414" y="1657906"/>
+                  </a:lnTo>
+                  <a:lnTo>
+                    <a:pt x="380667" y="1681681"/>
+                  </a:lnTo>
+                  <a:lnTo>
+                    <a:pt x="438701" y="1703481"/>
+                  </a:lnTo>
+                  <a:lnTo>
+                    <a:pt x="497448" y="1723278"/>
+                  </a:lnTo>
+                  <a:lnTo>
+                    <a:pt x="556839" y="1741050"/>
+                  </a:lnTo>
+                  <a:lnTo>
+                    <a:pt x="616804" y="1756775"/>
+                  </a:lnTo>
+                  <a:lnTo>
+                    <a:pt x="677274" y="1770436"/>
+                  </a:lnTo>
+                  <a:lnTo>
+                    <a:pt x="738175" y="1782017"/>
+                  </a:lnTo>
+                  <a:lnTo>
+                    <a:pt x="799439" y="1791502"/>
+                  </a:lnTo>
+                  <a:lnTo>
+                    <a:pt x="860991" y="1798883"/>
+                  </a:lnTo>
+                  <a:lnTo>
+                    <a:pt x="922760" y="1804149"/>
+                  </a:lnTo>
+                  <a:lnTo>
+                    <a:pt x="984673" y="1807295"/>
+                  </a:lnTo>
+                  <a:lnTo>
+                    <a:pt x="1046658" y="1808317"/>
+                  </a:lnTo>
+                  <a:lnTo>
+                    <a:pt x="1108641" y="1807213"/>
+                  </a:lnTo>
+                  <a:lnTo>
+                    <a:pt x="1170550" y="1803986"/>
+                  </a:lnTo>
+                  <a:lnTo>
+                    <a:pt x="1232312" y="1798638"/>
+                  </a:lnTo>
+                  <a:lnTo>
+                    <a:pt x="1293855" y="1791176"/>
+                  </a:lnTo>
+                  <a:lnTo>
+                    <a:pt x="1355105" y="1781610"/>
+                  </a:lnTo>
+                  <a:lnTo>
+                    <a:pt x="1415992" y="1769949"/>
+                  </a:lnTo>
+                  <a:lnTo>
+                    <a:pt x="1476443" y="1756209"/>
+                  </a:lnTo>
+                  <a:lnTo>
+                    <a:pt x="1461582" y="1695650"/>
+                  </a:lnTo>
+                  <a:lnTo>
+                    <a:pt x="1446721" y="1635091"/>
+                  </a:lnTo>
+                  <a:lnTo>
+                    <a:pt x="1431859" y="1574532"/>
+                  </a:lnTo>
+                  <a:lnTo>
+                    <a:pt x="1416998" y="1513973"/>
+                  </a:lnTo>
+                  <a:lnTo>
+                    <a:pt x="1402137" y="1453414"/>
+                  </a:lnTo>
+                  <a:lnTo>
+                    <a:pt x="1387275" y="1392855"/>
+                  </a:lnTo>
+                  <a:lnTo>
+                    <a:pt x="1372414" y="1332296"/>
+                  </a:lnTo>
+                  <a:lnTo>
+                    <a:pt x="1357553" y="1271737"/>
+                  </a:lnTo>
+                  <a:lnTo>
+                    <a:pt x="1342692" y="1211178"/>
+                  </a:lnTo>
+                  <a:lnTo>
+                    <a:pt x="1327830" y="1150619"/>
+                  </a:lnTo>
+                  <a:lnTo>
+                    <a:pt x="1312969" y="1090060"/>
+                  </a:lnTo>
+                  <a:lnTo>
+                    <a:pt x="1298108" y="1029501"/>
+                  </a:lnTo>
+                  <a:lnTo>
+                    <a:pt x="1283246" y="968942"/>
+                  </a:lnTo>
+                  <a:lnTo>
+                    <a:pt x="1268385" y="908384"/>
+                  </a:lnTo>
+                  <a:lnTo>
+                    <a:pt x="1253524" y="847825"/>
+                  </a:lnTo>
+                  <a:lnTo>
+                    <a:pt x="1238663" y="787266"/>
+                  </a:lnTo>
+                  <a:lnTo>
+                    <a:pt x="1223801" y="726707"/>
+                  </a:lnTo>
+                  <a:lnTo>
+                    <a:pt x="1208940" y="666148"/>
+                  </a:lnTo>
+                  <a:lnTo>
+                    <a:pt x="1194079" y="605589"/>
+                  </a:lnTo>
+                  <a:lnTo>
+                    <a:pt x="1179217" y="545030"/>
+                  </a:lnTo>
+                  <a:lnTo>
+                    <a:pt x="1164356" y="484471"/>
+                  </a:lnTo>
+                  <a:lnTo>
+                    <a:pt x="1149495" y="423912"/>
+                  </a:lnTo>
+                  <a:lnTo>
+                    <a:pt x="1134633" y="363353"/>
+                  </a:lnTo>
+                  <a:lnTo>
+                    <a:pt x="1119772" y="302794"/>
+                  </a:lnTo>
+                  <a:lnTo>
+                    <a:pt x="1104911" y="242235"/>
+                  </a:lnTo>
+                  <a:lnTo>
+                    <a:pt x="1090050" y="181676"/>
+                  </a:lnTo>
+                  <a:lnTo>
+                    <a:pt x="1075188" y="121117"/>
+                  </a:lnTo>
+                  <a:lnTo>
+                    <a:pt x="1060327" y="60558"/>
                   </a:lnTo>
                   <a:close/>
                 </a:path>
@@ -4771,267 +4765,264 @@
           </p:nvSpPr>
           <p:spPr>
             <a:xfrm>
-              <a:off x="2645464" y="3744958"/>
-              <a:ext cx="1808147" cy="1446286"/>
+              <a:off x="2647655" y="3781425"/>
+              <a:ext cx="1805957" cy="1475470"/>
             </a:xfrm>
             <a:custGeom>
               <a:avLst/>
               <a:pathLst>
-                <a:path w="1808147" h="1446286">
+                <a:path w="1805957" h="1475470">
                   <a:moveTo>
-                    <a:pt x="1808147" y="36466"/>
+                    <a:pt x="1805957" y="0"/>
                   </a:moveTo>
                   <a:lnTo>
-                    <a:pt x="1745804" y="35208"/>
-                  </a:lnTo>
-                  <a:lnTo>
-                    <a:pt x="1683461" y="33951"/>
-                  </a:lnTo>
-                  <a:lnTo>
-                    <a:pt x="1621118" y="32693"/>
-                  </a:lnTo>
-                  <a:lnTo>
-                    <a:pt x="1558775" y="31436"/>
-                  </a:lnTo>
-                  <a:lnTo>
-                    <a:pt x="1496432" y="30178"/>
-                  </a:lnTo>
-                  <a:lnTo>
-                    <a:pt x="1434089" y="28921"/>
-                  </a:lnTo>
-                  <a:lnTo>
-                    <a:pt x="1371746" y="27663"/>
-                  </a:lnTo>
-                  <a:lnTo>
-                    <a:pt x="1309403" y="26406"/>
-                  </a:lnTo>
-                  <a:lnTo>
-                    <a:pt x="1247060" y="25149"/>
-                  </a:lnTo>
-                  <a:lnTo>
-                    <a:pt x="1184716" y="23891"/>
-                  </a:lnTo>
-                  <a:lnTo>
-                    <a:pt x="1122373" y="22634"/>
-                  </a:lnTo>
-                  <a:lnTo>
-                    <a:pt x="1060030" y="21376"/>
-                  </a:lnTo>
-                  <a:lnTo>
-                    <a:pt x="997687" y="20119"/>
-                  </a:lnTo>
-                  <a:lnTo>
-                    <a:pt x="935344" y="18861"/>
-                  </a:lnTo>
-                  <a:lnTo>
-                    <a:pt x="873001" y="17604"/>
-                  </a:lnTo>
-                  <a:lnTo>
-                    <a:pt x="810658" y="16346"/>
-                  </a:lnTo>
-                  <a:lnTo>
-                    <a:pt x="748315" y="15089"/>
-                  </a:lnTo>
-                  <a:lnTo>
-                    <a:pt x="685972" y="13831"/>
-                  </a:lnTo>
-                  <a:lnTo>
-                    <a:pt x="623629" y="12574"/>
-                  </a:lnTo>
-                  <a:lnTo>
-                    <a:pt x="561286" y="11317"/>
-                  </a:lnTo>
-                  <a:lnTo>
-                    <a:pt x="498942" y="10059"/>
-                  </a:lnTo>
-                  <a:lnTo>
-                    <a:pt x="436599" y="8802"/>
-                  </a:lnTo>
-                  <a:lnTo>
-                    <a:pt x="374256" y="7544"/>
-                  </a:lnTo>
-                  <a:lnTo>
-                    <a:pt x="311913" y="6287"/>
-                  </a:lnTo>
-                  <a:lnTo>
-                    <a:pt x="249570" y="5029"/>
-                  </a:lnTo>
-                  <a:lnTo>
-                    <a:pt x="187227" y="3772"/>
-                  </a:lnTo>
-                  <a:lnTo>
-                    <a:pt x="124884" y="2514"/>
-                  </a:lnTo>
-                  <a:lnTo>
-                    <a:pt x="62541" y="1257"/>
-                  </a:lnTo>
-                  <a:lnTo>
-                    <a:pt x="198" y="0"/>
-                  </a:lnTo>
-                  <a:lnTo>
-                    <a:pt x="0" y="61227"/>
-                  </a:lnTo>
-                  <a:lnTo>
-                    <a:pt x="1874" y="122427"/>
-                  </a:lnTo>
-                  <a:lnTo>
-                    <a:pt x="5820" y="183528"/>
-                  </a:lnTo>
-                  <a:lnTo>
-                    <a:pt x="11832" y="244461"/>
-                  </a:lnTo>
-                  <a:lnTo>
-                    <a:pt x="19903" y="305155"/>
-                  </a:lnTo>
-                  <a:lnTo>
-                    <a:pt x="30024" y="365540"/>
-                  </a:lnTo>
-                  <a:lnTo>
-                    <a:pt x="42184" y="425549"/>
-                  </a:lnTo>
-                  <a:lnTo>
-                    <a:pt x="56369" y="485112"/>
-                  </a:lnTo>
-                  <a:lnTo>
-                    <a:pt x="72562" y="544160"/>
-                  </a:lnTo>
-                  <a:lnTo>
-                    <a:pt x="90744" y="602626"/>
-                  </a:lnTo>
-                  <a:lnTo>
-                    <a:pt x="110896" y="660443"/>
-                  </a:lnTo>
-                  <a:lnTo>
-                    <a:pt x="132993" y="717545"/>
-                  </a:lnTo>
-                  <a:lnTo>
-                    <a:pt x="157011" y="773866"/>
-                  </a:lnTo>
-                  <a:lnTo>
-                    <a:pt x="182921" y="829342"/>
-                  </a:lnTo>
-                  <a:lnTo>
-                    <a:pt x="210695" y="883908"/>
-                  </a:lnTo>
-                  <a:lnTo>
-                    <a:pt x="240301" y="937503"/>
-                  </a:lnTo>
-                  <a:lnTo>
-                    <a:pt x="271704" y="990065"/>
-                  </a:lnTo>
-                  <a:lnTo>
-                    <a:pt x="304868" y="1041534"/>
-                  </a:lnTo>
-                  <a:lnTo>
-                    <a:pt x="339756" y="1091851"/>
-                  </a:lnTo>
-                  <a:lnTo>
-                    <a:pt x="376327" y="1140957"/>
-                  </a:lnTo>
-                  <a:lnTo>
-                    <a:pt x="414539" y="1188797"/>
-                  </a:lnTo>
-                  <a:lnTo>
-                    <a:pt x="454350" y="1235317"/>
-                  </a:lnTo>
-                  <a:lnTo>
-                    <a:pt x="495712" y="1280462"/>
-                  </a:lnTo>
-                  <a:lnTo>
-                    <a:pt x="538579" y="1324180"/>
-                  </a:lnTo>
-                  <a:lnTo>
-                    <a:pt x="582902" y="1366422"/>
-                  </a:lnTo>
-                  <a:lnTo>
-                    <a:pt x="628629" y="1407140"/>
-                  </a:lnTo>
-                  <a:lnTo>
-                    <a:pt x="675709" y="1446286"/>
-                  </a:lnTo>
-                  <a:lnTo>
-                    <a:pt x="714758" y="1397672"/>
-                  </a:lnTo>
-                  <a:lnTo>
-                    <a:pt x="753808" y="1349057"/>
-                  </a:lnTo>
-                  <a:lnTo>
-                    <a:pt x="792857" y="1300443"/>
-                  </a:lnTo>
-                  <a:lnTo>
-                    <a:pt x="831907" y="1251828"/>
-                  </a:lnTo>
-                  <a:lnTo>
-                    <a:pt x="870957" y="1203214"/>
-                  </a:lnTo>
-                  <a:lnTo>
-                    <a:pt x="910006" y="1154599"/>
-                  </a:lnTo>
-                  <a:lnTo>
-                    <a:pt x="949056" y="1105985"/>
-                  </a:lnTo>
-                  <a:lnTo>
-                    <a:pt x="988105" y="1057370"/>
-                  </a:lnTo>
-                  <a:lnTo>
-                    <a:pt x="1027155" y="1008756"/>
-                  </a:lnTo>
-                  <a:lnTo>
-                    <a:pt x="1066205" y="960141"/>
-                  </a:lnTo>
-                  <a:lnTo>
-                    <a:pt x="1105254" y="911527"/>
-                  </a:lnTo>
-                  <a:lnTo>
-                    <a:pt x="1144304" y="862912"/>
-                  </a:lnTo>
-                  <a:lnTo>
-                    <a:pt x="1183354" y="814298"/>
-                  </a:lnTo>
-                  <a:lnTo>
-                    <a:pt x="1222403" y="765683"/>
-                  </a:lnTo>
-                  <a:lnTo>
-                    <a:pt x="1261453" y="717069"/>
-                  </a:lnTo>
-                  <a:lnTo>
-                    <a:pt x="1300502" y="668454"/>
-                  </a:lnTo>
-                  <a:lnTo>
-                    <a:pt x="1339552" y="619840"/>
-                  </a:lnTo>
-                  <a:lnTo>
-                    <a:pt x="1378602" y="571225"/>
-                  </a:lnTo>
-                  <a:lnTo>
-                    <a:pt x="1417651" y="522611"/>
-                  </a:lnTo>
-                  <a:lnTo>
-                    <a:pt x="1456701" y="473996"/>
-                  </a:lnTo>
-                  <a:lnTo>
-                    <a:pt x="1495750" y="425382"/>
-                  </a:lnTo>
-                  <a:lnTo>
-                    <a:pt x="1534800" y="376767"/>
-                  </a:lnTo>
-                  <a:lnTo>
-                    <a:pt x="1573850" y="328153"/>
-                  </a:lnTo>
-                  <a:lnTo>
-                    <a:pt x="1612899" y="279538"/>
-                  </a:lnTo>
-                  <a:lnTo>
-                    <a:pt x="1651949" y="230924"/>
-                  </a:lnTo>
-                  <a:lnTo>
-                    <a:pt x="1690999" y="182309"/>
-                  </a:lnTo>
-                  <a:lnTo>
-                    <a:pt x="1730048" y="133695"/>
-                  </a:lnTo>
-                  <a:lnTo>
-                    <a:pt x="1769098" y="85080"/>
+                    <a:pt x="1743682" y="3184"/>
+                  </a:lnTo>
+                  <a:lnTo>
+                    <a:pt x="1681408" y="6369"/>
+                  </a:lnTo>
+                  <a:lnTo>
+                    <a:pt x="1619134" y="9554"/>
+                  </a:lnTo>
+                  <a:lnTo>
+                    <a:pt x="1556859" y="12739"/>
+                  </a:lnTo>
+                  <a:lnTo>
+                    <a:pt x="1494585" y="15923"/>
+                  </a:lnTo>
+                  <a:lnTo>
+                    <a:pt x="1432311" y="19108"/>
+                  </a:lnTo>
+                  <a:lnTo>
+                    <a:pt x="1370036" y="22293"/>
+                  </a:lnTo>
+                  <a:lnTo>
+                    <a:pt x="1307762" y="25478"/>
+                  </a:lnTo>
+                  <a:lnTo>
+                    <a:pt x="1245487" y="28662"/>
+                  </a:lnTo>
+                  <a:lnTo>
+                    <a:pt x="1183213" y="31847"/>
+                  </a:lnTo>
+                  <a:lnTo>
+                    <a:pt x="1120939" y="35032"/>
+                  </a:lnTo>
+                  <a:lnTo>
+                    <a:pt x="1058664" y="38217"/>
+                  </a:lnTo>
+                  <a:lnTo>
+                    <a:pt x="996390" y="41401"/>
+                  </a:lnTo>
+                  <a:lnTo>
+                    <a:pt x="934115" y="44586"/>
+                  </a:lnTo>
+                  <a:lnTo>
+                    <a:pt x="871841" y="47771"/>
+                  </a:lnTo>
+                  <a:lnTo>
+                    <a:pt x="809567" y="50956"/>
+                  </a:lnTo>
+                  <a:lnTo>
+                    <a:pt x="747292" y="54140"/>
+                  </a:lnTo>
+                  <a:lnTo>
+                    <a:pt x="685018" y="57325"/>
+                  </a:lnTo>
+                  <a:lnTo>
+                    <a:pt x="622743" y="60510"/>
+                  </a:lnTo>
+                  <a:lnTo>
+                    <a:pt x="560469" y="63695"/>
+                  </a:lnTo>
+                  <a:lnTo>
+                    <a:pt x="498195" y="66879"/>
+                  </a:lnTo>
+                  <a:lnTo>
+                    <a:pt x="435920" y="70064"/>
+                  </a:lnTo>
+                  <a:lnTo>
+                    <a:pt x="373646" y="73249"/>
+                  </a:lnTo>
+                  <a:lnTo>
+                    <a:pt x="311371" y="76434"/>
+                  </a:lnTo>
+                  <a:lnTo>
+                    <a:pt x="249097" y="79618"/>
+                  </a:lnTo>
+                  <a:lnTo>
+                    <a:pt x="186823" y="82803"/>
+                  </a:lnTo>
+                  <a:lnTo>
+                    <a:pt x="124548" y="85988"/>
+                  </a:lnTo>
+                  <a:lnTo>
+                    <a:pt x="62274" y="89173"/>
+                  </a:lnTo>
+                  <a:lnTo>
+                    <a:pt x="0" y="92357"/>
+                  </a:lnTo>
+                  <a:lnTo>
+                    <a:pt x="4297" y="155029"/>
+                  </a:lnTo>
+                  <a:lnTo>
+                    <a:pt x="10769" y="217513"/>
+                  </a:lnTo>
+                  <a:lnTo>
+                    <a:pt x="19407" y="279735"/>
+                  </a:lnTo>
+                  <a:lnTo>
+                    <a:pt x="30201" y="341619"/>
+                  </a:lnTo>
+                  <a:lnTo>
+                    <a:pt x="43138" y="403090"/>
+                  </a:lnTo>
+                  <a:lnTo>
+                    <a:pt x="58203" y="464076"/>
+                  </a:lnTo>
+                  <a:lnTo>
+                    <a:pt x="75376" y="524501"/>
+                  </a:lnTo>
+                  <a:lnTo>
+                    <a:pt x="94638" y="584294"/>
+                  </a:lnTo>
+                  <a:lnTo>
+                    <a:pt x="115965" y="643381"/>
+                  </a:lnTo>
+                  <a:lnTo>
+                    <a:pt x="139332" y="701692"/>
+                  </a:lnTo>
+                  <a:lnTo>
+                    <a:pt x="164709" y="759156"/>
+                  </a:lnTo>
+                  <a:lnTo>
+                    <a:pt x="192068" y="815704"/>
+                  </a:lnTo>
+                  <a:lnTo>
+                    <a:pt x="221374" y="871268"/>
+                  </a:lnTo>
+                  <a:lnTo>
+                    <a:pt x="252592" y="925780"/>
+                  </a:lnTo>
+                  <a:lnTo>
+                    <a:pt x="285685" y="979175"/>
+                  </a:lnTo>
+                  <a:lnTo>
+                    <a:pt x="320612" y="1031388"/>
+                  </a:lnTo>
+                  <a:lnTo>
+                    <a:pt x="357332" y="1082357"/>
+                  </a:lnTo>
+                  <a:lnTo>
+                    <a:pt x="395800" y="1132019"/>
+                  </a:lnTo>
+                  <a:lnTo>
+                    <a:pt x="435969" y="1180316"/>
+                  </a:lnTo>
+                  <a:lnTo>
+                    <a:pt x="477792" y="1227188"/>
+                  </a:lnTo>
+                  <a:lnTo>
+                    <a:pt x="521218" y="1272579"/>
+                  </a:lnTo>
+                  <a:lnTo>
+                    <a:pt x="566194" y="1316434"/>
+                  </a:lnTo>
+                  <a:lnTo>
+                    <a:pt x="612667" y="1358701"/>
+                  </a:lnTo>
+                  <a:lnTo>
+                    <a:pt x="660579" y="1399328"/>
+                  </a:lnTo>
+                  <a:lnTo>
+                    <a:pt x="709873" y="1438267"/>
+                  </a:lnTo>
+                  <a:lnTo>
+                    <a:pt x="760491" y="1475470"/>
+                  </a:lnTo>
+                  <a:lnTo>
+                    <a:pt x="796541" y="1424591"/>
+                  </a:lnTo>
+                  <a:lnTo>
+                    <a:pt x="832592" y="1373713"/>
+                  </a:lnTo>
+                  <a:lnTo>
+                    <a:pt x="868642" y="1322835"/>
+                  </a:lnTo>
+                  <a:lnTo>
+                    <a:pt x="904693" y="1271957"/>
+                  </a:lnTo>
+                  <a:lnTo>
+                    <a:pt x="940743" y="1221078"/>
+                  </a:lnTo>
+                  <a:lnTo>
+                    <a:pt x="976794" y="1170200"/>
+                  </a:lnTo>
+                  <a:lnTo>
+                    <a:pt x="1012845" y="1119322"/>
+                  </a:lnTo>
+                  <a:lnTo>
+                    <a:pt x="1048895" y="1068443"/>
+                  </a:lnTo>
+                  <a:lnTo>
+                    <a:pt x="1084946" y="1017565"/>
+                  </a:lnTo>
+                  <a:lnTo>
+                    <a:pt x="1120996" y="966687"/>
+                  </a:lnTo>
+                  <a:lnTo>
+                    <a:pt x="1157047" y="915809"/>
+                  </a:lnTo>
+                  <a:lnTo>
+                    <a:pt x="1193097" y="864930"/>
+                  </a:lnTo>
+                  <a:lnTo>
+                    <a:pt x="1229148" y="814052"/>
+                  </a:lnTo>
+                  <a:lnTo>
+                    <a:pt x="1265198" y="763174"/>
+                  </a:lnTo>
+                  <a:lnTo>
+                    <a:pt x="1301249" y="712295"/>
+                  </a:lnTo>
+                  <a:lnTo>
+                    <a:pt x="1337300" y="661417"/>
+                  </a:lnTo>
+                  <a:lnTo>
+                    <a:pt x="1373350" y="610539"/>
+                  </a:lnTo>
+                  <a:lnTo>
+                    <a:pt x="1409401" y="559661"/>
+                  </a:lnTo>
+                  <a:lnTo>
+                    <a:pt x="1445451" y="508782"/>
+                  </a:lnTo>
+                  <a:lnTo>
+                    <a:pt x="1481502" y="457904"/>
+                  </a:lnTo>
+                  <a:lnTo>
+                    <a:pt x="1517552" y="407026"/>
+                  </a:lnTo>
+                  <a:lnTo>
+                    <a:pt x="1553603" y="356147"/>
+                  </a:lnTo>
+                  <a:lnTo>
+                    <a:pt x="1589654" y="305269"/>
+                  </a:lnTo>
+                  <a:lnTo>
+                    <a:pt x="1625704" y="254391"/>
+                  </a:lnTo>
+                  <a:lnTo>
+                    <a:pt x="1661755" y="203513"/>
+                  </a:lnTo>
+                  <a:lnTo>
+                    <a:pt x="1697805" y="152634"/>
+                  </a:lnTo>
+                  <a:lnTo>
+                    <a:pt x="1733856" y="101756"/>
+                  </a:lnTo>
+                  <a:lnTo>
+                    <a:pt x="1769906" y="50878"/>
                   </a:lnTo>
                   <a:close/>
                 </a:path>
@@ -5066,321 +5057,327 @@
           </p:nvSpPr>
           <p:spPr>
             <a:xfrm>
-              <a:off x="2645662" y="1973107"/>
-              <a:ext cx="1807949" cy="1808317"/>
+              <a:off x="2645543" y="1973107"/>
+              <a:ext cx="1808068" cy="1900675"/>
             </a:xfrm>
             <a:custGeom>
               <a:avLst/>
               <a:pathLst>
-                <a:path w="1807949" h="1808317">
+                <a:path w="1808068" h="1900675">
                   <a:moveTo>
-                    <a:pt x="1807949" y="1808317"/>
+                    <a:pt x="1808068" y="1808317"/>
                   </a:moveTo>
                   <a:lnTo>
-                    <a:pt x="1807949" y="1745961"/>
-                  </a:lnTo>
-                  <a:lnTo>
-                    <a:pt x="1807949" y="1683605"/>
-                  </a:lnTo>
-                  <a:lnTo>
-                    <a:pt x="1807949" y="1621250"/>
-                  </a:lnTo>
-                  <a:lnTo>
-                    <a:pt x="1807949" y="1558894"/>
-                  </a:lnTo>
-                  <a:lnTo>
-                    <a:pt x="1807949" y="1496538"/>
-                  </a:lnTo>
-                  <a:lnTo>
-                    <a:pt x="1807949" y="1434182"/>
-                  </a:lnTo>
-                  <a:lnTo>
-                    <a:pt x="1807949" y="1371827"/>
-                  </a:lnTo>
-                  <a:lnTo>
-                    <a:pt x="1807949" y="1309471"/>
-                  </a:lnTo>
-                  <a:lnTo>
-                    <a:pt x="1807949" y="1247115"/>
-                  </a:lnTo>
-                  <a:lnTo>
-                    <a:pt x="1807949" y="1184759"/>
-                  </a:lnTo>
-                  <a:lnTo>
-                    <a:pt x="1807949" y="1122403"/>
-                  </a:lnTo>
-                  <a:lnTo>
-                    <a:pt x="1807949" y="1060048"/>
-                  </a:lnTo>
-                  <a:lnTo>
-                    <a:pt x="1807949" y="997692"/>
-                  </a:lnTo>
-                  <a:lnTo>
-                    <a:pt x="1807949" y="935336"/>
-                  </a:lnTo>
-                  <a:lnTo>
-                    <a:pt x="1807949" y="872980"/>
-                  </a:lnTo>
-                  <a:lnTo>
-                    <a:pt x="1807949" y="810625"/>
-                  </a:lnTo>
-                  <a:lnTo>
-                    <a:pt x="1807949" y="748269"/>
-                  </a:lnTo>
-                  <a:lnTo>
-                    <a:pt x="1807949" y="685913"/>
-                  </a:lnTo>
-                  <a:lnTo>
-                    <a:pt x="1807949" y="623557"/>
-                  </a:lnTo>
-                  <a:lnTo>
-                    <a:pt x="1807949" y="561201"/>
-                  </a:lnTo>
-                  <a:lnTo>
-                    <a:pt x="1807949" y="498846"/>
-                  </a:lnTo>
-                  <a:lnTo>
-                    <a:pt x="1807949" y="436490"/>
-                  </a:lnTo>
-                  <a:lnTo>
-                    <a:pt x="1807949" y="374134"/>
-                  </a:lnTo>
-                  <a:lnTo>
-                    <a:pt x="1807949" y="311778"/>
-                  </a:lnTo>
-                  <a:lnTo>
-                    <a:pt x="1807949" y="249423"/>
-                  </a:lnTo>
-                  <a:lnTo>
-                    <a:pt x="1807949" y="187067"/>
-                  </a:lnTo>
-                  <a:lnTo>
-                    <a:pt x="1807949" y="124711"/>
-                  </a:lnTo>
-                  <a:lnTo>
-                    <a:pt x="1807949" y="62355"/>
-                  </a:lnTo>
-                  <a:lnTo>
-                    <a:pt x="1807949" y="0"/>
-                  </a:lnTo>
-                  <a:lnTo>
-                    <a:pt x="1745650" y="1073"/>
-                  </a:lnTo>
-                  <a:lnTo>
-                    <a:pt x="1683424" y="4292"/>
-                  </a:lnTo>
-                  <a:lnTo>
-                    <a:pt x="1621347" y="9653"/>
-                  </a:lnTo>
-                  <a:lnTo>
-                    <a:pt x="1559491" y="17150"/>
-                  </a:lnTo>
-                  <a:lnTo>
-                    <a:pt x="1497929" y="26773"/>
-                  </a:lnTo>
-                  <a:lnTo>
-                    <a:pt x="1436736" y="38511"/>
-                  </a:lnTo>
-                  <a:lnTo>
-                    <a:pt x="1375984" y="52350"/>
-                  </a:lnTo>
-                  <a:lnTo>
-                    <a:pt x="1315745" y="68275"/>
-                  </a:lnTo>
-                  <a:lnTo>
-                    <a:pt x="1256090" y="86265"/>
-                  </a:lnTo>
-                  <a:lnTo>
-                    <a:pt x="1197090" y="106300"/>
-                  </a:lnTo>
-                  <a:lnTo>
-                    <a:pt x="1138815" y="128355"/>
-                  </a:lnTo>
-                  <a:lnTo>
-                    <a:pt x="1081335" y="152405"/>
-                  </a:lnTo>
-                  <a:lnTo>
-                    <a:pt x="1024718" y="178421"/>
-                  </a:lnTo>
-                  <a:lnTo>
-                    <a:pt x="969030" y="206372"/>
-                  </a:lnTo>
-                  <a:lnTo>
-                    <a:pt x="914338" y="236225"/>
-                  </a:lnTo>
-                  <a:lnTo>
-                    <a:pt x="860708" y="267945"/>
-                  </a:lnTo>
-                  <a:lnTo>
-                    <a:pt x="808202" y="301493"/>
-                  </a:lnTo>
-                  <a:lnTo>
-                    <a:pt x="756883" y="336831"/>
-                  </a:lnTo>
-                  <a:lnTo>
-                    <a:pt x="706812" y="373915"/>
-                  </a:lnTo>
-                  <a:lnTo>
-                    <a:pt x="658048" y="412703"/>
-                  </a:lnTo>
-                  <a:lnTo>
-                    <a:pt x="610649" y="453147"/>
-                  </a:lnTo>
-                  <a:lnTo>
-                    <a:pt x="564672" y="495201"/>
-                  </a:lnTo>
-                  <a:lnTo>
-                    <a:pt x="520171" y="538813"/>
-                  </a:lnTo>
-                  <a:lnTo>
-                    <a:pt x="477199" y="583933"/>
-                  </a:lnTo>
-                  <a:lnTo>
-                    <a:pt x="435807" y="630506"/>
-                  </a:lnTo>
-                  <a:lnTo>
-                    <a:pt x="396045" y="678478"/>
-                  </a:lnTo>
-                  <a:lnTo>
-                    <a:pt x="357958" y="727791"/>
-                  </a:lnTo>
-                  <a:lnTo>
-                    <a:pt x="321593" y="778387"/>
-                  </a:lnTo>
-                  <a:lnTo>
-                    <a:pt x="286992" y="830205"/>
-                  </a:lnTo>
-                  <a:lnTo>
-                    <a:pt x="254198" y="883185"/>
-                  </a:lnTo>
-                  <a:lnTo>
-                    <a:pt x="223248" y="937264"/>
-                  </a:lnTo>
-                  <a:lnTo>
-                    <a:pt x="194179" y="992376"/>
-                  </a:lnTo>
-                  <a:lnTo>
-                    <a:pt x="167027" y="1048458"/>
-                  </a:lnTo>
-                  <a:lnTo>
-                    <a:pt x="141823" y="1105441"/>
-                  </a:lnTo>
-                  <a:lnTo>
-                    <a:pt x="118597" y="1163259"/>
-                  </a:lnTo>
-                  <a:lnTo>
-                    <a:pt x="97376" y="1221843"/>
-                  </a:lnTo>
-                  <a:lnTo>
-                    <a:pt x="78187" y="1281123"/>
-                  </a:lnTo>
-                  <a:lnTo>
-                    <a:pt x="61051" y="1341029"/>
-                  </a:lnTo>
-                  <a:lnTo>
-                    <a:pt x="45989" y="1401490"/>
-                  </a:lnTo>
-                  <a:lnTo>
-                    <a:pt x="33019" y="1462434"/>
-                  </a:lnTo>
-                  <a:lnTo>
-                    <a:pt x="22157" y="1523789"/>
-                  </a:lnTo>
-                  <a:lnTo>
-                    <a:pt x="13414" y="1585481"/>
-                  </a:lnTo>
-                  <a:lnTo>
-                    <a:pt x="6802" y="1647438"/>
-                  </a:lnTo>
-                  <a:lnTo>
-                    <a:pt x="2329" y="1709586"/>
-                  </a:lnTo>
-                  <a:lnTo>
-                    <a:pt x="0" y="1771851"/>
-                  </a:lnTo>
-                  <a:lnTo>
-                    <a:pt x="62343" y="1773108"/>
-                  </a:lnTo>
-                  <a:lnTo>
-                    <a:pt x="124686" y="1774366"/>
-                  </a:lnTo>
-                  <a:lnTo>
-                    <a:pt x="187029" y="1775623"/>
-                  </a:lnTo>
-                  <a:lnTo>
-                    <a:pt x="249372" y="1776881"/>
-                  </a:lnTo>
-                  <a:lnTo>
-                    <a:pt x="311715" y="1778138"/>
-                  </a:lnTo>
-                  <a:lnTo>
-                    <a:pt x="374058" y="1779396"/>
-                  </a:lnTo>
-                  <a:lnTo>
-                    <a:pt x="436401" y="1780653"/>
-                  </a:lnTo>
-                  <a:lnTo>
-                    <a:pt x="498744" y="1781910"/>
-                  </a:lnTo>
-                  <a:lnTo>
-                    <a:pt x="561087" y="1783168"/>
-                  </a:lnTo>
-                  <a:lnTo>
-                    <a:pt x="623430" y="1784425"/>
-                  </a:lnTo>
-                  <a:lnTo>
-                    <a:pt x="685774" y="1785683"/>
-                  </a:lnTo>
-                  <a:lnTo>
-                    <a:pt x="748117" y="1786940"/>
-                  </a:lnTo>
-                  <a:lnTo>
-                    <a:pt x="810460" y="1788198"/>
-                  </a:lnTo>
-                  <a:lnTo>
-                    <a:pt x="872803" y="1789455"/>
-                  </a:lnTo>
-                  <a:lnTo>
-                    <a:pt x="935146" y="1790713"/>
-                  </a:lnTo>
-                  <a:lnTo>
-                    <a:pt x="997489" y="1791970"/>
-                  </a:lnTo>
-                  <a:lnTo>
-                    <a:pt x="1059832" y="1793228"/>
-                  </a:lnTo>
-                  <a:lnTo>
-                    <a:pt x="1122175" y="1794485"/>
-                  </a:lnTo>
-                  <a:lnTo>
-                    <a:pt x="1184518" y="1795742"/>
-                  </a:lnTo>
-                  <a:lnTo>
-                    <a:pt x="1246861" y="1797000"/>
-                  </a:lnTo>
-                  <a:lnTo>
-                    <a:pt x="1309204" y="1798257"/>
-                  </a:lnTo>
-                  <a:lnTo>
-                    <a:pt x="1371548" y="1799515"/>
-                  </a:lnTo>
-                  <a:lnTo>
-                    <a:pt x="1433891" y="1800772"/>
-                  </a:lnTo>
-                  <a:lnTo>
-                    <a:pt x="1496234" y="1802030"/>
-                  </a:lnTo>
-                  <a:lnTo>
-                    <a:pt x="1558577" y="1803287"/>
-                  </a:lnTo>
-                  <a:lnTo>
-                    <a:pt x="1620920" y="1804545"/>
-                  </a:lnTo>
-                  <a:lnTo>
-                    <a:pt x="1683263" y="1805802"/>
-                  </a:lnTo>
-                  <a:lnTo>
-                    <a:pt x="1745606" y="1807059"/>
+                    <a:pt x="1808068" y="1745961"/>
+                  </a:lnTo>
+                  <a:lnTo>
+                    <a:pt x="1808068" y="1683605"/>
+                  </a:lnTo>
+                  <a:lnTo>
+                    <a:pt x="1808068" y="1621250"/>
+                  </a:lnTo>
+                  <a:lnTo>
+                    <a:pt x="1808068" y="1558894"/>
+                  </a:lnTo>
+                  <a:lnTo>
+                    <a:pt x="1808068" y="1496538"/>
+                  </a:lnTo>
+                  <a:lnTo>
+                    <a:pt x="1808068" y="1434182"/>
+                  </a:lnTo>
+                  <a:lnTo>
+                    <a:pt x="1808068" y="1371827"/>
+                  </a:lnTo>
+                  <a:lnTo>
+                    <a:pt x="1808068" y="1309471"/>
+                  </a:lnTo>
+                  <a:lnTo>
+                    <a:pt x="1808068" y="1247115"/>
+                  </a:lnTo>
+                  <a:lnTo>
+                    <a:pt x="1808068" y="1184759"/>
+                  </a:lnTo>
+                  <a:lnTo>
+                    <a:pt x="1808068" y="1122403"/>
+                  </a:lnTo>
+                  <a:lnTo>
+                    <a:pt x="1808068" y="1060048"/>
+                  </a:lnTo>
+                  <a:lnTo>
+                    <a:pt x="1808068" y="997692"/>
+                  </a:lnTo>
+                  <a:lnTo>
+                    <a:pt x="1808068" y="935336"/>
+                  </a:lnTo>
+                  <a:lnTo>
+                    <a:pt x="1808068" y="872980"/>
+                  </a:lnTo>
+                  <a:lnTo>
+                    <a:pt x="1808068" y="810625"/>
+                  </a:lnTo>
+                  <a:lnTo>
+                    <a:pt x="1808068" y="748269"/>
+                  </a:lnTo>
+                  <a:lnTo>
+                    <a:pt x="1808068" y="685913"/>
+                  </a:lnTo>
+                  <a:lnTo>
+                    <a:pt x="1808068" y="623557"/>
+                  </a:lnTo>
+                  <a:lnTo>
+                    <a:pt x="1808068" y="561201"/>
+                  </a:lnTo>
+                  <a:lnTo>
+                    <a:pt x="1808068" y="498846"/>
+                  </a:lnTo>
+                  <a:lnTo>
+                    <a:pt x="1808068" y="436490"/>
+                  </a:lnTo>
+                  <a:lnTo>
+                    <a:pt x="1808068" y="374134"/>
+                  </a:lnTo>
+                  <a:lnTo>
+                    <a:pt x="1808068" y="311778"/>
+                  </a:lnTo>
+                  <a:lnTo>
+                    <a:pt x="1808068" y="249423"/>
+                  </a:lnTo>
+                  <a:lnTo>
+                    <a:pt x="1808068" y="187067"/>
+                  </a:lnTo>
+                  <a:lnTo>
+                    <a:pt x="1808068" y="124711"/>
+                  </a:lnTo>
+                  <a:lnTo>
+                    <a:pt x="1808068" y="62355"/>
+                  </a:lnTo>
+                  <a:lnTo>
+                    <a:pt x="1808068" y="0"/>
+                  </a:lnTo>
+                  <a:lnTo>
+                    <a:pt x="1745678" y="1076"/>
+                  </a:lnTo>
+                  <a:lnTo>
+                    <a:pt x="1683363" y="4305"/>
+                  </a:lnTo>
+                  <a:lnTo>
+                    <a:pt x="1621196" y="9681"/>
+                  </a:lnTo>
+                  <a:lnTo>
+                    <a:pt x="1559252" y="17199"/>
+                  </a:lnTo>
+                  <a:lnTo>
+                    <a:pt x="1497604" y="26850"/>
+                  </a:lnTo>
+                  <a:lnTo>
+                    <a:pt x="1436325" y="38622"/>
+                  </a:lnTo>
+                  <a:lnTo>
+                    <a:pt x="1375489" y="52502"/>
+                  </a:lnTo>
+                  <a:lnTo>
+                    <a:pt x="1315169" y="68472"/>
+                  </a:lnTo>
+                  <a:lnTo>
+                    <a:pt x="1255435" y="86513"/>
+                  </a:lnTo>
+                  <a:lnTo>
+                    <a:pt x="1196359" y="106605"/>
+                  </a:lnTo>
+                  <a:lnTo>
+                    <a:pt x="1138012" y="128723"/>
+                  </a:lnTo>
+                  <a:lnTo>
+                    <a:pt x="1080462" y="152841"/>
+                  </a:lnTo>
+                  <a:lnTo>
+                    <a:pt x="1023779" y="178930"/>
+                  </a:lnTo>
+                  <a:lnTo>
+                    <a:pt x="968029" y="206959"/>
+                  </a:lnTo>
+                  <a:lnTo>
+                    <a:pt x="913280" y="236895"/>
+                  </a:lnTo>
+                  <a:lnTo>
+                    <a:pt x="859597" y="268702"/>
+                  </a:lnTo>
+                  <a:lnTo>
+                    <a:pt x="807042" y="302342"/>
+                  </a:lnTo>
+                  <a:lnTo>
+                    <a:pt x="755680" y="337776"/>
+                  </a:lnTo>
+                  <a:lnTo>
+                    <a:pt x="705571" y="374960"/>
+                  </a:lnTo>
+                  <a:lnTo>
+                    <a:pt x="656774" y="413852"/>
+                  </a:lnTo>
+                  <a:lnTo>
+                    <a:pt x="609348" y="454403"/>
+                  </a:lnTo>
+                  <a:lnTo>
+                    <a:pt x="563350" y="496567"/>
+                  </a:lnTo>
+                  <a:lnTo>
+                    <a:pt x="518834" y="540292"/>
+                  </a:lnTo>
+                  <a:lnTo>
+                    <a:pt x="475852" y="585528"/>
+                  </a:lnTo>
+                  <a:lnTo>
+                    <a:pt x="434457" y="632219"/>
+                  </a:lnTo>
+                  <a:lnTo>
+                    <a:pt x="394698" y="680311"/>
+                  </a:lnTo>
+                  <a:lnTo>
+                    <a:pt x="356622" y="729746"/>
+                  </a:lnTo>
+                  <a:lnTo>
+                    <a:pt x="320273" y="780465"/>
+                  </a:lnTo>
+                  <a:lnTo>
+                    <a:pt x="285697" y="832408"/>
+                  </a:lnTo>
+                  <a:lnTo>
+                    <a:pt x="252933" y="885514"/>
+                  </a:lnTo>
+                  <a:lnTo>
+                    <a:pt x="222021" y="939718"/>
+                  </a:lnTo>
+                  <a:lnTo>
+                    <a:pt x="192997" y="994956"/>
+                  </a:lnTo>
+                  <a:lnTo>
+                    <a:pt x="165896" y="1051162"/>
+                  </a:lnTo>
+                  <a:lnTo>
+                    <a:pt x="140751" y="1108270"/>
+                  </a:lnTo>
+                  <a:lnTo>
+                    <a:pt x="117591" y="1166212"/>
+                  </a:lnTo>
+                  <a:lnTo>
+                    <a:pt x="96444" y="1224918"/>
+                  </a:lnTo>
+                  <a:lnTo>
+                    <a:pt x="77335" y="1284319"/>
+                  </a:lnTo>
+                  <a:lnTo>
+                    <a:pt x="60286" y="1344344"/>
+                  </a:lnTo>
+                  <a:lnTo>
+                    <a:pt x="45319" y="1404922"/>
+                  </a:lnTo>
+                  <a:lnTo>
+                    <a:pt x="32451" y="1465979"/>
+                  </a:lnTo>
+                  <a:lnTo>
+                    <a:pt x="21697" y="1527445"/>
+                  </a:lnTo>
+                  <a:lnTo>
+                    <a:pt x="13070" y="1589244"/>
+                  </a:lnTo>
+                  <a:lnTo>
+                    <a:pt x="6580" y="1651305"/>
+                  </a:lnTo>
+                  <a:lnTo>
+                    <a:pt x="2235" y="1713552"/>
+                  </a:lnTo>
+                  <a:lnTo>
+                    <a:pt x="41" y="1775913"/>
+                  </a:lnTo>
+                  <a:lnTo>
+                    <a:pt x="0" y="1838312"/>
+                  </a:lnTo>
+                  <a:lnTo>
+                    <a:pt x="2111" y="1900675"/>
+                  </a:lnTo>
+                  <a:lnTo>
+                    <a:pt x="64385" y="1897490"/>
+                  </a:lnTo>
+                  <a:lnTo>
+                    <a:pt x="126660" y="1894305"/>
+                  </a:lnTo>
+                  <a:lnTo>
+                    <a:pt x="188934" y="1891121"/>
+                  </a:lnTo>
+                  <a:lnTo>
+                    <a:pt x="251208" y="1887936"/>
+                  </a:lnTo>
+                  <a:lnTo>
+                    <a:pt x="313483" y="1884751"/>
+                  </a:lnTo>
+                  <a:lnTo>
+                    <a:pt x="375757" y="1881566"/>
+                  </a:lnTo>
+                  <a:lnTo>
+                    <a:pt x="438032" y="1878382"/>
+                  </a:lnTo>
+                  <a:lnTo>
+                    <a:pt x="500306" y="1875197"/>
+                  </a:lnTo>
+                  <a:lnTo>
+                    <a:pt x="562580" y="1872012"/>
+                  </a:lnTo>
+                  <a:lnTo>
+                    <a:pt x="624855" y="1868827"/>
+                  </a:lnTo>
+                  <a:lnTo>
+                    <a:pt x="687129" y="1865643"/>
+                  </a:lnTo>
+                  <a:lnTo>
+                    <a:pt x="749404" y="1862458"/>
+                  </a:lnTo>
+                  <a:lnTo>
+                    <a:pt x="811678" y="1859273"/>
+                  </a:lnTo>
+                  <a:lnTo>
+                    <a:pt x="873952" y="1856088"/>
+                  </a:lnTo>
+                  <a:lnTo>
+                    <a:pt x="936227" y="1852904"/>
+                  </a:lnTo>
+                  <a:lnTo>
+                    <a:pt x="998501" y="1849719"/>
+                  </a:lnTo>
+                  <a:lnTo>
+                    <a:pt x="1060775" y="1846534"/>
+                  </a:lnTo>
+                  <a:lnTo>
+                    <a:pt x="1123050" y="1843349"/>
+                  </a:lnTo>
+                  <a:lnTo>
+                    <a:pt x="1185324" y="1840165"/>
+                  </a:lnTo>
+                  <a:lnTo>
+                    <a:pt x="1247599" y="1836980"/>
+                  </a:lnTo>
+                  <a:lnTo>
+                    <a:pt x="1309873" y="1833795"/>
+                  </a:lnTo>
+                  <a:lnTo>
+                    <a:pt x="1372147" y="1830610"/>
+                  </a:lnTo>
+                  <a:lnTo>
+                    <a:pt x="1434422" y="1827425"/>
+                  </a:lnTo>
+                  <a:lnTo>
+                    <a:pt x="1496696" y="1824241"/>
+                  </a:lnTo>
+                  <a:lnTo>
+                    <a:pt x="1558971" y="1821056"/>
+                  </a:lnTo>
+                  <a:lnTo>
+                    <a:pt x="1621245" y="1817871"/>
+                  </a:lnTo>
+                  <a:lnTo>
+                    <a:pt x="1683519" y="1814686"/>
+                  </a:lnTo>
+                  <a:lnTo>
+                    <a:pt x="1745794" y="1811502"/>
                   </a:lnTo>
                   <a:close/>
                 </a:path>
@@ -5415,7 +5412,7 @@
           </p:nvSpPr>
           <p:spPr>
             <a:xfrm>
-              <a:off x="4471608" y="2832735"/>
+              <a:off x="4490705" y="2836676"/>
               <a:ext cx="329449" cy="109040"/>
             </a:xfrm>
             <a:prstGeom prst="rect">
@@ -5448,7 +5445,7 @@
                   <a:latin typeface="Arial"/>
                   <a:cs typeface="Arial"/>
                 </a:rPr>
-                <a:t>6.1%</a:t>
+                <a:t>6.8%</a:t>
               </a:r>
             </a:p>
           </p:txBody>
@@ -5461,7 +5458,7 @@
           </p:nvSpPr>
           <p:spPr>
             <a:xfrm>
-              <a:off x="4819353" y="2981131"/>
+              <a:off x="4859346" y="3011007"/>
               <a:ext cx="329449" cy="109040"/>
             </a:xfrm>
             <a:prstGeom prst="rect">
@@ -5494,7 +5491,7 @@
                   <a:latin typeface="Arial"/>
                   <a:cs typeface="Arial"/>
                 </a:rPr>
-                <a:t>7.3%</a:t>
+                <a:t>7.7%</a:t>
               </a:r>
             </a:p>
           </p:txBody>
@@ -5507,7 +5504,7 @@
           </p:nvSpPr>
           <p:spPr>
             <a:xfrm>
-              <a:off x="5103413" y="3308415"/>
+              <a:off x="5132203" y="3370368"/>
               <a:ext cx="329449" cy="109040"/>
             </a:xfrm>
             <a:prstGeom prst="rect">
@@ -5540,7 +5537,7 @@
                   <a:latin typeface="Arial"/>
                   <a:cs typeface="Arial"/>
                 </a:rPr>
-                <a:t>8.1%</a:t>
+                <a:t>8.4%</a:t>
               </a:r>
             </a:p>
           </p:txBody>
@@ -5553,7 +5550,7 @@
           </p:nvSpPr>
           <p:spPr>
             <a:xfrm>
-              <a:off x="5153978" y="3843361"/>
+              <a:off x="5145651" y="3893443"/>
               <a:ext cx="409835" cy="109040"/>
             </a:xfrm>
             <a:prstGeom prst="rect">
@@ -5586,7 +5583,7 @@
                   <a:latin typeface="Arial"/>
                   <a:cs typeface="Arial"/>
                 </a:rPr>
-                <a:t>11.3%</a:t>
+                <a:t>10.4%</a:t>
               </a:r>
             </a:p>
           </p:txBody>
@@ -5599,7 +5596,7 @@
           </p:nvSpPr>
           <p:spPr>
             <a:xfrm>
-              <a:off x="4802084" y="4442481"/>
+              <a:off x="4802640" y="4442061"/>
               <a:ext cx="409835" cy="109040"/>
             </a:xfrm>
             <a:prstGeom prst="rect">
@@ -5632,7 +5629,7 @@
                   <a:latin typeface="Arial"/>
                   <a:cs typeface="Arial"/>
                 </a:rPr>
-                <a:t>13.8%</a:t>
+                <a:t>12.9%</a:t>
               </a:r>
             </a:p>
           </p:txBody>
@@ -5645,7 +5642,7 @@
           </p:nvSpPr>
           <p:spPr>
             <a:xfrm>
-              <a:off x="4049448" y="4599875"/>
+              <a:off x="4089358" y="4608401"/>
               <a:ext cx="409835" cy="109040"/>
             </a:xfrm>
             <a:prstGeom prst="rect">
@@ -5678,7 +5675,7 @@
                   <a:latin typeface="Arial"/>
                   <a:cs typeface="Arial"/>
                 </a:rPr>
-                <a:t>14.1%</a:t>
+                <a:t>13.6%</a:t>
               </a:r>
             </a:p>
           </p:txBody>
@@ -5691,7 +5688,7 @@
           </p:nvSpPr>
           <p:spPr>
             <a:xfrm>
-              <a:off x="3439045" y="4102781"/>
+              <a:off x="3465961" y="4155791"/>
               <a:ext cx="409835" cy="109040"/>
             </a:xfrm>
             <a:prstGeom prst="rect">
@@ -5724,7 +5721,7 @@
                   <a:latin typeface="Arial"/>
                   <a:cs typeface="Arial"/>
                 </a:rPr>
-                <a:t>14.6%</a:t>
+                <a:t>14.4%</a:t>
               </a:r>
             </a:p>
           </p:txBody>
@@ -5737,7 +5734,7 @@
           </p:nvSpPr>
           <p:spPr>
             <a:xfrm>
-              <a:off x="3625395" y="3074406"/>
+              <a:off x="3602793" y="3097361"/>
               <a:ext cx="409835" cy="109040"/>
             </a:xfrm>
             <a:prstGeom prst="rect">
@@ -5770,7 +5767,7 @@
                   <a:latin typeface="Arial"/>
                   <a:cs typeface="Arial"/>
                 </a:rPr>
-                <a:t>24.7%</a:t>
+                <a:t>25.8%</a:t>
               </a:r>
             </a:p>
           </p:txBody>
@@ -5783,7 +5780,7 @@
           </p:nvSpPr>
           <p:spPr>
             <a:xfrm>
-              <a:off x="4469366" y="2829379"/>
+              <a:off x="4488462" y="2833319"/>
               <a:ext cx="329449" cy="109040"/>
             </a:xfrm>
             <a:prstGeom prst="rect">
@@ -5816,7 +5813,7 @@
                   <a:latin typeface="Arial"/>
                   <a:cs typeface="Arial"/>
                 </a:rPr>
-                <a:t>6.1%</a:t>
+                <a:t>6.8%</a:t>
               </a:r>
             </a:p>
           </p:txBody>
@@ -5829,7 +5826,7 @@
           </p:nvSpPr>
           <p:spPr>
             <a:xfrm>
-              <a:off x="4817110" y="2977775"/>
+              <a:off x="4857103" y="3007650"/>
               <a:ext cx="329449" cy="109040"/>
             </a:xfrm>
             <a:prstGeom prst="rect">
@@ -5862,7 +5859,7 @@
                   <a:latin typeface="Arial"/>
                   <a:cs typeface="Arial"/>
                 </a:rPr>
-                <a:t>7.3%</a:t>
+                <a:t>7.7%</a:t>
               </a:r>
             </a:p>
           </p:txBody>
@@ -5875,7 +5872,7 @@
           </p:nvSpPr>
           <p:spPr>
             <a:xfrm>
-              <a:off x="5101170" y="3305058"/>
+              <a:off x="5129960" y="3367011"/>
               <a:ext cx="329449" cy="109040"/>
             </a:xfrm>
             <a:prstGeom prst="rect">
@@ -5908,7 +5905,7 @@
                   <a:latin typeface="Arial"/>
                   <a:cs typeface="Arial"/>
                 </a:rPr>
-                <a:t>8.1%</a:t>
+                <a:t>8.4%</a:t>
               </a:r>
             </a:p>
           </p:txBody>
@@ -5921,7 +5918,7 @@
           </p:nvSpPr>
           <p:spPr>
             <a:xfrm>
-              <a:off x="5151735" y="3840004"/>
+              <a:off x="5143408" y="3890086"/>
               <a:ext cx="409835" cy="109040"/>
             </a:xfrm>
             <a:prstGeom prst="rect">
@@ -5954,7 +5951,7 @@
                   <a:latin typeface="Arial"/>
                   <a:cs typeface="Arial"/>
                 </a:rPr>
-                <a:t>11.3%</a:t>
+                <a:t>10.4%</a:t>
               </a:r>
             </a:p>
           </p:txBody>
@@ -5967,7 +5964,7 @@
           </p:nvSpPr>
           <p:spPr>
             <a:xfrm>
-              <a:off x="4799841" y="4439124"/>
+              <a:off x="4800398" y="4438704"/>
               <a:ext cx="409835" cy="109040"/>
             </a:xfrm>
             <a:prstGeom prst="rect">
@@ -6000,7 +5997,7 @@
                   <a:latin typeface="Arial"/>
                   <a:cs typeface="Arial"/>
                 </a:rPr>
-                <a:t>13.8%</a:t>
+                <a:t>12.9%</a:t>
               </a:r>
             </a:p>
           </p:txBody>
@@ -6013,7 +6010,7 @@
           </p:nvSpPr>
           <p:spPr>
             <a:xfrm>
-              <a:off x="4047205" y="4596518"/>
+              <a:off x="4087115" y="4605045"/>
               <a:ext cx="409835" cy="109040"/>
             </a:xfrm>
             <a:prstGeom prst="rect">
@@ -6046,7 +6043,7 @@
                   <a:latin typeface="Arial"/>
                   <a:cs typeface="Arial"/>
                 </a:rPr>
-                <a:t>14.1%</a:t>
+                <a:t>13.6%</a:t>
               </a:r>
             </a:p>
           </p:txBody>
@@ -6059,7 +6056,7 @@
           </p:nvSpPr>
           <p:spPr>
             <a:xfrm>
-              <a:off x="3436802" y="4099425"/>
+              <a:off x="3463719" y="4152435"/>
               <a:ext cx="409835" cy="109040"/>
             </a:xfrm>
             <a:prstGeom prst="rect">
@@ -6092,7 +6089,7 @@
                   <a:latin typeface="Arial"/>
                   <a:cs typeface="Arial"/>
                 </a:rPr>
-                <a:t>14.6%</a:t>
+                <a:t>14.4%</a:t>
               </a:r>
             </a:p>
           </p:txBody>
@@ -6105,7 +6102,7 @@
           </p:nvSpPr>
           <p:spPr>
             <a:xfrm>
-              <a:off x="3623153" y="3071050"/>
+              <a:off x="3600550" y="3094005"/>
               <a:ext cx="409835" cy="109040"/>
             </a:xfrm>
             <a:prstGeom prst="rect">
@@ -6138,7 +6135,7 @@
                   <a:latin typeface="Arial"/>
                   <a:cs typeface="Arial"/>
                 </a:rPr>
-                <a:t>24.7%</a:t>
+                <a:t>25.8%</a:t>
               </a:r>
             </a:p>
           </p:txBody>
@@ -6151,7 +6148,7 @@
           </p:nvSpPr>
           <p:spPr>
             <a:xfrm>
-              <a:off x="4466009" y="2827136"/>
+              <a:off x="4485106" y="2831076"/>
               <a:ext cx="329449" cy="109040"/>
             </a:xfrm>
             <a:prstGeom prst="rect">
@@ -6184,7 +6181,7 @@
                   <a:latin typeface="Arial"/>
                   <a:cs typeface="Arial"/>
                 </a:rPr>
-                <a:t>6.1%</a:t>
+                <a:t>6.8%</a:t>
               </a:r>
             </a:p>
           </p:txBody>
@@ -6197,7 +6194,7 @@
           </p:nvSpPr>
           <p:spPr>
             <a:xfrm>
-              <a:off x="4813753" y="2975532"/>
+              <a:off x="4853746" y="3005407"/>
               <a:ext cx="329449" cy="109040"/>
             </a:xfrm>
             <a:prstGeom prst="rect">
@@ -6230,7 +6227,7 @@
                   <a:latin typeface="Arial"/>
                   <a:cs typeface="Arial"/>
                 </a:rPr>
-                <a:t>7.3%</a:t>
+                <a:t>7.7%</a:t>
               </a:r>
             </a:p>
           </p:txBody>
@@ -6243,7 +6240,7 @@
           </p:nvSpPr>
           <p:spPr>
             <a:xfrm>
-              <a:off x="5097813" y="3302815"/>
+              <a:off x="5126603" y="3364768"/>
               <a:ext cx="329449" cy="109040"/>
             </a:xfrm>
             <a:prstGeom prst="rect">
@@ -6276,7 +6273,7 @@
                   <a:latin typeface="Arial"/>
                   <a:cs typeface="Arial"/>
                 </a:rPr>
-                <a:t>8.1%</a:t>
+                <a:t>8.4%</a:t>
               </a:r>
             </a:p>
           </p:txBody>
@@ -6289,7 +6286,7 @@
           </p:nvSpPr>
           <p:spPr>
             <a:xfrm>
-              <a:off x="5148379" y="3837761"/>
+              <a:off x="5140051" y="3887843"/>
               <a:ext cx="409835" cy="109040"/>
             </a:xfrm>
             <a:prstGeom prst="rect">
@@ -6322,7 +6319,7 @@
                   <a:latin typeface="Arial"/>
                   <a:cs typeface="Arial"/>
                 </a:rPr>
-                <a:t>11.3%</a:t>
+                <a:t>10.4%</a:t>
               </a:r>
             </a:p>
           </p:txBody>
@@ -6335,7 +6332,7 @@
           </p:nvSpPr>
           <p:spPr>
             <a:xfrm>
-              <a:off x="4796484" y="4436881"/>
+              <a:off x="4797041" y="4436462"/>
               <a:ext cx="409835" cy="109040"/>
             </a:xfrm>
             <a:prstGeom prst="rect">
@@ -6368,7 +6365,7 @@
                   <a:latin typeface="Arial"/>
                   <a:cs typeface="Arial"/>
                 </a:rPr>
-                <a:t>13.8%</a:t>
+                <a:t>12.9%</a:t>
               </a:r>
             </a:p>
           </p:txBody>
@@ -6381,7 +6378,7 @@
           </p:nvSpPr>
           <p:spPr>
             <a:xfrm>
-              <a:off x="4043848" y="4594275"/>
+              <a:off x="4083758" y="4602802"/>
               <a:ext cx="409835" cy="109040"/>
             </a:xfrm>
             <a:prstGeom prst="rect">
@@ -6414,7 +6411,7 @@
                   <a:latin typeface="Arial"/>
                   <a:cs typeface="Arial"/>
                 </a:rPr>
-                <a:t>14.1%</a:t>
+                <a:t>13.6%</a:t>
               </a:r>
             </a:p>
           </p:txBody>
@@ -6427,7 +6424,7 @@
           </p:nvSpPr>
           <p:spPr>
             <a:xfrm>
-              <a:off x="3433445" y="4097182"/>
+              <a:off x="3460362" y="4150192"/>
               <a:ext cx="409835" cy="109040"/>
             </a:xfrm>
             <a:prstGeom prst="rect">
@@ -6460,7 +6457,7 @@
                   <a:latin typeface="Arial"/>
                   <a:cs typeface="Arial"/>
                 </a:rPr>
-                <a:t>14.6%</a:t>
+                <a:t>14.4%</a:t>
               </a:r>
             </a:p>
           </p:txBody>
@@ -6473,7 +6470,7 @@
           </p:nvSpPr>
           <p:spPr>
             <a:xfrm>
-              <a:off x="3619796" y="3068807"/>
+              <a:off x="3597193" y="3091762"/>
               <a:ext cx="409835" cy="109040"/>
             </a:xfrm>
             <a:prstGeom prst="rect">
@@ -6506,7 +6503,7 @@
                   <a:latin typeface="Arial"/>
                   <a:cs typeface="Arial"/>
                 </a:rPr>
-                <a:t>24.7%</a:t>
+                <a:t>25.8%</a:t>
               </a:r>
             </a:p>
           </p:txBody>
@@ -6519,7 +6516,7 @@
           </p:nvSpPr>
           <p:spPr>
             <a:xfrm>
-              <a:off x="4462050" y="2826348"/>
+              <a:off x="4481146" y="2830289"/>
               <a:ext cx="329449" cy="109040"/>
             </a:xfrm>
             <a:prstGeom prst="rect">
@@ -6552,7 +6549,7 @@
                   <a:latin typeface="Arial"/>
                   <a:cs typeface="Arial"/>
                 </a:rPr>
-                <a:t>6.1%</a:t>
+                <a:t>6.8%</a:t>
               </a:r>
             </a:p>
           </p:txBody>
@@ -6565,7 +6562,7 @@
           </p:nvSpPr>
           <p:spPr>
             <a:xfrm>
-              <a:off x="4809794" y="2974744"/>
+              <a:off x="4849787" y="3004620"/>
               <a:ext cx="329449" cy="109040"/>
             </a:xfrm>
             <a:prstGeom prst="rect">
@@ -6598,7 +6595,7 @@
                   <a:latin typeface="Arial"/>
                   <a:cs typeface="Arial"/>
                 </a:rPr>
-                <a:t>7.3%</a:t>
+                <a:t>7.7%</a:t>
               </a:r>
             </a:p>
           </p:txBody>
@@ -6611,7 +6608,7 @@
           </p:nvSpPr>
           <p:spPr>
             <a:xfrm>
-              <a:off x="5093854" y="3302028"/>
+              <a:off x="5122644" y="3363981"/>
               <a:ext cx="329449" cy="109040"/>
             </a:xfrm>
             <a:prstGeom prst="rect">
@@ -6644,7 +6641,7 @@
                   <a:latin typeface="Arial"/>
                   <a:cs typeface="Arial"/>
                 </a:rPr>
-                <a:t>8.1%</a:t>
+                <a:t>8.4%</a:t>
               </a:r>
             </a:p>
           </p:txBody>
@@ -6657,7 +6654,7 @@
           </p:nvSpPr>
           <p:spPr>
             <a:xfrm>
-              <a:off x="5144419" y="3836974"/>
+              <a:off x="5136092" y="3887056"/>
               <a:ext cx="409835" cy="109040"/>
             </a:xfrm>
             <a:prstGeom prst="rect">
@@ -6690,7 +6687,7 @@
                   <a:latin typeface="Arial"/>
                   <a:cs typeface="Arial"/>
                 </a:rPr>
-                <a:t>11.3%</a:t>
+                <a:t>10.4%</a:t>
               </a:r>
             </a:p>
           </p:txBody>
@@ -6703,7 +6700,7 @@
           </p:nvSpPr>
           <p:spPr>
             <a:xfrm>
-              <a:off x="4792525" y="4436094"/>
+              <a:off x="4793082" y="4435674"/>
               <a:ext cx="409835" cy="109040"/>
             </a:xfrm>
             <a:prstGeom prst="rect">
@@ -6736,7 +6733,7 @@
                   <a:latin typeface="Arial"/>
                   <a:cs typeface="Arial"/>
                 </a:rPr>
-                <a:t>13.8%</a:t>
+                <a:t>12.9%</a:t>
               </a:r>
             </a:p>
           </p:txBody>
@@ -6749,7 +6746,7 @@
           </p:nvSpPr>
           <p:spPr>
             <a:xfrm>
-              <a:off x="4039889" y="4593488"/>
+              <a:off x="4079799" y="4602014"/>
               <a:ext cx="409835" cy="109040"/>
             </a:xfrm>
             <a:prstGeom prst="rect">
@@ -6782,7 +6779,7 @@
                   <a:latin typeface="Arial"/>
                   <a:cs typeface="Arial"/>
                 </a:rPr>
-                <a:t>14.1%</a:t>
+                <a:t>13.6%</a:t>
               </a:r>
             </a:p>
           </p:txBody>
@@ -6795,7 +6792,7 @@
           </p:nvSpPr>
           <p:spPr>
             <a:xfrm>
-              <a:off x="3429486" y="4096394"/>
+              <a:off x="3456402" y="4149404"/>
               <a:ext cx="409835" cy="109040"/>
             </a:xfrm>
             <a:prstGeom prst="rect">
@@ -6828,7 +6825,7 @@
                   <a:latin typeface="Arial"/>
                   <a:cs typeface="Arial"/>
                 </a:rPr>
-                <a:t>14.6%</a:t>
+                <a:t>14.4%</a:t>
               </a:r>
             </a:p>
           </p:txBody>
@@ -6841,7 +6838,7 @@
           </p:nvSpPr>
           <p:spPr>
             <a:xfrm>
-              <a:off x="3615836" y="3068019"/>
+              <a:off x="3593234" y="3090974"/>
               <a:ext cx="409835" cy="109040"/>
             </a:xfrm>
             <a:prstGeom prst="rect">
@@ -6874,7 +6871,7 @@
                   <a:latin typeface="Arial"/>
                   <a:cs typeface="Arial"/>
                 </a:rPr>
-                <a:t>24.7%</a:t>
+                <a:t>25.8%</a:t>
               </a:r>
             </a:p>
           </p:txBody>
@@ -6887,7 +6884,7 @@
           </p:nvSpPr>
           <p:spPr>
             <a:xfrm>
-              <a:off x="4458090" y="2827136"/>
+              <a:off x="4477187" y="2831076"/>
               <a:ext cx="329449" cy="109040"/>
             </a:xfrm>
             <a:prstGeom prst="rect">
@@ -6920,7 +6917,7 @@
                   <a:latin typeface="Arial"/>
                   <a:cs typeface="Arial"/>
                 </a:rPr>
-                <a:t>6.1%</a:t>
+                <a:t>6.8%</a:t>
               </a:r>
             </a:p>
           </p:txBody>
@@ -6933,7 +6930,7 @@
           </p:nvSpPr>
           <p:spPr>
             <a:xfrm>
-              <a:off x="4805834" y="2975532"/>
+              <a:off x="4845827" y="3005407"/>
               <a:ext cx="329449" cy="109040"/>
             </a:xfrm>
             <a:prstGeom prst="rect">
@@ -6966,7 +6963,7 @@
                   <a:latin typeface="Arial"/>
                   <a:cs typeface="Arial"/>
                 </a:rPr>
-                <a:t>7.3%</a:t>
+                <a:t>7.7%</a:t>
               </a:r>
             </a:p>
           </p:txBody>
@@ -6979,7 +6976,7 @@
           </p:nvSpPr>
           <p:spPr>
             <a:xfrm>
-              <a:off x="5089894" y="3302815"/>
+              <a:off x="5118685" y="3364768"/>
               <a:ext cx="329449" cy="109040"/>
             </a:xfrm>
             <a:prstGeom prst="rect">
@@ -7012,7 +7009,7 @@
                   <a:latin typeface="Arial"/>
                   <a:cs typeface="Arial"/>
                 </a:rPr>
-                <a:t>8.1%</a:t>
+                <a:t>8.4%</a:t>
               </a:r>
             </a:p>
           </p:txBody>
@@ -7025,7 +7022,7 @@
           </p:nvSpPr>
           <p:spPr>
             <a:xfrm>
-              <a:off x="5140460" y="3837761"/>
+              <a:off x="5132133" y="3887843"/>
               <a:ext cx="409835" cy="109040"/>
             </a:xfrm>
             <a:prstGeom prst="rect">
@@ -7058,7 +7055,7 @@
                   <a:latin typeface="Arial"/>
                   <a:cs typeface="Arial"/>
                 </a:rPr>
-                <a:t>11.3%</a:t>
+                <a:t>10.4%</a:t>
               </a:r>
             </a:p>
           </p:txBody>
@@ -7071,7 +7068,7 @@
           </p:nvSpPr>
           <p:spPr>
             <a:xfrm>
-              <a:off x="4788565" y="4436881"/>
+              <a:off x="4789122" y="4436462"/>
               <a:ext cx="409835" cy="109040"/>
             </a:xfrm>
             <a:prstGeom prst="rect">
@@ -7104,7 +7101,7 @@
                   <a:latin typeface="Arial"/>
                   <a:cs typeface="Arial"/>
                 </a:rPr>
-                <a:t>13.8%</a:t>
+                <a:t>12.9%</a:t>
               </a:r>
             </a:p>
           </p:txBody>
@@ -7117,7 +7114,7 @@
           </p:nvSpPr>
           <p:spPr>
             <a:xfrm>
-              <a:off x="4035929" y="4594275"/>
+              <a:off x="4075839" y="4602802"/>
               <a:ext cx="409835" cy="109040"/>
             </a:xfrm>
             <a:prstGeom prst="rect">
@@ -7150,7 +7147,7 @@
                   <a:latin typeface="Arial"/>
                   <a:cs typeface="Arial"/>
                 </a:rPr>
-                <a:t>14.1%</a:t>
+                <a:t>13.6%</a:t>
               </a:r>
             </a:p>
           </p:txBody>
@@ -7163,7 +7160,7 @@
           </p:nvSpPr>
           <p:spPr>
             <a:xfrm>
-              <a:off x="3425527" y="4097182"/>
+              <a:off x="3452443" y="4150192"/>
               <a:ext cx="409835" cy="109040"/>
             </a:xfrm>
             <a:prstGeom prst="rect">
@@ -7196,7 +7193,7 @@
                   <a:latin typeface="Arial"/>
                   <a:cs typeface="Arial"/>
                 </a:rPr>
-                <a:t>14.6%</a:t>
+                <a:t>14.4%</a:t>
               </a:r>
             </a:p>
           </p:txBody>
@@ -7209,7 +7206,7 @@
           </p:nvSpPr>
           <p:spPr>
             <a:xfrm>
-              <a:off x="3611877" y="3068807"/>
+              <a:off x="3589274" y="3091762"/>
               <a:ext cx="409835" cy="109040"/>
             </a:xfrm>
             <a:prstGeom prst="rect">
@@ -7242,7 +7239,7 @@
                   <a:latin typeface="Arial"/>
                   <a:cs typeface="Arial"/>
                 </a:rPr>
-                <a:t>24.7%</a:t>
+                <a:t>25.8%</a:t>
               </a:r>
             </a:p>
           </p:txBody>
@@ -7255,7 +7252,7 @@
           </p:nvSpPr>
           <p:spPr>
             <a:xfrm>
-              <a:off x="4454734" y="2829379"/>
+              <a:off x="4473830" y="2833319"/>
               <a:ext cx="329449" cy="109040"/>
             </a:xfrm>
             <a:prstGeom prst="rect">
@@ -7288,7 +7285,7 @@
                   <a:latin typeface="Arial"/>
                   <a:cs typeface="Arial"/>
                 </a:rPr>
-                <a:t>6.1%</a:t>
+                <a:t>6.8%</a:t>
               </a:r>
             </a:p>
           </p:txBody>
@@ -7301,7 +7298,7 @@
           </p:nvSpPr>
           <p:spPr>
             <a:xfrm>
-              <a:off x="4802478" y="2977775"/>
+              <a:off x="4842471" y="3007650"/>
               <a:ext cx="329449" cy="109040"/>
             </a:xfrm>
             <a:prstGeom prst="rect">
@@ -7334,7 +7331,7 @@
                   <a:latin typeface="Arial"/>
                   <a:cs typeface="Arial"/>
                 </a:rPr>
-                <a:t>7.3%</a:t>
+                <a:t>7.7%</a:t>
               </a:r>
             </a:p>
           </p:txBody>
@@ -7347,7 +7344,7 @@
           </p:nvSpPr>
           <p:spPr>
             <a:xfrm>
-              <a:off x="5086538" y="3305058"/>
+              <a:off x="5115328" y="3367011"/>
               <a:ext cx="329449" cy="109040"/>
             </a:xfrm>
             <a:prstGeom prst="rect">
@@ -7380,7 +7377,7 @@
                   <a:latin typeface="Arial"/>
                   <a:cs typeface="Arial"/>
                 </a:rPr>
-                <a:t>8.1%</a:t>
+                <a:t>8.4%</a:t>
               </a:r>
             </a:p>
           </p:txBody>
@@ -7393,7 +7390,7 @@
           </p:nvSpPr>
           <p:spPr>
             <a:xfrm>
-              <a:off x="5137103" y="3840004"/>
+              <a:off x="5128776" y="3890086"/>
               <a:ext cx="409835" cy="109040"/>
             </a:xfrm>
             <a:prstGeom prst="rect">
@@ -7426,7 +7423,7 @@
                   <a:latin typeface="Arial"/>
                   <a:cs typeface="Arial"/>
                 </a:rPr>
-                <a:t>11.3%</a:t>
+                <a:t>10.4%</a:t>
               </a:r>
             </a:p>
           </p:txBody>
@@ -7439,7 +7436,7 @@
           </p:nvSpPr>
           <p:spPr>
             <a:xfrm>
-              <a:off x="4785209" y="4439124"/>
+              <a:off x="4785766" y="4438704"/>
               <a:ext cx="409835" cy="109040"/>
             </a:xfrm>
             <a:prstGeom prst="rect">
@@ -7472,7 +7469,7 @@
                   <a:latin typeface="Arial"/>
                   <a:cs typeface="Arial"/>
                 </a:rPr>
-                <a:t>13.8%</a:t>
+                <a:t>12.9%</a:t>
               </a:r>
             </a:p>
           </p:txBody>
@@ -7485,7 +7482,7 @@
           </p:nvSpPr>
           <p:spPr>
             <a:xfrm>
-              <a:off x="4032573" y="4596518"/>
+              <a:off x="4072483" y="4605045"/>
               <a:ext cx="409835" cy="109040"/>
             </a:xfrm>
             <a:prstGeom prst="rect">
@@ -7518,7 +7515,7 @@
                   <a:latin typeface="Arial"/>
                   <a:cs typeface="Arial"/>
                 </a:rPr>
-                <a:t>14.1%</a:t>
+                <a:t>13.6%</a:t>
               </a:r>
             </a:p>
           </p:txBody>
@@ -7531,7 +7528,7 @@
           </p:nvSpPr>
           <p:spPr>
             <a:xfrm>
-              <a:off x="3422170" y="4099425"/>
+              <a:off x="3449086" y="4152435"/>
               <a:ext cx="409835" cy="109040"/>
             </a:xfrm>
             <a:prstGeom prst="rect">
@@ -7564,7 +7561,7 @@
                   <a:latin typeface="Arial"/>
                   <a:cs typeface="Arial"/>
                 </a:rPr>
-                <a:t>14.6%</a:t>
+                <a:t>14.4%</a:t>
               </a:r>
             </a:p>
           </p:txBody>
@@ -7577,7 +7574,7 @@
           </p:nvSpPr>
           <p:spPr>
             <a:xfrm>
-              <a:off x="3608520" y="3071050"/>
+              <a:off x="3585918" y="3094005"/>
               <a:ext cx="409835" cy="109040"/>
             </a:xfrm>
             <a:prstGeom prst="rect">
@@ -7610,7 +7607,7 @@
                   <a:latin typeface="Arial"/>
                   <a:cs typeface="Arial"/>
                 </a:rPr>
-                <a:t>24.7%</a:t>
+                <a:t>25.8%</a:t>
               </a:r>
             </a:p>
           </p:txBody>
@@ -7623,7 +7620,7 @@
           </p:nvSpPr>
           <p:spPr>
             <a:xfrm>
-              <a:off x="4452491" y="2832735"/>
+              <a:off x="4471587" y="2836676"/>
               <a:ext cx="329449" cy="109040"/>
             </a:xfrm>
             <a:prstGeom prst="rect">
@@ -7656,7 +7653,7 @@
                   <a:latin typeface="Arial"/>
                   <a:cs typeface="Arial"/>
                 </a:rPr>
-                <a:t>6.1%</a:t>
+                <a:t>6.8%</a:t>
               </a:r>
             </a:p>
           </p:txBody>
@@ -7669,7 +7666,7 @@
           </p:nvSpPr>
           <p:spPr>
             <a:xfrm>
-              <a:off x="4800235" y="2981131"/>
+              <a:off x="4840228" y="3011007"/>
               <a:ext cx="329449" cy="109040"/>
             </a:xfrm>
             <a:prstGeom prst="rect">
@@ -7702,7 +7699,7 @@
                   <a:latin typeface="Arial"/>
                   <a:cs typeface="Arial"/>
                 </a:rPr>
-                <a:t>7.3%</a:t>
+                <a:t>7.7%</a:t>
               </a:r>
             </a:p>
           </p:txBody>
@@ -7715,7 +7712,7 @@
           </p:nvSpPr>
           <p:spPr>
             <a:xfrm>
-              <a:off x="5084295" y="3308415"/>
+              <a:off x="5113085" y="3370368"/>
               <a:ext cx="329449" cy="109040"/>
             </a:xfrm>
             <a:prstGeom prst="rect">
@@ -7748,7 +7745,7 @@
                   <a:latin typeface="Arial"/>
                   <a:cs typeface="Arial"/>
                 </a:rPr>
-                <a:t>8.1%</a:t>
+                <a:t>8.4%</a:t>
               </a:r>
             </a:p>
           </p:txBody>
@@ -7761,7 +7758,7 @@
           </p:nvSpPr>
           <p:spPr>
             <a:xfrm>
-              <a:off x="5134861" y="3843361"/>
+              <a:off x="5126533" y="3893443"/>
               <a:ext cx="409835" cy="109040"/>
             </a:xfrm>
             <a:prstGeom prst="rect">
@@ -7794,7 +7791,7 @@
                   <a:latin typeface="Arial"/>
                   <a:cs typeface="Arial"/>
                 </a:rPr>
-                <a:t>11.3%</a:t>
+                <a:t>10.4%</a:t>
               </a:r>
             </a:p>
           </p:txBody>
@@ -7807,7 +7804,7 @@
           </p:nvSpPr>
           <p:spPr>
             <a:xfrm>
-              <a:off x="4782966" y="4442481"/>
+              <a:off x="4783523" y="4442061"/>
               <a:ext cx="409835" cy="109040"/>
             </a:xfrm>
             <a:prstGeom prst="rect">
@@ -7840,7 +7837,7 @@
                   <a:latin typeface="Arial"/>
                   <a:cs typeface="Arial"/>
                 </a:rPr>
-                <a:t>13.8%</a:t>
+                <a:t>12.9%</a:t>
               </a:r>
             </a:p>
           </p:txBody>
@@ -7853,7 +7850,7 @@
           </p:nvSpPr>
           <p:spPr>
             <a:xfrm>
-              <a:off x="4030330" y="4599875"/>
+              <a:off x="4070240" y="4608401"/>
               <a:ext cx="409835" cy="109040"/>
             </a:xfrm>
             <a:prstGeom prst="rect">
@@ -7886,7 +7883,7 @@
                   <a:latin typeface="Arial"/>
                   <a:cs typeface="Arial"/>
                 </a:rPr>
-                <a:t>14.1%</a:t>
+                <a:t>13.6%</a:t>
               </a:r>
             </a:p>
           </p:txBody>
@@ -7899,7 +7896,7 @@
           </p:nvSpPr>
           <p:spPr>
             <a:xfrm>
-              <a:off x="3419927" y="4102781"/>
+              <a:off x="3446844" y="4155791"/>
               <a:ext cx="409835" cy="109040"/>
             </a:xfrm>
             <a:prstGeom prst="rect">
@@ -7932,7 +7929,7 @@
                   <a:latin typeface="Arial"/>
                   <a:cs typeface="Arial"/>
                 </a:rPr>
-                <a:t>14.6%</a:t>
+                <a:t>14.4%</a:t>
               </a:r>
             </a:p>
           </p:txBody>
@@ -7945,7 +7942,7 @@
           </p:nvSpPr>
           <p:spPr>
             <a:xfrm>
-              <a:off x="3606278" y="3074406"/>
+              <a:off x="3583675" y="3097361"/>
               <a:ext cx="409835" cy="109040"/>
             </a:xfrm>
             <a:prstGeom prst="rect">
@@ -7978,7 +7975,7 @@
                   <a:latin typeface="Arial"/>
                   <a:cs typeface="Arial"/>
                 </a:rPr>
-                <a:t>24.7%</a:t>
+                <a:t>25.8%</a:t>
               </a:r>
             </a:p>
           </p:txBody>
@@ -7991,7 +7988,7 @@
           </p:nvSpPr>
           <p:spPr>
             <a:xfrm>
-              <a:off x="4451703" y="2836695"/>
+              <a:off x="4470800" y="2840635"/>
               <a:ext cx="329449" cy="109040"/>
             </a:xfrm>
             <a:prstGeom prst="rect">
@@ -8024,7 +8021,7 @@
                   <a:latin typeface="Arial"/>
                   <a:cs typeface="Arial"/>
                 </a:rPr>
-                <a:t>6.1%</a:t>
+                <a:t>6.8%</a:t>
               </a:r>
             </a:p>
           </p:txBody>
@@ -8037,7 +8034,7 @@
           </p:nvSpPr>
           <p:spPr>
             <a:xfrm>
-              <a:off x="4799447" y="2985091"/>
+              <a:off x="4839440" y="3014966"/>
               <a:ext cx="329449" cy="109040"/>
             </a:xfrm>
             <a:prstGeom prst="rect">
@@ -8070,7 +8067,7 @@
                   <a:latin typeface="Arial"/>
                   <a:cs typeface="Arial"/>
                 </a:rPr>
-                <a:t>7.3%</a:t>
+                <a:t>7.7%</a:t>
               </a:r>
             </a:p>
           </p:txBody>
@@ -8083,7 +8080,7 @@
           </p:nvSpPr>
           <p:spPr>
             <a:xfrm>
-              <a:off x="5083507" y="3312374"/>
+              <a:off x="5112298" y="3374327"/>
               <a:ext cx="329449" cy="109040"/>
             </a:xfrm>
             <a:prstGeom prst="rect">
@@ -8116,7 +8113,7 @@
                   <a:latin typeface="Arial"/>
                   <a:cs typeface="Arial"/>
                 </a:rPr>
-                <a:t>8.1%</a:t>
+                <a:t>8.4%</a:t>
               </a:r>
             </a:p>
           </p:txBody>
@@ -8129,7 +8126,7 @@
           </p:nvSpPr>
           <p:spPr>
             <a:xfrm>
-              <a:off x="5134073" y="3847320"/>
+              <a:off x="5125746" y="3897402"/>
               <a:ext cx="409835" cy="109040"/>
             </a:xfrm>
             <a:prstGeom prst="rect">
@@ -8162,7 +8159,7 @@
                   <a:latin typeface="Arial"/>
                   <a:cs typeface="Arial"/>
                 </a:rPr>
-                <a:t>11.3%</a:t>
+                <a:t>10.4%</a:t>
               </a:r>
             </a:p>
           </p:txBody>
@@ -8175,7 +8172,7 @@
           </p:nvSpPr>
           <p:spPr>
             <a:xfrm>
-              <a:off x="4782178" y="4446440"/>
+              <a:off x="4782735" y="4446021"/>
               <a:ext cx="409835" cy="109040"/>
             </a:xfrm>
             <a:prstGeom prst="rect">
@@ -8208,7 +8205,7 @@
                   <a:latin typeface="Arial"/>
                   <a:cs typeface="Arial"/>
                 </a:rPr>
-                <a:t>13.8%</a:t>
+                <a:t>12.9%</a:t>
               </a:r>
             </a:p>
           </p:txBody>
@@ -8221,7 +8218,7 @@
           </p:nvSpPr>
           <p:spPr>
             <a:xfrm>
-              <a:off x="4029542" y="4603834"/>
+              <a:off x="4069452" y="4612361"/>
               <a:ext cx="409835" cy="109040"/>
             </a:xfrm>
             <a:prstGeom prst="rect">
@@ -8254,7 +8251,7 @@
                   <a:latin typeface="Arial"/>
                   <a:cs typeface="Arial"/>
                 </a:rPr>
-                <a:t>14.1%</a:t>
+                <a:t>13.6%</a:t>
               </a:r>
             </a:p>
           </p:txBody>
@@ -8267,7 +8264,7 @@
           </p:nvSpPr>
           <p:spPr>
             <a:xfrm>
-              <a:off x="3419140" y="4106741"/>
+              <a:off x="3446056" y="4159751"/>
               <a:ext cx="409835" cy="109040"/>
             </a:xfrm>
             <a:prstGeom prst="rect">
@@ -8300,7 +8297,7 @@
                   <a:latin typeface="Arial"/>
                   <a:cs typeface="Arial"/>
                 </a:rPr>
-                <a:t>14.6%</a:t>
+                <a:t>14.4%</a:t>
               </a:r>
             </a:p>
           </p:txBody>
@@ -8313,7 +8310,7 @@
           </p:nvSpPr>
           <p:spPr>
             <a:xfrm>
-              <a:off x="3605490" y="3078366"/>
+              <a:off x="3582887" y="3101321"/>
               <a:ext cx="409835" cy="109040"/>
             </a:xfrm>
             <a:prstGeom prst="rect">
@@ -8346,7 +8343,7 @@
                   <a:latin typeface="Arial"/>
                   <a:cs typeface="Arial"/>
                 </a:rPr>
-                <a:t>24.7%</a:t>
+                <a:t>25.8%</a:t>
               </a:r>
             </a:p>
           </p:txBody>
@@ -8359,7 +8356,7 @@
           </p:nvSpPr>
           <p:spPr>
             <a:xfrm>
-              <a:off x="4452491" y="2840654"/>
+              <a:off x="4471587" y="2844595"/>
               <a:ext cx="329449" cy="109040"/>
             </a:xfrm>
             <a:prstGeom prst="rect">
@@ -8392,7 +8389,7 @@
                   <a:latin typeface="Arial"/>
                   <a:cs typeface="Arial"/>
                 </a:rPr>
-                <a:t>6.1%</a:t>
+                <a:t>6.8%</a:t>
               </a:r>
             </a:p>
           </p:txBody>
@@ -8405,7 +8402,7 @@
           </p:nvSpPr>
           <p:spPr>
             <a:xfrm>
-              <a:off x="4800235" y="2989050"/>
+              <a:off x="4840228" y="3018925"/>
               <a:ext cx="329449" cy="109040"/>
             </a:xfrm>
             <a:prstGeom prst="rect">
@@ -8438,7 +8435,7 @@
                   <a:latin typeface="Arial"/>
                   <a:cs typeface="Arial"/>
                 </a:rPr>
-                <a:t>7.3%</a:t>
+                <a:t>7.7%</a:t>
               </a:r>
             </a:p>
           </p:txBody>
@@ -8451,7 +8448,7 @@
           </p:nvSpPr>
           <p:spPr>
             <a:xfrm>
-              <a:off x="5084295" y="3316333"/>
+              <a:off x="5113085" y="3378287"/>
               <a:ext cx="329449" cy="109040"/>
             </a:xfrm>
             <a:prstGeom prst="rect">
@@ -8484,7 +8481,7 @@
                   <a:latin typeface="Arial"/>
                   <a:cs typeface="Arial"/>
                 </a:rPr>
-                <a:t>8.1%</a:t>
+                <a:t>8.4%</a:t>
               </a:r>
             </a:p>
           </p:txBody>
@@ -8497,7 +8494,7 @@
           </p:nvSpPr>
           <p:spPr>
             <a:xfrm>
-              <a:off x="5134861" y="3851280"/>
+              <a:off x="5126533" y="3901362"/>
               <a:ext cx="409835" cy="109040"/>
             </a:xfrm>
             <a:prstGeom prst="rect">
@@ -8530,7 +8527,7 @@
                   <a:latin typeface="Arial"/>
                   <a:cs typeface="Arial"/>
                 </a:rPr>
-                <a:t>11.3%</a:t>
+                <a:t>10.4%</a:t>
               </a:r>
             </a:p>
           </p:txBody>
@@ -8543,7 +8540,7 @@
           </p:nvSpPr>
           <p:spPr>
             <a:xfrm>
-              <a:off x="4782966" y="4450400"/>
+              <a:off x="4783523" y="4449980"/>
               <a:ext cx="409835" cy="109040"/>
             </a:xfrm>
             <a:prstGeom prst="rect">
@@ -8576,7 +8573,7 @@
                   <a:latin typeface="Arial"/>
                   <a:cs typeface="Arial"/>
                 </a:rPr>
-                <a:t>13.8%</a:t>
+                <a:t>12.9%</a:t>
               </a:r>
             </a:p>
           </p:txBody>
@@ -8589,7 +8586,7 @@
           </p:nvSpPr>
           <p:spPr>
             <a:xfrm>
-              <a:off x="4030330" y="4607794"/>
+              <a:off x="4070240" y="4616320"/>
               <a:ext cx="409835" cy="109040"/>
             </a:xfrm>
             <a:prstGeom prst="rect">
@@ -8622,7 +8619,7 @@
                   <a:latin typeface="Arial"/>
                   <a:cs typeface="Arial"/>
                 </a:rPr>
-                <a:t>14.1%</a:t>
+                <a:t>13.6%</a:t>
               </a:r>
             </a:p>
           </p:txBody>
@@ -8635,7 +8632,7 @@
           </p:nvSpPr>
           <p:spPr>
             <a:xfrm>
-              <a:off x="3419927" y="4110700"/>
+              <a:off x="3446844" y="4163710"/>
               <a:ext cx="409835" cy="109040"/>
             </a:xfrm>
             <a:prstGeom prst="rect">
@@ -8668,7 +8665,7 @@
                   <a:latin typeface="Arial"/>
                   <a:cs typeface="Arial"/>
                 </a:rPr>
-                <a:t>14.6%</a:t>
+                <a:t>14.4%</a:t>
               </a:r>
             </a:p>
           </p:txBody>
@@ -8681,7 +8678,7 @@
           </p:nvSpPr>
           <p:spPr>
             <a:xfrm>
-              <a:off x="3606278" y="3082325"/>
+              <a:off x="3583675" y="3105280"/>
               <a:ext cx="409835" cy="109040"/>
             </a:xfrm>
             <a:prstGeom prst="rect">
@@ -8714,7 +8711,7 @@
                   <a:latin typeface="Arial"/>
                   <a:cs typeface="Arial"/>
                 </a:rPr>
-                <a:t>24.7%</a:t>
+                <a:t>25.8%</a:t>
               </a:r>
             </a:p>
           </p:txBody>
@@ -8727,7 +8724,7 @@
           </p:nvSpPr>
           <p:spPr>
             <a:xfrm>
-              <a:off x="4454734" y="2844011"/>
+              <a:off x="4473830" y="2847951"/>
               <a:ext cx="329449" cy="109040"/>
             </a:xfrm>
             <a:prstGeom prst="rect">
@@ -8760,7 +8757,7 @@
                   <a:latin typeface="Arial"/>
                   <a:cs typeface="Arial"/>
                 </a:rPr>
-                <a:t>6.1%</a:t>
+                <a:t>6.8%</a:t>
               </a:r>
             </a:p>
           </p:txBody>
@@ -8773,7 +8770,7 @@
           </p:nvSpPr>
           <p:spPr>
             <a:xfrm>
-              <a:off x="4802478" y="2992407"/>
+              <a:off x="4842471" y="3022282"/>
               <a:ext cx="329449" cy="109040"/>
             </a:xfrm>
             <a:prstGeom prst="rect">
@@ -8806,7 +8803,7 @@
                   <a:latin typeface="Arial"/>
                   <a:cs typeface="Arial"/>
                 </a:rPr>
-                <a:t>7.3%</a:t>
+                <a:t>7.7%</a:t>
               </a:r>
             </a:p>
           </p:txBody>
@@ -8819,7 +8816,7 @@
           </p:nvSpPr>
           <p:spPr>
             <a:xfrm>
-              <a:off x="5086538" y="3319690"/>
+              <a:off x="5115328" y="3381643"/>
               <a:ext cx="329449" cy="109040"/>
             </a:xfrm>
             <a:prstGeom prst="rect">
@@ -8852,7 +8849,7 @@
                   <a:latin typeface="Arial"/>
                   <a:cs typeface="Arial"/>
                 </a:rPr>
-                <a:t>8.1%</a:t>
+                <a:t>8.4%</a:t>
               </a:r>
             </a:p>
           </p:txBody>
@@ -8865,7 +8862,7 @@
           </p:nvSpPr>
           <p:spPr>
             <a:xfrm>
-              <a:off x="5137103" y="3854636"/>
+              <a:off x="5128776" y="3904718"/>
               <a:ext cx="409835" cy="109040"/>
             </a:xfrm>
             <a:prstGeom prst="rect">
@@ -8898,7 +8895,7 @@
                   <a:latin typeface="Arial"/>
                   <a:cs typeface="Arial"/>
                 </a:rPr>
-                <a:t>11.3%</a:t>
+                <a:t>10.4%</a:t>
               </a:r>
             </a:p>
           </p:txBody>
@@ -8911,7 +8908,7 @@
           </p:nvSpPr>
           <p:spPr>
             <a:xfrm>
-              <a:off x="4785209" y="4453756"/>
+              <a:off x="4785766" y="4453337"/>
               <a:ext cx="409835" cy="109040"/>
             </a:xfrm>
             <a:prstGeom prst="rect">
@@ -8944,7 +8941,7 @@
                   <a:latin typeface="Arial"/>
                   <a:cs typeface="Arial"/>
                 </a:rPr>
-                <a:t>13.8%</a:t>
+                <a:t>12.9%</a:t>
               </a:r>
             </a:p>
           </p:txBody>
@@ -8957,7 +8954,7 @@
           </p:nvSpPr>
           <p:spPr>
             <a:xfrm>
-              <a:off x="4032573" y="4611150"/>
+              <a:off x="4072483" y="4619677"/>
               <a:ext cx="409835" cy="109040"/>
             </a:xfrm>
             <a:prstGeom prst="rect">
@@ -8990,7 +8987,7 @@
                   <a:latin typeface="Arial"/>
                   <a:cs typeface="Arial"/>
                 </a:rPr>
-                <a:t>14.1%</a:t>
+                <a:t>13.6%</a:t>
               </a:r>
             </a:p>
           </p:txBody>
@@ -9003,7 +9000,7 @@
           </p:nvSpPr>
           <p:spPr>
             <a:xfrm>
-              <a:off x="3422170" y="4114057"/>
+              <a:off x="3449086" y="4167067"/>
               <a:ext cx="409835" cy="109040"/>
             </a:xfrm>
             <a:prstGeom prst="rect">
@@ -9036,7 +9033,7 @@
                   <a:latin typeface="Arial"/>
                   <a:cs typeface="Arial"/>
                 </a:rPr>
-                <a:t>14.6%</a:t>
+                <a:t>14.4%</a:t>
               </a:r>
             </a:p>
           </p:txBody>
@@ -9049,7 +9046,7 @@
           </p:nvSpPr>
           <p:spPr>
             <a:xfrm>
-              <a:off x="3608520" y="3085682"/>
+              <a:off x="3585918" y="3108637"/>
               <a:ext cx="409835" cy="109040"/>
             </a:xfrm>
             <a:prstGeom prst="rect">
@@ -9082,7 +9079,7 @@
                   <a:latin typeface="Arial"/>
                   <a:cs typeface="Arial"/>
                 </a:rPr>
-                <a:t>24.7%</a:t>
+                <a:t>25.8%</a:t>
               </a:r>
             </a:p>
           </p:txBody>
@@ -9095,7 +9092,7 @@
           </p:nvSpPr>
           <p:spPr>
             <a:xfrm>
-              <a:off x="4458090" y="2846254"/>
+              <a:off x="4477187" y="2850194"/>
               <a:ext cx="329449" cy="109040"/>
             </a:xfrm>
             <a:prstGeom prst="rect">
@@ -9128,7 +9125,7 @@
                   <a:latin typeface="Arial"/>
                   <a:cs typeface="Arial"/>
                 </a:rPr>
-                <a:t>6.1%</a:t>
+                <a:t>6.8%</a:t>
               </a:r>
             </a:p>
           </p:txBody>
@@ -9141,7 +9138,7 @@
           </p:nvSpPr>
           <p:spPr>
             <a:xfrm>
-              <a:off x="4805834" y="2994650"/>
+              <a:off x="4845827" y="3024525"/>
               <a:ext cx="329449" cy="109040"/>
             </a:xfrm>
             <a:prstGeom prst="rect">
@@ -9174,7 +9171,7 @@
                   <a:latin typeface="Arial"/>
                   <a:cs typeface="Arial"/>
                 </a:rPr>
-                <a:t>7.3%</a:t>
+                <a:t>7.7%</a:t>
               </a:r>
             </a:p>
           </p:txBody>
@@ -9187,7 +9184,7 @@
           </p:nvSpPr>
           <p:spPr>
             <a:xfrm>
-              <a:off x="5089894" y="3321933"/>
+              <a:off x="5118685" y="3383886"/>
               <a:ext cx="329449" cy="109040"/>
             </a:xfrm>
             <a:prstGeom prst="rect">
@@ -9220,7 +9217,7 @@
                   <a:latin typeface="Arial"/>
                   <a:cs typeface="Arial"/>
                 </a:rPr>
-                <a:t>8.1%</a:t>
+                <a:t>8.4%</a:t>
               </a:r>
             </a:p>
           </p:txBody>
@@ -9233,7 +9230,7 @@
           </p:nvSpPr>
           <p:spPr>
             <a:xfrm>
-              <a:off x="5140460" y="3856879"/>
+              <a:off x="5132133" y="3906961"/>
               <a:ext cx="409835" cy="109040"/>
             </a:xfrm>
             <a:prstGeom prst="rect">
@@ -9266,7 +9263,7 @@
                   <a:latin typeface="Arial"/>
                   <a:cs typeface="Arial"/>
                 </a:rPr>
-                <a:t>11.3%</a:t>
+                <a:t>10.4%</a:t>
               </a:r>
             </a:p>
           </p:txBody>
@@ -9279,7 +9276,7 @@
           </p:nvSpPr>
           <p:spPr>
             <a:xfrm>
-              <a:off x="4788565" y="4455999"/>
+              <a:off x="4789122" y="4455579"/>
               <a:ext cx="409835" cy="109040"/>
             </a:xfrm>
             <a:prstGeom prst="rect">
@@ -9312,7 +9309,7 @@
                   <a:latin typeface="Arial"/>
                   <a:cs typeface="Arial"/>
                 </a:rPr>
-                <a:t>13.8%</a:t>
+                <a:t>12.9%</a:t>
               </a:r>
             </a:p>
           </p:txBody>
@@ -9325,7 +9322,7 @@
           </p:nvSpPr>
           <p:spPr>
             <a:xfrm>
-              <a:off x="4035929" y="4613393"/>
+              <a:off x="4075839" y="4621919"/>
               <a:ext cx="409835" cy="109040"/>
             </a:xfrm>
             <a:prstGeom prst="rect">
@@ -9358,7 +9355,7 @@
                   <a:latin typeface="Arial"/>
                   <a:cs typeface="Arial"/>
                 </a:rPr>
-                <a:t>14.1%</a:t>
+                <a:t>13.6%</a:t>
               </a:r>
             </a:p>
           </p:txBody>
@@ -9371,7 +9368,7 @@
           </p:nvSpPr>
           <p:spPr>
             <a:xfrm>
-              <a:off x="3425527" y="4116300"/>
+              <a:off x="3452443" y="4169310"/>
               <a:ext cx="409835" cy="109040"/>
             </a:xfrm>
             <a:prstGeom prst="rect">
@@ -9404,7 +9401,7 @@
                   <a:latin typeface="Arial"/>
                   <a:cs typeface="Arial"/>
                 </a:rPr>
-                <a:t>14.6%</a:t>
+                <a:t>14.4%</a:t>
               </a:r>
             </a:p>
           </p:txBody>
@@ -9417,7 +9414,7 @@
           </p:nvSpPr>
           <p:spPr>
             <a:xfrm>
-              <a:off x="3611877" y="3087925"/>
+              <a:off x="3589274" y="3110879"/>
               <a:ext cx="409835" cy="109040"/>
             </a:xfrm>
             <a:prstGeom prst="rect">
@@ -9450,7 +9447,7 @@
                   <a:latin typeface="Arial"/>
                   <a:cs typeface="Arial"/>
                 </a:rPr>
-                <a:t>24.7%</a:t>
+                <a:t>25.8%</a:t>
               </a:r>
             </a:p>
           </p:txBody>
@@ -9463,7 +9460,7 @@
           </p:nvSpPr>
           <p:spPr>
             <a:xfrm>
-              <a:off x="4462050" y="2847041"/>
+              <a:off x="4481146" y="2850982"/>
               <a:ext cx="329449" cy="109040"/>
             </a:xfrm>
             <a:prstGeom prst="rect">
@@ -9496,7 +9493,7 @@
                   <a:latin typeface="Arial"/>
                   <a:cs typeface="Arial"/>
                 </a:rPr>
-                <a:t>6.1%</a:t>
+                <a:t>6.8%</a:t>
               </a:r>
             </a:p>
           </p:txBody>
@@ -9509,7 +9506,7 @@
           </p:nvSpPr>
           <p:spPr>
             <a:xfrm>
-              <a:off x="4809794" y="2995437"/>
+              <a:off x="4849787" y="3025312"/>
               <a:ext cx="329449" cy="109040"/>
             </a:xfrm>
             <a:prstGeom prst="rect">
@@ -9542,7 +9539,7 @@
                   <a:latin typeface="Arial"/>
                   <a:cs typeface="Arial"/>
                 </a:rPr>
-                <a:t>7.3%</a:t>
+                <a:t>7.7%</a:t>
               </a:r>
             </a:p>
           </p:txBody>
@@ -9555,7 +9552,7 @@
           </p:nvSpPr>
           <p:spPr>
             <a:xfrm>
-              <a:off x="5093854" y="3322721"/>
+              <a:off x="5122644" y="3384674"/>
               <a:ext cx="329449" cy="109040"/>
             </a:xfrm>
             <a:prstGeom prst="rect">
@@ -9588,7 +9585,7 @@
                   <a:latin typeface="Arial"/>
                   <a:cs typeface="Arial"/>
                 </a:rPr>
-                <a:t>8.1%</a:t>
+                <a:t>8.4%</a:t>
               </a:r>
             </a:p>
           </p:txBody>
@@ -9601,7 +9598,7 @@
           </p:nvSpPr>
           <p:spPr>
             <a:xfrm>
-              <a:off x="5144419" y="3857667"/>
+              <a:off x="5136092" y="3907749"/>
               <a:ext cx="409835" cy="109040"/>
             </a:xfrm>
             <a:prstGeom prst="rect">
@@ -9634,7 +9631,7 @@
                   <a:latin typeface="Arial"/>
                   <a:cs typeface="Arial"/>
                 </a:rPr>
-                <a:t>11.3%</a:t>
+                <a:t>10.4%</a:t>
               </a:r>
             </a:p>
           </p:txBody>
@@ -9647,7 +9644,7 @@
           </p:nvSpPr>
           <p:spPr>
             <a:xfrm>
-              <a:off x="4792525" y="4456787"/>
+              <a:off x="4793082" y="4456367"/>
               <a:ext cx="409835" cy="109040"/>
             </a:xfrm>
             <a:prstGeom prst="rect">
@@ -9680,7 +9677,7 @@
                   <a:latin typeface="Arial"/>
                   <a:cs typeface="Arial"/>
                 </a:rPr>
-                <a:t>13.8%</a:t>
+                <a:t>12.9%</a:t>
               </a:r>
             </a:p>
           </p:txBody>
@@ -9693,7 +9690,7 @@
           </p:nvSpPr>
           <p:spPr>
             <a:xfrm>
-              <a:off x="4039889" y="4614181"/>
+              <a:off x="4079799" y="4622707"/>
               <a:ext cx="409835" cy="109040"/>
             </a:xfrm>
             <a:prstGeom prst="rect">
@@ -9726,7 +9723,7 @@
                   <a:latin typeface="Arial"/>
                   <a:cs typeface="Arial"/>
                 </a:rPr>
-                <a:t>14.1%</a:t>
+                <a:t>13.6%</a:t>
               </a:r>
             </a:p>
           </p:txBody>
@@ -9739,7 +9736,7 @@
           </p:nvSpPr>
           <p:spPr>
             <a:xfrm>
-              <a:off x="3429486" y="4117087"/>
+              <a:off x="3456402" y="4170097"/>
               <a:ext cx="409835" cy="109040"/>
             </a:xfrm>
             <a:prstGeom prst="rect">
@@ -9772,7 +9769,7 @@
                   <a:latin typeface="Arial"/>
                   <a:cs typeface="Arial"/>
                 </a:rPr>
-                <a:t>14.6%</a:t>
+                <a:t>14.4%</a:t>
               </a:r>
             </a:p>
           </p:txBody>
@@ -9785,7 +9782,7 @@
           </p:nvSpPr>
           <p:spPr>
             <a:xfrm>
-              <a:off x="3615836" y="3088712"/>
+              <a:off x="3593234" y="3111667"/>
               <a:ext cx="409835" cy="109040"/>
             </a:xfrm>
             <a:prstGeom prst="rect">
@@ -9818,7 +9815,7 @@
                   <a:latin typeface="Arial"/>
                   <a:cs typeface="Arial"/>
                 </a:rPr>
-                <a:t>24.7%</a:t>
+                <a:t>25.8%</a:t>
               </a:r>
             </a:p>
           </p:txBody>
@@ -9831,7 +9828,7 @@
           </p:nvSpPr>
           <p:spPr>
             <a:xfrm>
-              <a:off x="4466009" y="2846254"/>
+              <a:off x="4485106" y="2850194"/>
               <a:ext cx="329449" cy="109040"/>
             </a:xfrm>
             <a:prstGeom prst="rect">
@@ -9864,7 +9861,7 @@
                   <a:latin typeface="Arial"/>
                   <a:cs typeface="Arial"/>
                 </a:rPr>
-                <a:t>6.1%</a:t>
+                <a:t>6.8%</a:t>
               </a:r>
             </a:p>
           </p:txBody>
@@ -9877,7 +9874,7 @@
           </p:nvSpPr>
           <p:spPr>
             <a:xfrm>
-              <a:off x="4813753" y="2994650"/>
+              <a:off x="4853746" y="3024525"/>
               <a:ext cx="329449" cy="109040"/>
             </a:xfrm>
             <a:prstGeom prst="rect">
@@ -9910,7 +9907,7 @@
                   <a:latin typeface="Arial"/>
                   <a:cs typeface="Arial"/>
                 </a:rPr>
-                <a:t>7.3%</a:t>
+                <a:t>7.7%</a:t>
               </a:r>
             </a:p>
           </p:txBody>
@@ -9923,7 +9920,7 @@
           </p:nvSpPr>
           <p:spPr>
             <a:xfrm>
-              <a:off x="5097813" y="3321933"/>
+              <a:off x="5126603" y="3383886"/>
               <a:ext cx="329449" cy="109040"/>
             </a:xfrm>
             <a:prstGeom prst="rect">
@@ -9956,7 +9953,7 @@
                   <a:latin typeface="Arial"/>
                   <a:cs typeface="Arial"/>
                 </a:rPr>
-                <a:t>8.1%</a:t>
+                <a:t>8.4%</a:t>
               </a:r>
             </a:p>
           </p:txBody>
@@ -9969,7 +9966,7 @@
           </p:nvSpPr>
           <p:spPr>
             <a:xfrm>
-              <a:off x="5148379" y="3856879"/>
+              <a:off x="5140051" y="3906961"/>
               <a:ext cx="409835" cy="109040"/>
             </a:xfrm>
             <a:prstGeom prst="rect">
@@ -10002,7 +9999,7 @@
                   <a:latin typeface="Arial"/>
                   <a:cs typeface="Arial"/>
                 </a:rPr>
-                <a:t>11.3%</a:t>
+                <a:t>10.4%</a:t>
               </a:r>
             </a:p>
           </p:txBody>
@@ -10015,7 +10012,7 @@
           </p:nvSpPr>
           <p:spPr>
             <a:xfrm>
-              <a:off x="4796484" y="4455999"/>
+              <a:off x="4797041" y="4455579"/>
               <a:ext cx="409835" cy="109040"/>
             </a:xfrm>
             <a:prstGeom prst="rect">
@@ -10048,7 +10045,7 @@
                   <a:latin typeface="Arial"/>
                   <a:cs typeface="Arial"/>
                 </a:rPr>
-                <a:t>13.8%</a:t>
+                <a:t>12.9%</a:t>
               </a:r>
             </a:p>
           </p:txBody>
@@ -10061,7 +10058,7 @@
           </p:nvSpPr>
           <p:spPr>
             <a:xfrm>
-              <a:off x="4043848" y="4613393"/>
+              <a:off x="4083758" y="4621919"/>
               <a:ext cx="409835" cy="109040"/>
             </a:xfrm>
             <a:prstGeom prst="rect">
@@ -10094,7 +10091,7 @@
                   <a:latin typeface="Arial"/>
                   <a:cs typeface="Arial"/>
                 </a:rPr>
-                <a:t>14.1%</a:t>
+                <a:t>13.6%</a:t>
               </a:r>
             </a:p>
           </p:txBody>
@@ -10107,7 +10104,7 @@
           </p:nvSpPr>
           <p:spPr>
             <a:xfrm>
-              <a:off x="3433445" y="4116300"/>
+              <a:off x="3460362" y="4169310"/>
               <a:ext cx="409835" cy="109040"/>
             </a:xfrm>
             <a:prstGeom prst="rect">
@@ -10140,7 +10137,7 @@
                   <a:latin typeface="Arial"/>
                   <a:cs typeface="Arial"/>
                 </a:rPr>
-                <a:t>14.6%</a:t>
+                <a:t>14.4%</a:t>
               </a:r>
             </a:p>
           </p:txBody>
@@ -10153,7 +10150,7 @@
           </p:nvSpPr>
           <p:spPr>
             <a:xfrm>
-              <a:off x="3619796" y="3087925"/>
+              <a:off x="3597193" y="3110879"/>
               <a:ext cx="409835" cy="109040"/>
             </a:xfrm>
             <a:prstGeom prst="rect">
@@ -10186,7 +10183,7 @@
                   <a:latin typeface="Arial"/>
                   <a:cs typeface="Arial"/>
                 </a:rPr>
-                <a:t>24.7%</a:t>
+                <a:t>25.8%</a:t>
               </a:r>
             </a:p>
           </p:txBody>
@@ -10199,7 +10196,7 @@
           </p:nvSpPr>
           <p:spPr>
             <a:xfrm>
-              <a:off x="4469366" y="2844011"/>
+              <a:off x="4488462" y="2847951"/>
               <a:ext cx="329449" cy="109040"/>
             </a:xfrm>
             <a:prstGeom prst="rect">
@@ -10232,7 +10229,7 @@
                   <a:latin typeface="Arial"/>
                   <a:cs typeface="Arial"/>
                 </a:rPr>
-                <a:t>6.1%</a:t>
+                <a:t>6.8%</a:t>
               </a:r>
             </a:p>
           </p:txBody>
@@ -10245,7 +10242,7 @@
           </p:nvSpPr>
           <p:spPr>
             <a:xfrm>
-              <a:off x="4817110" y="2992407"/>
+              <a:off x="4857103" y="3022282"/>
               <a:ext cx="329449" cy="109040"/>
             </a:xfrm>
             <a:prstGeom prst="rect">
@@ -10278,7 +10275,7 @@
                   <a:latin typeface="Arial"/>
                   <a:cs typeface="Arial"/>
                 </a:rPr>
-                <a:t>7.3%</a:t>
+                <a:t>7.7%</a:t>
               </a:r>
             </a:p>
           </p:txBody>
@@ -10291,7 +10288,7 @@
           </p:nvSpPr>
           <p:spPr>
             <a:xfrm>
-              <a:off x="5101170" y="3319690"/>
+              <a:off x="5129960" y="3381643"/>
               <a:ext cx="329449" cy="109040"/>
             </a:xfrm>
             <a:prstGeom prst="rect">
@@ -10324,7 +10321,7 @@
                   <a:latin typeface="Arial"/>
                   <a:cs typeface="Arial"/>
                 </a:rPr>
-                <a:t>8.1%</a:t>
+                <a:t>8.4%</a:t>
               </a:r>
             </a:p>
           </p:txBody>
@@ -10337,7 +10334,7 @@
           </p:nvSpPr>
           <p:spPr>
             <a:xfrm>
-              <a:off x="5151735" y="3854636"/>
+              <a:off x="5143408" y="3904718"/>
               <a:ext cx="409835" cy="109040"/>
             </a:xfrm>
             <a:prstGeom prst="rect">
@@ -10370,7 +10367,7 @@
                   <a:latin typeface="Arial"/>
                   <a:cs typeface="Arial"/>
                 </a:rPr>
-                <a:t>11.3%</a:t>
+                <a:t>10.4%</a:t>
               </a:r>
             </a:p>
           </p:txBody>
@@ -10383,7 +10380,7 @@
           </p:nvSpPr>
           <p:spPr>
             <a:xfrm>
-              <a:off x="4799841" y="4453756"/>
+              <a:off x="4800398" y="4453337"/>
               <a:ext cx="409835" cy="109040"/>
             </a:xfrm>
             <a:prstGeom prst="rect">
@@ -10416,7 +10413,7 @@
                   <a:latin typeface="Arial"/>
                   <a:cs typeface="Arial"/>
                 </a:rPr>
-                <a:t>13.8%</a:t>
+                <a:t>12.9%</a:t>
               </a:r>
             </a:p>
           </p:txBody>
@@ -10429,7 +10426,7 @@
           </p:nvSpPr>
           <p:spPr>
             <a:xfrm>
-              <a:off x="4047205" y="4611150"/>
+              <a:off x="4087115" y="4619677"/>
               <a:ext cx="409835" cy="109040"/>
             </a:xfrm>
             <a:prstGeom prst="rect">
@@ -10462,7 +10459,7 @@
                   <a:latin typeface="Arial"/>
                   <a:cs typeface="Arial"/>
                 </a:rPr>
-                <a:t>14.1%</a:t>
+                <a:t>13.6%</a:t>
               </a:r>
             </a:p>
           </p:txBody>
@@ -10475,7 +10472,7 @@
           </p:nvSpPr>
           <p:spPr>
             <a:xfrm>
-              <a:off x="3436802" y="4114057"/>
+              <a:off x="3463719" y="4167067"/>
               <a:ext cx="409835" cy="109040"/>
             </a:xfrm>
             <a:prstGeom prst="rect">
@@ -10508,7 +10505,7 @@
                   <a:latin typeface="Arial"/>
                   <a:cs typeface="Arial"/>
                 </a:rPr>
-                <a:t>14.6%</a:t>
+                <a:t>14.4%</a:t>
               </a:r>
             </a:p>
           </p:txBody>
@@ -10521,7 +10518,7 @@
           </p:nvSpPr>
           <p:spPr>
             <a:xfrm>
-              <a:off x="3623153" y="3085682"/>
+              <a:off x="3600550" y="3108637"/>
               <a:ext cx="409835" cy="109040"/>
             </a:xfrm>
             <a:prstGeom prst="rect">
@@ -10554,7 +10551,7 @@
                   <a:latin typeface="Arial"/>
                   <a:cs typeface="Arial"/>
                 </a:rPr>
-                <a:t>24.7%</a:t>
+                <a:t>25.8%</a:t>
               </a:r>
             </a:p>
           </p:txBody>
@@ -10567,7 +10564,7 @@
           </p:nvSpPr>
           <p:spPr>
             <a:xfrm>
-              <a:off x="4471608" y="2840654"/>
+              <a:off x="4490705" y="2844595"/>
               <a:ext cx="329449" cy="109040"/>
             </a:xfrm>
             <a:prstGeom prst="rect">
@@ -10600,7 +10597,7 @@
                   <a:latin typeface="Arial"/>
                   <a:cs typeface="Arial"/>
                 </a:rPr>
-                <a:t>6.1%</a:t>
+                <a:t>6.8%</a:t>
               </a:r>
             </a:p>
           </p:txBody>
@@ -10613,7 +10610,7 @@
           </p:nvSpPr>
           <p:spPr>
             <a:xfrm>
-              <a:off x="4819353" y="2989050"/>
+              <a:off x="4859346" y="3018925"/>
               <a:ext cx="329449" cy="109040"/>
             </a:xfrm>
             <a:prstGeom prst="rect">
@@ -10646,7 +10643,7 @@
                   <a:latin typeface="Arial"/>
                   <a:cs typeface="Arial"/>
                 </a:rPr>
-                <a:t>7.3%</a:t>
+                <a:t>7.7%</a:t>
               </a:r>
             </a:p>
           </p:txBody>
@@ -10659,7 +10656,7 @@
           </p:nvSpPr>
           <p:spPr>
             <a:xfrm>
-              <a:off x="5103413" y="3316333"/>
+              <a:off x="5132203" y="3378287"/>
               <a:ext cx="329449" cy="109040"/>
             </a:xfrm>
             <a:prstGeom prst="rect">
@@ -10692,7 +10689,7 @@
                   <a:latin typeface="Arial"/>
                   <a:cs typeface="Arial"/>
                 </a:rPr>
-                <a:t>8.1%</a:t>
+                <a:t>8.4%</a:t>
               </a:r>
             </a:p>
           </p:txBody>
@@ -10705,7 +10702,7 @@
           </p:nvSpPr>
           <p:spPr>
             <a:xfrm>
-              <a:off x="5153978" y="3851280"/>
+              <a:off x="5145651" y="3901362"/>
               <a:ext cx="409835" cy="109040"/>
             </a:xfrm>
             <a:prstGeom prst="rect">
@@ -10738,7 +10735,7 @@
                   <a:latin typeface="Arial"/>
                   <a:cs typeface="Arial"/>
                 </a:rPr>
-                <a:t>11.3%</a:t>
+                <a:t>10.4%</a:t>
               </a:r>
             </a:p>
           </p:txBody>
@@ -10751,7 +10748,7 @@
           </p:nvSpPr>
           <p:spPr>
             <a:xfrm>
-              <a:off x="4802084" y="4450400"/>
+              <a:off x="4802640" y="4449980"/>
               <a:ext cx="409835" cy="109040"/>
             </a:xfrm>
             <a:prstGeom prst="rect">
@@ -10784,7 +10781,7 @@
                   <a:latin typeface="Arial"/>
                   <a:cs typeface="Arial"/>
                 </a:rPr>
-                <a:t>13.8%</a:t>
+                <a:t>12.9%</a:t>
               </a:r>
             </a:p>
           </p:txBody>
@@ -10797,7 +10794,7 @@
           </p:nvSpPr>
           <p:spPr>
             <a:xfrm>
-              <a:off x="4049448" y="4607794"/>
+              <a:off x="4089358" y="4616320"/>
               <a:ext cx="409835" cy="109040"/>
             </a:xfrm>
             <a:prstGeom prst="rect">
@@ -10830,7 +10827,7 @@
                   <a:latin typeface="Arial"/>
                   <a:cs typeface="Arial"/>
                 </a:rPr>
-                <a:t>14.1%</a:t>
+                <a:t>13.6%</a:t>
               </a:r>
             </a:p>
           </p:txBody>
@@ -10843,7 +10840,7 @@
           </p:nvSpPr>
           <p:spPr>
             <a:xfrm>
-              <a:off x="3439045" y="4110700"/>
+              <a:off x="3465961" y="4163710"/>
               <a:ext cx="409835" cy="109040"/>
             </a:xfrm>
             <a:prstGeom prst="rect">
@@ -10876,7 +10873,7 @@
                   <a:latin typeface="Arial"/>
                   <a:cs typeface="Arial"/>
                 </a:rPr>
-                <a:t>14.6%</a:t>
+                <a:t>14.4%</a:t>
               </a:r>
             </a:p>
           </p:txBody>
@@ -10889,7 +10886,7 @@
           </p:nvSpPr>
           <p:spPr>
             <a:xfrm>
-              <a:off x="3625395" y="3082325"/>
+              <a:off x="3602793" y="3105280"/>
               <a:ext cx="409835" cy="109040"/>
             </a:xfrm>
             <a:prstGeom prst="rect">
@@ -10922,7 +10919,7 @@
                   <a:latin typeface="Arial"/>
                   <a:cs typeface="Arial"/>
                 </a:rPr>
-                <a:t>24.7%</a:t>
+                <a:t>25.8%</a:t>
               </a:r>
             </a:p>
           </p:txBody>
@@ -10935,7 +10932,7 @@
           </p:nvSpPr>
           <p:spPr>
             <a:xfrm>
-              <a:off x="4472396" y="2836695"/>
+              <a:off x="4491493" y="2840635"/>
               <a:ext cx="329449" cy="109040"/>
             </a:xfrm>
             <a:prstGeom prst="rect">
@@ -10968,7 +10965,7 @@
                   <a:latin typeface="Arial"/>
                   <a:cs typeface="Arial"/>
                 </a:rPr>
-                <a:t>6.1%</a:t>
+                <a:t>6.8%</a:t>
               </a:r>
             </a:p>
           </p:txBody>
@@ -10981,7 +10978,7 @@
           </p:nvSpPr>
           <p:spPr>
             <a:xfrm>
-              <a:off x="4820140" y="2985091"/>
+              <a:off x="4860133" y="3014966"/>
               <a:ext cx="329449" cy="109040"/>
             </a:xfrm>
             <a:prstGeom prst="rect">
@@ -11014,7 +11011,7 @@
                   <a:latin typeface="Arial"/>
                   <a:cs typeface="Arial"/>
                 </a:rPr>
-                <a:t>7.3%</a:t>
+                <a:t>7.7%</a:t>
               </a:r>
             </a:p>
           </p:txBody>
@@ -11027,7 +11024,7 @@
           </p:nvSpPr>
           <p:spPr>
             <a:xfrm>
-              <a:off x="5104200" y="3312374"/>
+              <a:off x="5132990" y="3374327"/>
               <a:ext cx="329449" cy="109040"/>
             </a:xfrm>
             <a:prstGeom prst="rect">
@@ -11060,7 +11057,7 @@
                   <a:latin typeface="Arial"/>
                   <a:cs typeface="Arial"/>
                 </a:rPr>
-                <a:t>8.1%</a:t>
+                <a:t>8.4%</a:t>
               </a:r>
             </a:p>
           </p:txBody>
@@ -11073,7 +11070,7 @@
           </p:nvSpPr>
           <p:spPr>
             <a:xfrm>
-              <a:off x="5154766" y="3847320"/>
+              <a:off x="5146438" y="3897402"/>
               <a:ext cx="409835" cy="109040"/>
             </a:xfrm>
             <a:prstGeom prst="rect">
@@ -11106,7 +11103,7 @@
                   <a:latin typeface="Arial"/>
                   <a:cs typeface="Arial"/>
                 </a:rPr>
-                <a:t>11.3%</a:t>
+                <a:t>10.4%</a:t>
               </a:r>
             </a:p>
           </p:txBody>
@@ -11119,7 +11116,7 @@
           </p:nvSpPr>
           <p:spPr>
             <a:xfrm>
-              <a:off x="4802871" y="4446440"/>
+              <a:off x="4803428" y="4446021"/>
               <a:ext cx="409835" cy="109040"/>
             </a:xfrm>
             <a:prstGeom prst="rect">
@@ -11152,7 +11149,7 @@
                   <a:latin typeface="Arial"/>
                   <a:cs typeface="Arial"/>
                 </a:rPr>
-                <a:t>13.8%</a:t>
+                <a:t>12.9%</a:t>
               </a:r>
             </a:p>
           </p:txBody>
@@ -11165,7 +11162,7 @@
           </p:nvSpPr>
           <p:spPr>
             <a:xfrm>
-              <a:off x="4050235" y="4603834"/>
+              <a:off x="4090145" y="4612361"/>
               <a:ext cx="409835" cy="109040"/>
             </a:xfrm>
             <a:prstGeom prst="rect">
@@ -11198,7 +11195,7 @@
                   <a:latin typeface="Arial"/>
                   <a:cs typeface="Arial"/>
                 </a:rPr>
-                <a:t>14.1%</a:t>
+                <a:t>13.6%</a:t>
               </a:r>
             </a:p>
           </p:txBody>
@@ -11211,7 +11208,7 @@
           </p:nvSpPr>
           <p:spPr>
             <a:xfrm>
-              <a:off x="3439832" y="4106741"/>
+              <a:off x="3466749" y="4159751"/>
               <a:ext cx="409835" cy="109040"/>
             </a:xfrm>
             <a:prstGeom prst="rect">
@@ -11244,7 +11241,7 @@
                   <a:latin typeface="Arial"/>
                   <a:cs typeface="Arial"/>
                 </a:rPr>
-                <a:t>14.6%</a:t>
+                <a:t>14.4%</a:t>
               </a:r>
             </a:p>
           </p:txBody>
@@ -11257,7 +11254,7 @@
           </p:nvSpPr>
           <p:spPr>
             <a:xfrm>
-              <a:off x="3626183" y="3078366"/>
+              <a:off x="3603580" y="3101321"/>
               <a:ext cx="409835" cy="109040"/>
             </a:xfrm>
             <a:prstGeom prst="rect">
@@ -11290,7 +11287,7 @@
                   <a:latin typeface="Arial"/>
                   <a:cs typeface="Arial"/>
                 </a:rPr>
-                <a:t>24.7%</a:t>
+                <a:t>25.8%</a:t>
               </a:r>
             </a:p>
           </p:txBody>
@@ -11303,7 +11300,7 @@
           </p:nvSpPr>
           <p:spPr>
             <a:xfrm>
-              <a:off x="4462050" y="2836695"/>
+              <a:off x="4481146" y="2840635"/>
               <a:ext cx="329449" cy="109040"/>
             </a:xfrm>
             <a:prstGeom prst="rect">
@@ -11336,7 +11333,7 @@
                   <a:latin typeface="Arial"/>
                   <a:cs typeface="Arial"/>
                 </a:rPr>
-                <a:t>6.1%</a:t>
+                <a:t>6.8%</a:t>
               </a:r>
             </a:p>
           </p:txBody>
@@ -11349,7 +11346,7 @@
           </p:nvSpPr>
           <p:spPr>
             <a:xfrm>
-              <a:off x="4809794" y="2985091"/>
+              <a:off x="4849787" y="3014966"/>
               <a:ext cx="329449" cy="109040"/>
             </a:xfrm>
             <a:prstGeom prst="rect">
@@ -11382,7 +11379,7 @@
                   <a:latin typeface="Arial"/>
                   <a:cs typeface="Arial"/>
                 </a:rPr>
-                <a:t>7.3%</a:t>
+                <a:t>7.7%</a:t>
               </a:r>
             </a:p>
           </p:txBody>
@@ -11395,7 +11392,7 @@
           </p:nvSpPr>
           <p:spPr>
             <a:xfrm>
-              <a:off x="5093854" y="3312374"/>
+              <a:off x="5122644" y="3374327"/>
               <a:ext cx="329449" cy="109040"/>
             </a:xfrm>
             <a:prstGeom prst="rect">
@@ -11428,7 +11425,7 @@
                   <a:latin typeface="Arial"/>
                   <a:cs typeface="Arial"/>
                 </a:rPr>
-                <a:t>8.1%</a:t>
+                <a:t>8.4%</a:t>
               </a:r>
             </a:p>
           </p:txBody>
@@ -11441,7 +11438,7 @@
           </p:nvSpPr>
           <p:spPr>
             <a:xfrm>
-              <a:off x="5144419" y="3847320"/>
+              <a:off x="5136092" y="3897402"/>
               <a:ext cx="409835" cy="109040"/>
             </a:xfrm>
             <a:prstGeom prst="rect">
@@ -11474,7 +11471,7 @@
                   <a:latin typeface="Arial"/>
                   <a:cs typeface="Arial"/>
                 </a:rPr>
-                <a:t>11.3%</a:t>
+                <a:t>10.4%</a:t>
               </a:r>
             </a:p>
           </p:txBody>
@@ -11487,7 +11484,7 @@
           </p:nvSpPr>
           <p:spPr>
             <a:xfrm>
-              <a:off x="4792525" y="4446440"/>
+              <a:off x="4793082" y="4446021"/>
               <a:ext cx="409835" cy="109040"/>
             </a:xfrm>
             <a:prstGeom prst="rect">
@@ -11520,7 +11517,7 @@
                   <a:latin typeface="Arial"/>
                   <a:cs typeface="Arial"/>
                 </a:rPr>
-                <a:t>13.8%</a:t>
+                <a:t>12.9%</a:t>
               </a:r>
             </a:p>
           </p:txBody>
@@ -11533,7 +11530,7 @@
           </p:nvSpPr>
           <p:spPr>
             <a:xfrm>
-              <a:off x="4039889" y="4603834"/>
+              <a:off x="4079799" y="4612361"/>
               <a:ext cx="409835" cy="109040"/>
             </a:xfrm>
             <a:prstGeom prst="rect">
@@ -11566,7 +11563,7 @@
                   <a:latin typeface="Arial"/>
                   <a:cs typeface="Arial"/>
                 </a:rPr>
-                <a:t>14.1%</a:t>
+                <a:t>13.6%</a:t>
               </a:r>
             </a:p>
           </p:txBody>
@@ -11579,7 +11576,7 @@
           </p:nvSpPr>
           <p:spPr>
             <a:xfrm>
-              <a:off x="3429486" y="4106741"/>
+              <a:off x="3456402" y="4159751"/>
               <a:ext cx="409835" cy="109040"/>
             </a:xfrm>
             <a:prstGeom prst="rect">
@@ -11612,7 +11609,7 @@
                   <a:latin typeface="Arial"/>
                   <a:cs typeface="Arial"/>
                 </a:rPr>
-                <a:t>14.6%</a:t>
+                <a:t>14.4%</a:t>
               </a:r>
             </a:p>
           </p:txBody>
@@ -11625,7 +11622,7 @@
           </p:nvSpPr>
           <p:spPr>
             <a:xfrm>
-              <a:off x="3615836" y="3078366"/>
+              <a:off x="3593234" y="3101321"/>
               <a:ext cx="409835" cy="109040"/>
             </a:xfrm>
             <a:prstGeom prst="rect">
@@ -11658,7 +11655,7 @@
                   <a:latin typeface="Arial"/>
                   <a:cs typeface="Arial"/>
                 </a:rPr>
-                <a:t>24.7%</a:t>
+                <a:t>25.8%</a:t>
               </a:r>
             </a:p>
           </p:txBody>
